--- a/Bigdata.pptx
+++ b/Bigdata.pptx
@@ -9,6 +9,10 @@
     <p:sldId id="259" r:id="rId3"/>
     <p:sldId id="257" r:id="rId4"/>
     <p:sldId id="258" r:id="rId5"/>
+    <p:sldId id="260" r:id="rId6"/>
+    <p:sldId id="261" r:id="rId7"/>
+    <p:sldId id="262" r:id="rId8"/>
+    <p:sldId id="263" r:id="rId9"/>
   </p:sldIdLst>
   <p:sldSz cx="12192000" cy="6858000"/>
   <p:notesSz cx="6858000" cy="9144000"/>
@@ -6525,6 +6529,449 @@
 </p:sld>
 </file>
 
+<file path=ppt/slides/slide5.xml><?xml version="1.0" encoding="utf-8"?>
+<p:sld xmlns:a="http://schemas.openxmlformats.org/drawingml/2006/main" xmlns:r="http://schemas.openxmlformats.org/officeDocument/2006/relationships" xmlns:p="http://schemas.openxmlformats.org/presentationml/2006/main">
+  <p:cSld>
+    <p:spTree>
+      <p:nvGrpSpPr>
+        <p:cNvPr id="1" name=""/>
+        <p:cNvGrpSpPr/>
+        <p:nvPr/>
+      </p:nvGrpSpPr>
+      <p:grpSpPr>
+        <a:xfrm>
+          <a:off x="0" y="0"/>
+          <a:ext cx="0" cy="0"/>
+          <a:chOff x="0" y="0"/>
+          <a:chExt cx="0" cy="0"/>
+        </a:xfrm>
+      </p:grpSpPr>
+      <p:sp>
+        <p:nvSpPr>
+          <p:cNvPr id="2" name="Title 1">
+            <a:extLst>
+              <a:ext uri="{FF2B5EF4-FFF2-40B4-BE49-F238E27FC236}">
+                <a16:creationId xmlns:a16="http://schemas.microsoft.com/office/drawing/2014/main" id="{2B46AE85-97C4-4011-8AB9-580A45F06F9B}"/>
+              </a:ext>
+            </a:extLst>
+          </p:cNvPr>
+          <p:cNvSpPr>
+            <a:spLocks noGrp="1"/>
+          </p:cNvSpPr>
+          <p:nvPr>
+            <p:ph type="title"/>
+          </p:nvPr>
+        </p:nvSpPr>
+        <p:spPr/>
+        <p:txBody>
+          <a:bodyPr/>
+          <a:lstStyle/>
+          <a:p>
+            <a:r>
+              <a:rPr lang="en-IN" dirty="0"/>
+              <a:t>3V Model</a:t>
+            </a:r>
+          </a:p>
+        </p:txBody>
+      </p:sp>
+      <p:sp>
+        <p:nvSpPr>
+          <p:cNvPr id="3" name="Content Placeholder 2">
+            <a:extLst>
+              <a:ext uri="{FF2B5EF4-FFF2-40B4-BE49-F238E27FC236}">
+                <a16:creationId xmlns:a16="http://schemas.microsoft.com/office/drawing/2014/main" id="{40A54AD7-D168-4A5E-8763-BC728A25DE3E}"/>
+              </a:ext>
+            </a:extLst>
+          </p:cNvPr>
+          <p:cNvSpPr>
+            <a:spLocks noGrp="1"/>
+          </p:cNvSpPr>
+          <p:nvPr>
+            <p:ph idx="1"/>
+          </p:nvPr>
+        </p:nvSpPr>
+        <p:spPr/>
+        <p:txBody>
+          <a:bodyPr/>
+          <a:lstStyle/>
+          <a:p>
+            <a:r>
+              <a:rPr lang="en-IN" dirty="0"/>
+              <a:t>Volume</a:t>
+            </a:r>
+          </a:p>
+          <a:p>
+            <a:r>
+              <a:rPr lang="en-IN" dirty="0"/>
+              <a:t>Velocity</a:t>
+            </a:r>
+          </a:p>
+          <a:p>
+            <a:r>
+              <a:rPr lang="en-IN" dirty="0"/>
+              <a:t>Variety</a:t>
+            </a:r>
+          </a:p>
+        </p:txBody>
+      </p:sp>
+    </p:spTree>
+    <p:extLst>
+      <p:ext uri="{BB962C8B-B14F-4D97-AF65-F5344CB8AC3E}">
+        <p14:creationId xmlns:p14="http://schemas.microsoft.com/office/powerpoint/2010/main" val="877610739"/>
+      </p:ext>
+    </p:extLst>
+  </p:cSld>
+  <p:clrMapOvr>
+    <a:masterClrMapping/>
+  </p:clrMapOvr>
+</p:sld>
+</file>
+
+<file path=ppt/slides/slide6.xml><?xml version="1.0" encoding="utf-8"?>
+<p:sld xmlns:a="http://schemas.openxmlformats.org/drawingml/2006/main" xmlns:r="http://schemas.openxmlformats.org/officeDocument/2006/relationships" xmlns:p="http://schemas.openxmlformats.org/presentationml/2006/main">
+  <p:cSld>
+    <p:spTree>
+      <p:nvGrpSpPr>
+        <p:cNvPr id="1" name=""/>
+        <p:cNvGrpSpPr/>
+        <p:nvPr/>
+      </p:nvGrpSpPr>
+      <p:grpSpPr>
+        <a:xfrm>
+          <a:off x="0" y="0"/>
+          <a:ext cx="0" cy="0"/>
+          <a:chOff x="0" y="0"/>
+          <a:chExt cx="0" cy="0"/>
+        </a:xfrm>
+      </p:grpSpPr>
+      <p:sp>
+        <p:nvSpPr>
+          <p:cNvPr id="2" name="Title 1">
+            <a:extLst>
+              <a:ext uri="{FF2B5EF4-FFF2-40B4-BE49-F238E27FC236}">
+                <a16:creationId xmlns:a16="http://schemas.microsoft.com/office/drawing/2014/main" id="{6F96D1A8-5259-4A91-8EF9-9998F92F4CD6}"/>
+              </a:ext>
+            </a:extLst>
+          </p:cNvPr>
+          <p:cNvSpPr>
+            <a:spLocks noGrp="1"/>
+          </p:cNvSpPr>
+          <p:nvPr>
+            <p:ph type="title"/>
+          </p:nvPr>
+        </p:nvSpPr>
+        <p:spPr/>
+        <p:txBody>
+          <a:bodyPr/>
+          <a:lstStyle/>
+          <a:p>
+            <a:r>
+              <a:rPr lang="en-IN" dirty="0"/>
+              <a:t>Volume</a:t>
+            </a:r>
+          </a:p>
+        </p:txBody>
+      </p:sp>
+      <p:sp>
+        <p:nvSpPr>
+          <p:cNvPr id="3" name="Content Placeholder 2">
+            <a:extLst>
+              <a:ext uri="{FF2B5EF4-FFF2-40B4-BE49-F238E27FC236}">
+                <a16:creationId xmlns:a16="http://schemas.microsoft.com/office/drawing/2014/main" id="{67FCFEDD-6B4C-46CF-9384-D72895A10C82}"/>
+              </a:ext>
+            </a:extLst>
+          </p:cNvPr>
+          <p:cNvSpPr>
+            <a:spLocks noGrp="1"/>
+          </p:cNvSpPr>
+          <p:nvPr>
+            <p:ph idx="1"/>
+          </p:nvPr>
+        </p:nvSpPr>
+        <p:spPr/>
+        <p:txBody>
+          <a:bodyPr>
+            <a:normAutofit lnSpcReduction="10000"/>
+          </a:bodyPr>
+          <a:lstStyle/>
+          <a:p>
+            <a:r>
+              <a:rPr lang="en-US" dirty="0"/>
+              <a:t>Data Volume </a:t>
+            </a:r>
+          </a:p>
+          <a:p>
+            <a:r>
+              <a:rPr lang="en-US" dirty="0"/>
+              <a:t>44x increase from 2009 2020 </a:t>
+            </a:r>
+          </a:p>
+          <a:p>
+            <a:r>
+              <a:rPr lang="en-US" dirty="0"/>
+              <a:t>From 0.8 zettabytes to 35zb </a:t>
+            </a:r>
+          </a:p>
+          <a:p>
+            <a:r>
+              <a:rPr lang="en-US" dirty="0"/>
+              <a:t>Data volume is increasing exponentially  day by day</a:t>
+            </a:r>
+          </a:p>
+          <a:p>
+            <a:r>
+              <a:rPr lang="en-US" dirty="0"/>
+              <a:t>By 2020, International Data Corporation predicts the number will reach 40,000 EB, or 40 Zettabytes (ZB) . </a:t>
+            </a:r>
+          </a:p>
+          <a:p>
+            <a:r>
+              <a:rPr lang="en-US" dirty="0"/>
+              <a:t>The world’s information is doubling every two years. By 2020, there will be 5,200 GB of data for every person on Earth. </a:t>
+            </a:r>
+          </a:p>
+          <a:p>
+            <a:r>
+              <a:rPr lang="en-US" dirty="0"/>
+              <a:t>By 2020, the amount of high-value data worth analyzing will double and 60% of information delivered to decision makers will be actionable.</a:t>
+            </a:r>
+            <a:endParaRPr lang="en-IN" dirty="0"/>
+          </a:p>
+        </p:txBody>
+      </p:sp>
+    </p:spTree>
+    <p:extLst>
+      <p:ext uri="{BB962C8B-B14F-4D97-AF65-F5344CB8AC3E}">
+        <p14:creationId xmlns:p14="http://schemas.microsoft.com/office/powerpoint/2010/main" val="1716958758"/>
+      </p:ext>
+    </p:extLst>
+  </p:cSld>
+  <p:clrMapOvr>
+    <a:masterClrMapping/>
+  </p:clrMapOvr>
+</p:sld>
+</file>
+
+<file path=ppt/slides/slide7.xml><?xml version="1.0" encoding="utf-8"?>
+<p:sld xmlns:a="http://schemas.openxmlformats.org/drawingml/2006/main" xmlns:r="http://schemas.openxmlformats.org/officeDocument/2006/relationships" xmlns:p="http://schemas.openxmlformats.org/presentationml/2006/main">
+  <p:cSld>
+    <p:spTree>
+      <p:nvGrpSpPr>
+        <p:cNvPr id="1" name=""/>
+        <p:cNvGrpSpPr/>
+        <p:nvPr/>
+      </p:nvGrpSpPr>
+      <p:grpSpPr>
+        <a:xfrm>
+          <a:off x="0" y="0"/>
+          <a:ext cx="0" cy="0"/>
+          <a:chOff x="0" y="0"/>
+          <a:chExt cx="0" cy="0"/>
+        </a:xfrm>
+      </p:grpSpPr>
+      <p:sp>
+        <p:nvSpPr>
+          <p:cNvPr id="2" name="Title 1">
+            <a:extLst>
+              <a:ext uri="{FF2B5EF4-FFF2-40B4-BE49-F238E27FC236}">
+                <a16:creationId xmlns:a16="http://schemas.microsoft.com/office/drawing/2014/main" id="{5AD743EB-A2E8-405E-A5E1-FAB61D3B0363}"/>
+              </a:ext>
+            </a:extLst>
+          </p:cNvPr>
+          <p:cNvSpPr>
+            <a:spLocks noGrp="1"/>
+          </p:cNvSpPr>
+          <p:nvPr>
+            <p:ph type="title"/>
+          </p:nvPr>
+        </p:nvSpPr>
+        <p:spPr/>
+        <p:txBody>
+          <a:bodyPr/>
+          <a:lstStyle/>
+          <a:p>
+            <a:r>
+              <a:rPr lang="en-IN" dirty="0"/>
+              <a:t>Variety</a:t>
+            </a:r>
+          </a:p>
+        </p:txBody>
+      </p:sp>
+      <p:sp>
+        <p:nvSpPr>
+          <p:cNvPr id="3" name="Content Placeholder 2">
+            <a:extLst>
+              <a:ext uri="{FF2B5EF4-FFF2-40B4-BE49-F238E27FC236}">
+                <a16:creationId xmlns:a16="http://schemas.microsoft.com/office/drawing/2014/main" id="{B072E223-0D5E-4F5C-97FF-79750A063166}"/>
+              </a:ext>
+            </a:extLst>
+          </p:cNvPr>
+          <p:cNvSpPr>
+            <a:spLocks noGrp="1"/>
+          </p:cNvSpPr>
+          <p:nvPr>
+            <p:ph idx="1"/>
+          </p:nvPr>
+        </p:nvSpPr>
+        <p:spPr/>
+        <p:txBody>
+          <a:bodyPr/>
+          <a:lstStyle/>
+          <a:p>
+            <a:r>
+              <a:rPr lang="en-IN" dirty="0"/>
+              <a:t>XML</a:t>
+            </a:r>
+          </a:p>
+          <a:p>
+            <a:r>
+              <a:rPr lang="en-IN" dirty="0"/>
+              <a:t>JSON</a:t>
+            </a:r>
+          </a:p>
+          <a:p>
+            <a:r>
+              <a:rPr lang="en-IN" dirty="0"/>
+              <a:t>CSV </a:t>
+            </a:r>
+          </a:p>
+          <a:p>
+            <a:r>
+              <a:rPr lang="en-IN" dirty="0"/>
+              <a:t>TEXT</a:t>
+            </a:r>
+          </a:p>
+          <a:p>
+            <a:r>
+              <a:rPr lang="en-IN" dirty="0"/>
+              <a:t>Parquet</a:t>
+            </a:r>
+          </a:p>
+          <a:p>
+            <a:r>
+              <a:rPr lang="en-IN" dirty="0"/>
+              <a:t>AVRO</a:t>
+            </a:r>
+          </a:p>
+          <a:p>
+            <a:r>
+              <a:rPr lang="en-IN" dirty="0"/>
+              <a:t>Relational Database</a:t>
+            </a:r>
+          </a:p>
+          <a:p>
+            <a:r>
+              <a:rPr lang="en-IN" dirty="0"/>
+              <a:t>Non Relational Database</a:t>
+            </a:r>
+          </a:p>
+        </p:txBody>
+      </p:sp>
+    </p:spTree>
+    <p:extLst>
+      <p:ext uri="{BB962C8B-B14F-4D97-AF65-F5344CB8AC3E}">
+        <p14:creationId xmlns:p14="http://schemas.microsoft.com/office/powerpoint/2010/main" val="3323842575"/>
+      </p:ext>
+    </p:extLst>
+  </p:cSld>
+  <p:clrMapOvr>
+    <a:masterClrMapping/>
+  </p:clrMapOvr>
+</p:sld>
+</file>
+
+<file path=ppt/slides/slide8.xml><?xml version="1.0" encoding="utf-8"?>
+<p:sld xmlns:a="http://schemas.openxmlformats.org/drawingml/2006/main" xmlns:r="http://schemas.openxmlformats.org/officeDocument/2006/relationships" xmlns:p="http://schemas.openxmlformats.org/presentationml/2006/main">
+  <p:cSld>
+    <p:spTree>
+      <p:nvGrpSpPr>
+        <p:cNvPr id="1" name=""/>
+        <p:cNvGrpSpPr/>
+        <p:nvPr/>
+      </p:nvGrpSpPr>
+      <p:grpSpPr>
+        <a:xfrm>
+          <a:off x="0" y="0"/>
+          <a:ext cx="0" cy="0"/>
+          <a:chOff x="0" y="0"/>
+          <a:chExt cx="0" cy="0"/>
+        </a:xfrm>
+      </p:grpSpPr>
+      <p:sp>
+        <p:nvSpPr>
+          <p:cNvPr id="2" name="Title 1">
+            <a:extLst>
+              <a:ext uri="{FF2B5EF4-FFF2-40B4-BE49-F238E27FC236}">
+                <a16:creationId xmlns:a16="http://schemas.microsoft.com/office/drawing/2014/main" id="{326023DF-9A9B-4EB2-9E64-B643799214CA}"/>
+              </a:ext>
+            </a:extLst>
+          </p:cNvPr>
+          <p:cNvSpPr>
+            <a:spLocks noGrp="1"/>
+          </p:cNvSpPr>
+          <p:nvPr>
+            <p:ph type="title"/>
+          </p:nvPr>
+        </p:nvSpPr>
+        <p:spPr/>
+        <p:txBody>
+          <a:bodyPr/>
+          <a:lstStyle/>
+          <a:p>
+            <a:r>
+              <a:rPr lang="en-IN" dirty="0"/>
+              <a:t>Variety</a:t>
+            </a:r>
+          </a:p>
+        </p:txBody>
+      </p:sp>
+      <p:sp>
+        <p:nvSpPr>
+          <p:cNvPr id="3" name="Content Placeholder 2">
+            <a:extLst>
+              <a:ext uri="{FF2B5EF4-FFF2-40B4-BE49-F238E27FC236}">
+                <a16:creationId xmlns:a16="http://schemas.microsoft.com/office/drawing/2014/main" id="{BD2554B6-E520-4D4A-B1F3-4824F374C9F8}"/>
+              </a:ext>
+            </a:extLst>
+          </p:cNvPr>
+          <p:cNvSpPr>
+            <a:spLocks noGrp="1"/>
+          </p:cNvSpPr>
+          <p:nvPr>
+            <p:ph idx="1"/>
+          </p:nvPr>
+        </p:nvSpPr>
+        <p:spPr/>
+        <p:txBody>
+          <a:bodyPr/>
+          <a:lstStyle/>
+          <a:p>
+            <a:r>
+              <a:rPr lang="en-IN" dirty="0"/>
+              <a:t>Streaming data – the data which got ability to change randomly per sec/Per minute based</a:t>
+            </a:r>
+          </a:p>
+          <a:p>
+            <a:r>
+              <a:rPr lang="en-IN" dirty="0"/>
+              <a:t>Normal data - &gt; custom pull data, whenever we want data, we can manually pull it and use it analytical purpose</a:t>
+            </a:r>
+          </a:p>
+        </p:txBody>
+      </p:sp>
+    </p:spTree>
+    <p:extLst>
+      <p:ext uri="{BB962C8B-B14F-4D97-AF65-F5344CB8AC3E}">
+        <p14:creationId xmlns:p14="http://schemas.microsoft.com/office/powerpoint/2010/main" val="1830987458"/>
+      </p:ext>
+    </p:extLst>
+  </p:cSld>
+  <p:clrMapOvr>
+    <a:masterClrMapping/>
+  </p:clrMapOvr>
+</p:sld>
+</file>
+
 <file path=ppt/theme/theme1.xml><?xml version="1.0" encoding="utf-8"?>
 <a:theme xmlns:a="http://schemas.openxmlformats.org/drawingml/2006/main" name="Ion">
   <a:themeElements>

--- a/Bigdata.pptx
+++ b/Bigdata.pptx
@@ -13,6 +13,13 @@
     <p:sldId id="261" r:id="rId7"/>
     <p:sldId id="262" r:id="rId8"/>
     <p:sldId id="263" r:id="rId9"/>
+    <p:sldId id="264" r:id="rId10"/>
+    <p:sldId id="265" r:id="rId11"/>
+    <p:sldId id="266" r:id="rId12"/>
+    <p:sldId id="267" r:id="rId13"/>
+    <p:sldId id="269" r:id="rId14"/>
+    <p:sldId id="270" r:id="rId15"/>
+    <p:sldId id="271" r:id="rId16"/>
   </p:sldIdLst>
   <p:sldSz cx="12192000" cy="6858000"/>
   <p:notesSz cx="6858000" cy="9144000"/>
@@ -6162,6 +6169,2251 @@
 </p:sld>
 </file>
 
+<file path=ppt/slides/slide10.xml><?xml version="1.0" encoding="utf-8"?>
+<p:sld xmlns:a="http://schemas.openxmlformats.org/drawingml/2006/main" xmlns:r="http://schemas.openxmlformats.org/officeDocument/2006/relationships" xmlns:p="http://schemas.openxmlformats.org/presentationml/2006/main">
+  <p:cSld>
+    <p:spTree>
+      <p:nvGrpSpPr>
+        <p:cNvPr id="1" name=""/>
+        <p:cNvGrpSpPr/>
+        <p:nvPr/>
+      </p:nvGrpSpPr>
+      <p:grpSpPr>
+        <a:xfrm>
+          <a:off x="0" y="0"/>
+          <a:ext cx="0" cy="0"/>
+          <a:chOff x="0" y="0"/>
+          <a:chExt cx="0" cy="0"/>
+        </a:xfrm>
+      </p:grpSpPr>
+      <p:sp>
+        <p:nvSpPr>
+          <p:cNvPr id="2" name="Title 1">
+            <a:extLst>
+              <a:ext uri="{FF2B5EF4-FFF2-40B4-BE49-F238E27FC236}">
+                <a16:creationId xmlns:a16="http://schemas.microsoft.com/office/drawing/2014/main" id="{C278AE9A-78EB-40E4-8BF4-D05C6C2EC575}"/>
+              </a:ext>
+            </a:extLst>
+          </p:cNvPr>
+          <p:cNvSpPr>
+            <a:spLocks noGrp="1"/>
+          </p:cNvSpPr>
+          <p:nvPr>
+            <p:ph type="title"/>
+          </p:nvPr>
+        </p:nvSpPr>
+        <p:spPr/>
+        <p:txBody>
+          <a:bodyPr/>
+          <a:lstStyle/>
+          <a:p>
+            <a:r>
+              <a:rPr lang="en-IN" dirty="0"/>
+              <a:t>Read 1 TB of DATA</a:t>
+            </a:r>
+          </a:p>
+        </p:txBody>
+      </p:sp>
+      <p:pic>
+        <p:nvPicPr>
+          <p:cNvPr id="5" name="Content Placeholder 4" descr="Computer">
+            <a:extLst>
+              <a:ext uri="{FF2B5EF4-FFF2-40B4-BE49-F238E27FC236}">
+                <a16:creationId xmlns:a16="http://schemas.microsoft.com/office/drawing/2014/main" id="{F41C7259-6908-429A-85C1-A91C9E94E7B0}"/>
+              </a:ext>
+            </a:extLst>
+          </p:cNvPr>
+          <p:cNvPicPr>
+            <a:picLocks noGrp="1" noChangeAspect="1"/>
+          </p:cNvPicPr>
+          <p:nvPr>
+            <p:ph idx="1"/>
+          </p:nvPr>
+        </p:nvPicPr>
+        <p:blipFill>
+          <a:blip r:embed="rId2">
+            <a:extLst>
+              <a:ext uri="{28A0092B-C50C-407E-A947-70E740481C1C}">
+                <a14:useLocalDpi xmlns:a14="http://schemas.microsoft.com/office/drawing/2010/main" val="0"/>
+              </a:ext>
+              <a:ext uri="{96DAC541-7B7A-43D3-8B79-37D633B846F1}">
+                <asvg:svgBlip xmlns:asvg="http://schemas.microsoft.com/office/drawing/2016/SVG/main" r:embed="rId3"/>
+              </a:ext>
+            </a:extLst>
+          </a:blip>
+          <a:stretch>
+            <a:fillRect/>
+          </a:stretch>
+        </p:blipFill>
+        <p:spPr>
+          <a:xfrm>
+            <a:off x="715519" y="1853248"/>
+            <a:ext cx="2851294" cy="2851294"/>
+          </a:xfrm>
+        </p:spPr>
+      </p:pic>
+      <p:sp>
+        <p:nvSpPr>
+          <p:cNvPr id="6" name="TextBox 5">
+            <a:extLst>
+              <a:ext uri="{FF2B5EF4-FFF2-40B4-BE49-F238E27FC236}">
+                <a16:creationId xmlns:a16="http://schemas.microsoft.com/office/drawing/2014/main" id="{25A35817-7D21-4B9D-8CCD-7BFFB1F28880}"/>
+              </a:ext>
+            </a:extLst>
+          </p:cNvPr>
+          <p:cNvSpPr txBox="1"/>
+          <p:nvPr/>
+        </p:nvSpPr>
+        <p:spPr>
+          <a:xfrm>
+            <a:off x="6096000" y="2189018"/>
+            <a:ext cx="5772734" cy="923330"/>
+          </a:xfrm>
+          <a:prstGeom prst="rect">
+            <a:avLst/>
+          </a:prstGeom>
+          <a:noFill/>
+        </p:spPr>
+        <p:txBody>
+          <a:bodyPr wrap="none" rtlCol="0">
+            <a:spAutoFit/>
+          </a:bodyPr>
+          <a:lstStyle/>
+          <a:p>
+            <a:r>
+              <a:rPr lang="en-IN" dirty="0"/>
+              <a:t>If the job is processed by single computer means,</a:t>
+            </a:r>
+          </a:p>
+          <a:p>
+            <a:r>
+              <a:rPr lang="en-IN" dirty="0"/>
+              <a:t>It will take around 50 minutes of time to complete </a:t>
+            </a:r>
+          </a:p>
+          <a:p>
+            <a:r>
+              <a:rPr lang="en-IN" dirty="0"/>
+              <a:t>the job in successful manner</a:t>
+            </a:r>
+          </a:p>
+        </p:txBody>
+      </p:sp>
+    </p:spTree>
+    <p:extLst>
+      <p:ext uri="{BB962C8B-B14F-4D97-AF65-F5344CB8AC3E}">
+        <p14:creationId xmlns:p14="http://schemas.microsoft.com/office/powerpoint/2010/main" val="2979536418"/>
+      </p:ext>
+    </p:extLst>
+  </p:cSld>
+  <p:clrMapOvr>
+    <a:masterClrMapping/>
+  </p:clrMapOvr>
+</p:sld>
+</file>
+
+<file path=ppt/slides/slide11.xml><?xml version="1.0" encoding="utf-8"?>
+<p:sld xmlns:a="http://schemas.openxmlformats.org/drawingml/2006/main" xmlns:r="http://schemas.openxmlformats.org/officeDocument/2006/relationships" xmlns:p="http://schemas.openxmlformats.org/presentationml/2006/main">
+  <p:cSld>
+    <p:spTree>
+      <p:nvGrpSpPr>
+        <p:cNvPr id="1" name=""/>
+        <p:cNvGrpSpPr/>
+        <p:nvPr/>
+      </p:nvGrpSpPr>
+      <p:grpSpPr>
+        <a:xfrm>
+          <a:off x="0" y="0"/>
+          <a:ext cx="0" cy="0"/>
+          <a:chOff x="0" y="0"/>
+          <a:chExt cx="0" cy="0"/>
+        </a:xfrm>
+      </p:grpSpPr>
+      <p:sp>
+        <p:nvSpPr>
+          <p:cNvPr id="2" name="Title 1">
+            <a:extLst>
+              <a:ext uri="{FF2B5EF4-FFF2-40B4-BE49-F238E27FC236}">
+                <a16:creationId xmlns:a16="http://schemas.microsoft.com/office/drawing/2014/main" id="{C278AE9A-78EB-40E4-8BF4-D05C6C2EC575}"/>
+              </a:ext>
+            </a:extLst>
+          </p:cNvPr>
+          <p:cNvSpPr>
+            <a:spLocks noGrp="1"/>
+          </p:cNvSpPr>
+          <p:nvPr>
+            <p:ph type="title"/>
+          </p:nvPr>
+        </p:nvSpPr>
+        <p:spPr/>
+        <p:txBody>
+          <a:bodyPr/>
+          <a:lstStyle/>
+          <a:p>
+            <a:r>
+              <a:rPr lang="en-IN" dirty="0"/>
+              <a:t>Read 1 TB of DATA</a:t>
+            </a:r>
+          </a:p>
+        </p:txBody>
+      </p:sp>
+      <p:pic>
+        <p:nvPicPr>
+          <p:cNvPr id="5" name="Content Placeholder 4" descr="Computer">
+            <a:extLst>
+              <a:ext uri="{FF2B5EF4-FFF2-40B4-BE49-F238E27FC236}">
+                <a16:creationId xmlns:a16="http://schemas.microsoft.com/office/drawing/2014/main" id="{F41C7259-6908-429A-85C1-A91C9E94E7B0}"/>
+              </a:ext>
+            </a:extLst>
+          </p:cNvPr>
+          <p:cNvPicPr>
+            <a:picLocks noGrp="1" noChangeAspect="1"/>
+          </p:cNvPicPr>
+          <p:nvPr>
+            <p:ph idx="1"/>
+          </p:nvPr>
+        </p:nvPicPr>
+        <p:blipFill>
+          <a:blip r:embed="rId2">
+            <a:extLst>
+              <a:ext uri="{28A0092B-C50C-407E-A947-70E740481C1C}">
+                <a14:useLocalDpi xmlns:a14="http://schemas.microsoft.com/office/drawing/2010/main" val="0"/>
+              </a:ext>
+              <a:ext uri="{96DAC541-7B7A-43D3-8B79-37D633B846F1}">
+                <asvg:svgBlip xmlns:asvg="http://schemas.microsoft.com/office/drawing/2016/SVG/main" r:embed="rId3"/>
+              </a:ext>
+            </a:extLst>
+          </a:blip>
+          <a:stretch>
+            <a:fillRect/>
+          </a:stretch>
+        </p:blipFill>
+        <p:spPr>
+          <a:xfrm>
+            <a:off x="161337" y="1302856"/>
+            <a:ext cx="1436554" cy="1436554"/>
+          </a:xfrm>
+        </p:spPr>
+      </p:pic>
+      <p:sp>
+        <p:nvSpPr>
+          <p:cNvPr id="6" name="TextBox 5">
+            <a:extLst>
+              <a:ext uri="{FF2B5EF4-FFF2-40B4-BE49-F238E27FC236}">
+                <a16:creationId xmlns:a16="http://schemas.microsoft.com/office/drawing/2014/main" id="{25A35817-7D21-4B9D-8CCD-7BFFB1F28880}"/>
+              </a:ext>
+            </a:extLst>
+          </p:cNvPr>
+          <p:cNvSpPr txBox="1"/>
+          <p:nvPr/>
+        </p:nvSpPr>
+        <p:spPr>
+          <a:xfrm>
+            <a:off x="6096000" y="2189018"/>
+            <a:ext cx="6136616" cy="923330"/>
+          </a:xfrm>
+          <a:prstGeom prst="rect">
+            <a:avLst/>
+          </a:prstGeom>
+          <a:noFill/>
+        </p:spPr>
+        <p:txBody>
+          <a:bodyPr wrap="none" rtlCol="0">
+            <a:spAutoFit/>
+          </a:bodyPr>
+          <a:lstStyle/>
+          <a:p>
+            <a:r>
+              <a:rPr lang="en-IN" dirty="0"/>
+              <a:t>If the job is processed by cluster of computer means,</a:t>
+            </a:r>
+          </a:p>
+          <a:p>
+            <a:r>
+              <a:rPr lang="en-IN" dirty="0"/>
+              <a:t>It will take around 5 minutes of time to complete </a:t>
+            </a:r>
+          </a:p>
+          <a:p>
+            <a:r>
+              <a:rPr lang="en-IN" dirty="0"/>
+              <a:t>the job in successful manner</a:t>
+            </a:r>
+          </a:p>
+        </p:txBody>
+      </p:sp>
+      <p:pic>
+        <p:nvPicPr>
+          <p:cNvPr id="7" name="Content Placeholder 4" descr="Computer">
+            <a:extLst>
+              <a:ext uri="{FF2B5EF4-FFF2-40B4-BE49-F238E27FC236}">
+                <a16:creationId xmlns:a16="http://schemas.microsoft.com/office/drawing/2014/main" id="{3D203405-731F-441A-A921-1276204ED3EF}"/>
+              </a:ext>
+            </a:extLst>
+          </p:cNvPr>
+          <p:cNvPicPr>
+            <a:picLocks noChangeAspect="1"/>
+          </p:cNvPicPr>
+          <p:nvPr/>
+        </p:nvPicPr>
+        <p:blipFill>
+          <a:blip r:embed="rId2">
+            <a:extLst>
+              <a:ext uri="{28A0092B-C50C-407E-A947-70E740481C1C}">
+                <a14:useLocalDpi xmlns:a14="http://schemas.microsoft.com/office/drawing/2010/main" val="0"/>
+              </a:ext>
+              <a:ext uri="{96DAC541-7B7A-43D3-8B79-37D633B846F1}">
+                <asvg:svgBlip xmlns:asvg="http://schemas.microsoft.com/office/drawing/2016/SVG/main" r:embed="rId4"/>
+              </a:ext>
+            </a:extLst>
+          </a:blip>
+          <a:stretch>
+            <a:fillRect/>
+          </a:stretch>
+        </p:blipFill>
+        <p:spPr>
+          <a:xfrm>
+            <a:off x="1865446" y="1302856"/>
+            <a:ext cx="1436554" cy="1436554"/>
+          </a:xfrm>
+          <a:prstGeom prst="rect">
+            <a:avLst/>
+          </a:prstGeom>
+        </p:spPr>
+      </p:pic>
+      <p:pic>
+        <p:nvPicPr>
+          <p:cNvPr id="8" name="Content Placeholder 4" descr="Computer">
+            <a:extLst>
+              <a:ext uri="{FF2B5EF4-FFF2-40B4-BE49-F238E27FC236}">
+                <a16:creationId xmlns:a16="http://schemas.microsoft.com/office/drawing/2014/main" id="{A2F13DB3-4A2C-472E-9248-838077D462D0}"/>
+              </a:ext>
+            </a:extLst>
+          </p:cNvPr>
+          <p:cNvPicPr>
+            <a:picLocks noChangeAspect="1"/>
+          </p:cNvPicPr>
+          <p:nvPr/>
+        </p:nvPicPr>
+        <p:blipFill>
+          <a:blip r:embed="rId2">
+            <a:extLst>
+              <a:ext uri="{28A0092B-C50C-407E-A947-70E740481C1C}">
+                <a14:useLocalDpi xmlns:a14="http://schemas.microsoft.com/office/drawing/2010/main" val="0"/>
+              </a:ext>
+              <a:ext uri="{96DAC541-7B7A-43D3-8B79-37D633B846F1}">
+                <asvg:svgBlip xmlns:asvg="http://schemas.microsoft.com/office/drawing/2016/SVG/main" r:embed="rId4"/>
+              </a:ext>
+            </a:extLst>
+          </a:blip>
+          <a:stretch>
+            <a:fillRect/>
+          </a:stretch>
+        </p:blipFill>
+        <p:spPr>
+          <a:xfrm>
+            <a:off x="3569555" y="1302856"/>
+            <a:ext cx="1436554" cy="1436554"/>
+          </a:xfrm>
+          <a:prstGeom prst="rect">
+            <a:avLst/>
+          </a:prstGeom>
+        </p:spPr>
+      </p:pic>
+      <p:pic>
+        <p:nvPicPr>
+          <p:cNvPr id="9" name="Content Placeholder 4" descr="Computer">
+            <a:extLst>
+              <a:ext uri="{FF2B5EF4-FFF2-40B4-BE49-F238E27FC236}">
+                <a16:creationId xmlns:a16="http://schemas.microsoft.com/office/drawing/2014/main" id="{3204ECA8-8CE9-4891-A531-ABE1F66D154A}"/>
+              </a:ext>
+            </a:extLst>
+          </p:cNvPr>
+          <p:cNvPicPr>
+            <a:picLocks noChangeAspect="1"/>
+          </p:cNvPicPr>
+          <p:nvPr/>
+        </p:nvPicPr>
+        <p:blipFill>
+          <a:blip r:embed="rId2">
+            <a:extLst>
+              <a:ext uri="{28A0092B-C50C-407E-A947-70E740481C1C}">
+                <a14:useLocalDpi xmlns:a14="http://schemas.microsoft.com/office/drawing/2010/main" val="0"/>
+              </a:ext>
+              <a:ext uri="{96DAC541-7B7A-43D3-8B79-37D633B846F1}">
+                <asvg:svgBlip xmlns:asvg="http://schemas.microsoft.com/office/drawing/2016/SVG/main" r:embed="rId4"/>
+              </a:ext>
+            </a:extLst>
+          </a:blip>
+          <a:stretch>
+            <a:fillRect/>
+          </a:stretch>
+        </p:blipFill>
+        <p:spPr>
+          <a:xfrm>
+            <a:off x="161337" y="2394071"/>
+            <a:ext cx="1436554" cy="1436554"/>
+          </a:xfrm>
+          <a:prstGeom prst="rect">
+            <a:avLst/>
+          </a:prstGeom>
+        </p:spPr>
+      </p:pic>
+      <p:pic>
+        <p:nvPicPr>
+          <p:cNvPr id="10" name="Content Placeholder 4" descr="Computer">
+            <a:extLst>
+              <a:ext uri="{FF2B5EF4-FFF2-40B4-BE49-F238E27FC236}">
+                <a16:creationId xmlns:a16="http://schemas.microsoft.com/office/drawing/2014/main" id="{B3FD9D62-1A1C-4CB3-8FB1-5434D4FA9F54}"/>
+              </a:ext>
+            </a:extLst>
+          </p:cNvPr>
+          <p:cNvPicPr>
+            <a:picLocks noChangeAspect="1"/>
+          </p:cNvPicPr>
+          <p:nvPr/>
+        </p:nvPicPr>
+        <p:blipFill>
+          <a:blip r:embed="rId2">
+            <a:extLst>
+              <a:ext uri="{28A0092B-C50C-407E-A947-70E740481C1C}">
+                <a14:useLocalDpi xmlns:a14="http://schemas.microsoft.com/office/drawing/2010/main" val="0"/>
+              </a:ext>
+              <a:ext uri="{96DAC541-7B7A-43D3-8B79-37D633B846F1}">
+                <asvg:svgBlip xmlns:asvg="http://schemas.microsoft.com/office/drawing/2016/SVG/main" r:embed="rId4"/>
+              </a:ext>
+            </a:extLst>
+          </a:blip>
+          <a:stretch>
+            <a:fillRect/>
+          </a:stretch>
+        </p:blipFill>
+        <p:spPr>
+          <a:xfrm>
+            <a:off x="1865446" y="2394071"/>
+            <a:ext cx="1436554" cy="1436554"/>
+          </a:xfrm>
+          <a:prstGeom prst="rect">
+            <a:avLst/>
+          </a:prstGeom>
+        </p:spPr>
+      </p:pic>
+      <p:pic>
+        <p:nvPicPr>
+          <p:cNvPr id="11" name="Content Placeholder 4" descr="Computer">
+            <a:extLst>
+              <a:ext uri="{FF2B5EF4-FFF2-40B4-BE49-F238E27FC236}">
+                <a16:creationId xmlns:a16="http://schemas.microsoft.com/office/drawing/2014/main" id="{FE4DF101-39E7-4020-81B4-9B9F477A7E68}"/>
+              </a:ext>
+            </a:extLst>
+          </p:cNvPr>
+          <p:cNvPicPr>
+            <a:picLocks noChangeAspect="1"/>
+          </p:cNvPicPr>
+          <p:nvPr/>
+        </p:nvPicPr>
+        <p:blipFill>
+          <a:blip r:embed="rId2">
+            <a:extLst>
+              <a:ext uri="{28A0092B-C50C-407E-A947-70E740481C1C}">
+                <a14:useLocalDpi xmlns:a14="http://schemas.microsoft.com/office/drawing/2010/main" val="0"/>
+              </a:ext>
+              <a:ext uri="{96DAC541-7B7A-43D3-8B79-37D633B846F1}">
+                <asvg:svgBlip xmlns:asvg="http://schemas.microsoft.com/office/drawing/2016/SVG/main" r:embed="rId4"/>
+              </a:ext>
+            </a:extLst>
+          </a:blip>
+          <a:stretch>
+            <a:fillRect/>
+          </a:stretch>
+        </p:blipFill>
+        <p:spPr>
+          <a:xfrm>
+            <a:off x="3569555" y="2394071"/>
+            <a:ext cx="1436554" cy="1436554"/>
+          </a:xfrm>
+          <a:prstGeom prst="rect">
+            <a:avLst/>
+          </a:prstGeom>
+        </p:spPr>
+      </p:pic>
+      <p:pic>
+        <p:nvPicPr>
+          <p:cNvPr id="12" name="Content Placeholder 4" descr="Computer">
+            <a:extLst>
+              <a:ext uri="{FF2B5EF4-FFF2-40B4-BE49-F238E27FC236}">
+                <a16:creationId xmlns:a16="http://schemas.microsoft.com/office/drawing/2014/main" id="{F6D834F2-64FB-47AF-93F3-4DC4127C1334}"/>
+              </a:ext>
+            </a:extLst>
+          </p:cNvPr>
+          <p:cNvPicPr>
+            <a:picLocks noChangeAspect="1"/>
+          </p:cNvPicPr>
+          <p:nvPr/>
+        </p:nvPicPr>
+        <p:blipFill>
+          <a:blip r:embed="rId2">
+            <a:extLst>
+              <a:ext uri="{28A0092B-C50C-407E-A947-70E740481C1C}">
+                <a14:useLocalDpi xmlns:a14="http://schemas.microsoft.com/office/drawing/2010/main" val="0"/>
+              </a:ext>
+              <a:ext uri="{96DAC541-7B7A-43D3-8B79-37D633B846F1}">
+                <asvg:svgBlip xmlns:asvg="http://schemas.microsoft.com/office/drawing/2016/SVG/main" r:embed="rId4"/>
+              </a:ext>
+            </a:extLst>
+          </a:blip>
+          <a:stretch>
+            <a:fillRect/>
+          </a:stretch>
+        </p:blipFill>
+        <p:spPr>
+          <a:xfrm>
+            <a:off x="161337" y="3486271"/>
+            <a:ext cx="1436554" cy="1436554"/>
+          </a:xfrm>
+          <a:prstGeom prst="rect">
+            <a:avLst/>
+          </a:prstGeom>
+        </p:spPr>
+      </p:pic>
+      <p:pic>
+        <p:nvPicPr>
+          <p:cNvPr id="13" name="Content Placeholder 4" descr="Computer">
+            <a:extLst>
+              <a:ext uri="{FF2B5EF4-FFF2-40B4-BE49-F238E27FC236}">
+                <a16:creationId xmlns:a16="http://schemas.microsoft.com/office/drawing/2014/main" id="{77889318-D251-47B4-A459-6CFCB21204EF}"/>
+              </a:ext>
+            </a:extLst>
+          </p:cNvPr>
+          <p:cNvPicPr>
+            <a:picLocks noChangeAspect="1"/>
+          </p:cNvPicPr>
+          <p:nvPr/>
+        </p:nvPicPr>
+        <p:blipFill>
+          <a:blip r:embed="rId2">
+            <a:extLst>
+              <a:ext uri="{28A0092B-C50C-407E-A947-70E740481C1C}">
+                <a14:useLocalDpi xmlns:a14="http://schemas.microsoft.com/office/drawing/2010/main" val="0"/>
+              </a:ext>
+              <a:ext uri="{96DAC541-7B7A-43D3-8B79-37D633B846F1}">
+                <asvg:svgBlip xmlns:asvg="http://schemas.microsoft.com/office/drawing/2016/SVG/main" r:embed="rId4"/>
+              </a:ext>
+            </a:extLst>
+          </a:blip>
+          <a:stretch>
+            <a:fillRect/>
+          </a:stretch>
+        </p:blipFill>
+        <p:spPr>
+          <a:xfrm>
+            <a:off x="1865446" y="3486271"/>
+            <a:ext cx="1436554" cy="1436554"/>
+          </a:xfrm>
+          <a:prstGeom prst="rect">
+            <a:avLst/>
+          </a:prstGeom>
+        </p:spPr>
+      </p:pic>
+      <p:pic>
+        <p:nvPicPr>
+          <p:cNvPr id="14" name="Content Placeholder 4" descr="Computer">
+            <a:extLst>
+              <a:ext uri="{FF2B5EF4-FFF2-40B4-BE49-F238E27FC236}">
+                <a16:creationId xmlns:a16="http://schemas.microsoft.com/office/drawing/2014/main" id="{6A5E8A71-CC54-4C65-9D96-DB5914C71BA7}"/>
+              </a:ext>
+            </a:extLst>
+          </p:cNvPr>
+          <p:cNvPicPr>
+            <a:picLocks noChangeAspect="1"/>
+          </p:cNvPicPr>
+          <p:nvPr/>
+        </p:nvPicPr>
+        <p:blipFill>
+          <a:blip r:embed="rId2">
+            <a:extLst>
+              <a:ext uri="{28A0092B-C50C-407E-A947-70E740481C1C}">
+                <a14:useLocalDpi xmlns:a14="http://schemas.microsoft.com/office/drawing/2010/main" val="0"/>
+              </a:ext>
+              <a:ext uri="{96DAC541-7B7A-43D3-8B79-37D633B846F1}">
+                <asvg:svgBlip xmlns:asvg="http://schemas.microsoft.com/office/drawing/2016/SVG/main" r:embed="rId4"/>
+              </a:ext>
+            </a:extLst>
+          </a:blip>
+          <a:stretch>
+            <a:fillRect/>
+          </a:stretch>
+        </p:blipFill>
+        <p:spPr>
+          <a:xfrm>
+            <a:off x="3569555" y="3486271"/>
+            <a:ext cx="1436554" cy="1436554"/>
+          </a:xfrm>
+          <a:prstGeom prst="rect">
+            <a:avLst/>
+          </a:prstGeom>
+        </p:spPr>
+      </p:pic>
+      <p:pic>
+        <p:nvPicPr>
+          <p:cNvPr id="15" name="Content Placeholder 4" descr="Computer">
+            <a:extLst>
+              <a:ext uri="{FF2B5EF4-FFF2-40B4-BE49-F238E27FC236}">
+                <a16:creationId xmlns:a16="http://schemas.microsoft.com/office/drawing/2014/main" id="{CB7ADB7F-8D7C-4E54-A7D3-60C12B4C4321}"/>
+              </a:ext>
+            </a:extLst>
+          </p:cNvPr>
+          <p:cNvPicPr>
+            <a:picLocks noChangeAspect="1"/>
+          </p:cNvPicPr>
+          <p:nvPr/>
+        </p:nvPicPr>
+        <p:blipFill>
+          <a:blip r:embed="rId2">
+            <a:extLst>
+              <a:ext uri="{28A0092B-C50C-407E-A947-70E740481C1C}">
+                <a14:useLocalDpi xmlns:a14="http://schemas.microsoft.com/office/drawing/2010/main" val="0"/>
+              </a:ext>
+              <a:ext uri="{96DAC541-7B7A-43D3-8B79-37D633B846F1}">
+                <asvg:svgBlip xmlns:asvg="http://schemas.microsoft.com/office/drawing/2016/SVG/main" r:embed="rId4"/>
+              </a:ext>
+            </a:extLst>
+          </a:blip>
+          <a:stretch>
+            <a:fillRect/>
+          </a:stretch>
+        </p:blipFill>
+        <p:spPr>
+          <a:xfrm>
+            <a:off x="161337" y="4577486"/>
+            <a:ext cx="1436554" cy="1436554"/>
+          </a:xfrm>
+          <a:prstGeom prst="rect">
+            <a:avLst/>
+          </a:prstGeom>
+        </p:spPr>
+      </p:pic>
+      <p:pic>
+        <p:nvPicPr>
+          <p:cNvPr id="16" name="Content Placeholder 4" descr="Computer">
+            <a:extLst>
+              <a:ext uri="{FF2B5EF4-FFF2-40B4-BE49-F238E27FC236}">
+                <a16:creationId xmlns:a16="http://schemas.microsoft.com/office/drawing/2014/main" id="{983F2631-813A-43A0-90FE-23EB6032380D}"/>
+              </a:ext>
+            </a:extLst>
+          </p:cNvPr>
+          <p:cNvPicPr>
+            <a:picLocks noChangeAspect="1"/>
+          </p:cNvPicPr>
+          <p:nvPr/>
+        </p:nvPicPr>
+        <p:blipFill>
+          <a:blip r:embed="rId2">
+            <a:extLst>
+              <a:ext uri="{28A0092B-C50C-407E-A947-70E740481C1C}">
+                <a14:useLocalDpi xmlns:a14="http://schemas.microsoft.com/office/drawing/2010/main" val="0"/>
+              </a:ext>
+              <a:ext uri="{96DAC541-7B7A-43D3-8B79-37D633B846F1}">
+                <asvg:svgBlip xmlns:asvg="http://schemas.microsoft.com/office/drawing/2016/SVG/main" r:embed="rId4"/>
+              </a:ext>
+            </a:extLst>
+          </a:blip>
+          <a:stretch>
+            <a:fillRect/>
+          </a:stretch>
+        </p:blipFill>
+        <p:spPr>
+          <a:xfrm>
+            <a:off x="1865446" y="4577486"/>
+            <a:ext cx="1436554" cy="1436554"/>
+          </a:xfrm>
+          <a:prstGeom prst="rect">
+            <a:avLst/>
+          </a:prstGeom>
+        </p:spPr>
+      </p:pic>
+      <p:pic>
+        <p:nvPicPr>
+          <p:cNvPr id="17" name="Content Placeholder 4" descr="Computer">
+            <a:extLst>
+              <a:ext uri="{FF2B5EF4-FFF2-40B4-BE49-F238E27FC236}">
+                <a16:creationId xmlns:a16="http://schemas.microsoft.com/office/drawing/2014/main" id="{61358024-3ABE-41E4-A6FC-9E9DD7F9CF06}"/>
+              </a:ext>
+            </a:extLst>
+          </p:cNvPr>
+          <p:cNvPicPr>
+            <a:picLocks noChangeAspect="1"/>
+          </p:cNvPicPr>
+          <p:nvPr/>
+        </p:nvPicPr>
+        <p:blipFill>
+          <a:blip r:embed="rId2">
+            <a:extLst>
+              <a:ext uri="{28A0092B-C50C-407E-A947-70E740481C1C}">
+                <a14:useLocalDpi xmlns:a14="http://schemas.microsoft.com/office/drawing/2010/main" val="0"/>
+              </a:ext>
+              <a:ext uri="{96DAC541-7B7A-43D3-8B79-37D633B846F1}">
+                <asvg:svgBlip xmlns:asvg="http://schemas.microsoft.com/office/drawing/2016/SVG/main" r:embed="rId4"/>
+              </a:ext>
+            </a:extLst>
+          </a:blip>
+          <a:stretch>
+            <a:fillRect/>
+          </a:stretch>
+        </p:blipFill>
+        <p:spPr>
+          <a:xfrm>
+            <a:off x="3569555" y="4577486"/>
+            <a:ext cx="1436554" cy="1436554"/>
+          </a:xfrm>
+          <a:prstGeom prst="rect">
+            <a:avLst/>
+          </a:prstGeom>
+        </p:spPr>
+      </p:pic>
+    </p:spTree>
+    <p:extLst>
+      <p:ext uri="{BB962C8B-B14F-4D97-AF65-F5344CB8AC3E}">
+        <p14:creationId xmlns:p14="http://schemas.microsoft.com/office/powerpoint/2010/main" val="752209471"/>
+      </p:ext>
+    </p:extLst>
+  </p:cSld>
+  <p:clrMapOvr>
+    <a:masterClrMapping/>
+  </p:clrMapOvr>
+</p:sld>
+</file>
+
+<file path=ppt/slides/slide12.xml><?xml version="1.0" encoding="utf-8"?>
+<p:sld xmlns:a="http://schemas.openxmlformats.org/drawingml/2006/main" xmlns:r="http://schemas.openxmlformats.org/officeDocument/2006/relationships" xmlns:p="http://schemas.openxmlformats.org/presentationml/2006/main">
+  <p:cSld>
+    <p:spTree>
+      <p:nvGrpSpPr>
+        <p:cNvPr id="1" name=""/>
+        <p:cNvGrpSpPr/>
+        <p:nvPr/>
+      </p:nvGrpSpPr>
+      <p:grpSpPr>
+        <a:xfrm>
+          <a:off x="0" y="0"/>
+          <a:ext cx="0" cy="0"/>
+          <a:chOff x="0" y="0"/>
+          <a:chExt cx="0" cy="0"/>
+        </a:xfrm>
+      </p:grpSpPr>
+      <p:sp>
+        <p:nvSpPr>
+          <p:cNvPr id="2" name="Title 1">
+            <a:extLst>
+              <a:ext uri="{FF2B5EF4-FFF2-40B4-BE49-F238E27FC236}">
+                <a16:creationId xmlns:a16="http://schemas.microsoft.com/office/drawing/2014/main" id="{EFB39AA4-DBDD-45CD-B90C-ADF8CDADF62D}"/>
+              </a:ext>
+            </a:extLst>
+          </p:cNvPr>
+          <p:cNvSpPr>
+            <a:spLocks noGrp="1"/>
+          </p:cNvSpPr>
+          <p:nvPr>
+            <p:ph type="title"/>
+          </p:nvPr>
+        </p:nvSpPr>
+        <p:spPr/>
+        <p:txBody>
+          <a:bodyPr/>
+          <a:lstStyle/>
+          <a:p>
+            <a:r>
+              <a:rPr lang="en-IN" dirty="0"/>
+              <a:t>What is Hadoop</a:t>
+            </a:r>
+          </a:p>
+        </p:txBody>
+      </p:sp>
+      <p:sp>
+        <p:nvSpPr>
+          <p:cNvPr id="3" name="Content Placeholder 2">
+            <a:extLst>
+              <a:ext uri="{FF2B5EF4-FFF2-40B4-BE49-F238E27FC236}">
+                <a16:creationId xmlns:a16="http://schemas.microsoft.com/office/drawing/2014/main" id="{A4D09694-1213-4646-8779-74B67D4ADE4C}"/>
+              </a:ext>
+            </a:extLst>
+          </p:cNvPr>
+          <p:cNvSpPr>
+            <a:spLocks noGrp="1"/>
+          </p:cNvSpPr>
+          <p:nvPr>
+            <p:ph idx="1"/>
+          </p:nvPr>
+        </p:nvSpPr>
+        <p:spPr/>
+        <p:txBody>
+          <a:bodyPr/>
+          <a:lstStyle/>
+          <a:p>
+            <a:r>
+              <a:rPr lang="en-US" dirty="0"/>
+              <a:t>Hadoop is not a : </a:t>
+            </a:r>
+          </a:p>
+          <a:p>
+            <a:pPr lvl="1"/>
+            <a:r>
+              <a:rPr lang="en-US" dirty="0"/>
+              <a:t>Database </a:t>
+            </a:r>
+          </a:p>
+          <a:p>
+            <a:pPr lvl="1"/>
+            <a:r>
+              <a:rPr lang="en-US" dirty="0"/>
+              <a:t>Big Data </a:t>
+            </a:r>
+          </a:p>
+          <a:p>
+            <a:pPr lvl="1"/>
+            <a:r>
+              <a:rPr lang="en-US" dirty="0"/>
+              <a:t>Networking Concept </a:t>
+            </a:r>
+          </a:p>
+          <a:p>
+            <a:pPr lvl="1"/>
+            <a:r>
+              <a:rPr lang="en-US" dirty="0"/>
+              <a:t>Data warehouse </a:t>
+            </a:r>
+          </a:p>
+          <a:p>
+            <a:pPr lvl="1"/>
+            <a:r>
+              <a:rPr lang="en-US" dirty="0"/>
+              <a:t>Programming Language </a:t>
+            </a:r>
+          </a:p>
+          <a:p>
+            <a:pPr marL="0" indent="0">
+              <a:buNone/>
+            </a:pPr>
+            <a:r>
+              <a:rPr lang="en-US" dirty="0"/>
+              <a:t>Then what Hadoop it is?</a:t>
+            </a:r>
+          </a:p>
+          <a:p>
+            <a:pPr marL="0" indent="0">
+              <a:buNone/>
+            </a:pPr>
+            <a:r>
+              <a:rPr lang="en-US" dirty="0"/>
+              <a:t>Hadoop is a framework that allows distributed processing of large data sets across clusters of commodity computers using simple programming models. </a:t>
+            </a:r>
+          </a:p>
+        </p:txBody>
+      </p:sp>
+    </p:spTree>
+    <p:extLst>
+      <p:ext uri="{BB962C8B-B14F-4D97-AF65-F5344CB8AC3E}">
+        <p14:creationId xmlns:p14="http://schemas.microsoft.com/office/powerpoint/2010/main" val="675060970"/>
+      </p:ext>
+    </p:extLst>
+  </p:cSld>
+  <p:clrMapOvr>
+    <a:masterClrMapping/>
+  </p:clrMapOvr>
+</p:sld>
+</file>
+
+<file path=ppt/slides/slide13.xml><?xml version="1.0" encoding="utf-8"?>
+<p:sld xmlns:a="http://schemas.openxmlformats.org/drawingml/2006/main" xmlns:r="http://schemas.openxmlformats.org/officeDocument/2006/relationships" xmlns:p="http://schemas.openxmlformats.org/presentationml/2006/main">
+  <p:cSld>
+    <p:spTree>
+      <p:nvGrpSpPr>
+        <p:cNvPr id="1" name=""/>
+        <p:cNvGrpSpPr/>
+        <p:nvPr/>
+      </p:nvGrpSpPr>
+      <p:grpSpPr>
+        <a:xfrm>
+          <a:off x="0" y="0"/>
+          <a:ext cx="0" cy="0"/>
+          <a:chOff x="0" y="0"/>
+          <a:chExt cx="0" cy="0"/>
+        </a:xfrm>
+      </p:grpSpPr>
+      <p:sp>
+        <p:nvSpPr>
+          <p:cNvPr id="2" name="Title 1">
+            <a:extLst>
+              <a:ext uri="{FF2B5EF4-FFF2-40B4-BE49-F238E27FC236}">
+                <a16:creationId xmlns:a16="http://schemas.microsoft.com/office/drawing/2014/main" id="{27ADAD4B-54DB-4008-B4DE-0BCF36F3B49A}"/>
+              </a:ext>
+            </a:extLst>
+          </p:cNvPr>
+          <p:cNvSpPr>
+            <a:spLocks noGrp="1"/>
+          </p:cNvSpPr>
+          <p:nvPr>
+            <p:ph type="title"/>
+          </p:nvPr>
+        </p:nvSpPr>
+        <p:spPr/>
+        <p:txBody>
+          <a:bodyPr/>
+          <a:lstStyle/>
+          <a:p>
+            <a:r>
+              <a:rPr lang="en-US" dirty="0"/>
+              <a:t>Definition In Depth: </a:t>
+            </a:r>
+            <a:endParaRPr lang="en-IN" dirty="0"/>
+          </a:p>
+        </p:txBody>
+      </p:sp>
+      <p:sp>
+        <p:nvSpPr>
+          <p:cNvPr id="3" name="Content Placeholder 2">
+            <a:extLst>
+              <a:ext uri="{FF2B5EF4-FFF2-40B4-BE49-F238E27FC236}">
+                <a16:creationId xmlns:a16="http://schemas.microsoft.com/office/drawing/2014/main" id="{BEDFD74F-22E4-45FD-B8DC-285546A2104E}"/>
+              </a:ext>
+            </a:extLst>
+          </p:cNvPr>
+          <p:cNvSpPr>
+            <a:spLocks noGrp="1"/>
+          </p:cNvSpPr>
+          <p:nvPr>
+            <p:ph idx="1"/>
+          </p:nvPr>
+        </p:nvSpPr>
+        <p:spPr/>
+        <p:txBody>
+          <a:bodyPr/>
+          <a:lstStyle/>
+          <a:p>
+            <a:r>
+              <a:rPr lang="en-US" dirty="0"/>
+              <a:t>Distributed Processing : </a:t>
+            </a:r>
+          </a:p>
+          <a:p>
+            <a:pPr lvl="1"/>
+            <a:r>
+              <a:rPr lang="en-US" dirty="0"/>
+              <a:t>Data is processed in multiple machines in a distributed manner </a:t>
+            </a:r>
+          </a:p>
+          <a:p>
+            <a:r>
+              <a:rPr lang="en-US" dirty="0"/>
+              <a:t>Large Data sets: </a:t>
+            </a:r>
+          </a:p>
+          <a:p>
+            <a:pPr lvl="1"/>
+            <a:r>
+              <a:rPr lang="en-US" dirty="0"/>
+              <a:t>Large data sets in this context means files that are hundreds of megabytes, gigabytes, or terabytes in size </a:t>
+            </a:r>
+          </a:p>
+          <a:p>
+            <a:r>
+              <a:rPr lang="en-US" dirty="0"/>
+              <a:t>Clusters of commodity computers : </a:t>
+            </a:r>
+          </a:p>
+          <a:p>
+            <a:pPr lvl="1"/>
+            <a:r>
+              <a:rPr lang="en-US" dirty="0"/>
+              <a:t>Cheap hardware (not expensive servers) are used to create a cluster </a:t>
+            </a:r>
+          </a:p>
+          <a:p>
+            <a:r>
+              <a:rPr lang="en-US" dirty="0"/>
+              <a:t>Simple Programming Model: </a:t>
+            </a:r>
+          </a:p>
+          <a:p>
+            <a:pPr lvl="1"/>
+            <a:r>
+              <a:rPr lang="en-US" dirty="0"/>
+              <a:t>Map Reduce/Spark is used as a programming model to manipulate/process the data</a:t>
+            </a:r>
+            <a:endParaRPr lang="en-IN" dirty="0"/>
+          </a:p>
+          <a:p>
+            <a:endParaRPr lang="en-IN" dirty="0"/>
+          </a:p>
+        </p:txBody>
+      </p:sp>
+    </p:spTree>
+    <p:extLst>
+      <p:ext uri="{BB962C8B-B14F-4D97-AF65-F5344CB8AC3E}">
+        <p14:creationId xmlns:p14="http://schemas.microsoft.com/office/powerpoint/2010/main" val="4241631994"/>
+      </p:ext>
+    </p:extLst>
+  </p:cSld>
+  <p:clrMapOvr>
+    <a:masterClrMapping/>
+  </p:clrMapOvr>
+</p:sld>
+</file>
+
+<file path=ppt/slides/slide14.xml><?xml version="1.0" encoding="utf-8"?>
+<p:sld xmlns:a="http://schemas.openxmlformats.org/drawingml/2006/main" xmlns:r="http://schemas.openxmlformats.org/officeDocument/2006/relationships" xmlns:p="http://schemas.openxmlformats.org/presentationml/2006/main">
+  <p:cSld>
+    <p:spTree>
+      <p:nvGrpSpPr>
+        <p:cNvPr id="1" name=""/>
+        <p:cNvGrpSpPr/>
+        <p:nvPr/>
+      </p:nvGrpSpPr>
+      <p:grpSpPr>
+        <a:xfrm>
+          <a:off x="0" y="0"/>
+          <a:ext cx="0" cy="0"/>
+          <a:chOff x="0" y="0"/>
+          <a:chExt cx="0" cy="0"/>
+        </a:xfrm>
+      </p:grpSpPr>
+      <p:sp>
+        <p:nvSpPr>
+          <p:cNvPr id="2" name="Title 1">
+            <a:extLst>
+              <a:ext uri="{FF2B5EF4-FFF2-40B4-BE49-F238E27FC236}">
+                <a16:creationId xmlns:a16="http://schemas.microsoft.com/office/drawing/2014/main" id="{07C5EF96-CA28-471A-9691-FF62E51E9D99}"/>
+              </a:ext>
+            </a:extLst>
+          </p:cNvPr>
+          <p:cNvSpPr>
+            <a:spLocks noGrp="1"/>
+          </p:cNvSpPr>
+          <p:nvPr>
+            <p:ph type="title"/>
+          </p:nvPr>
+        </p:nvSpPr>
+        <p:spPr/>
+        <p:txBody>
+          <a:bodyPr/>
+          <a:lstStyle/>
+          <a:p>
+            <a:r>
+              <a:rPr lang="en-IN" dirty="0"/>
+              <a:t>Characteristics of Hadoop</a:t>
+            </a:r>
+          </a:p>
+        </p:txBody>
+      </p:sp>
+      <p:sp>
+        <p:nvSpPr>
+          <p:cNvPr id="3" name="Content Placeholder 2">
+            <a:extLst>
+              <a:ext uri="{FF2B5EF4-FFF2-40B4-BE49-F238E27FC236}">
+                <a16:creationId xmlns:a16="http://schemas.microsoft.com/office/drawing/2014/main" id="{D3A0DB20-3E16-40E7-A505-D176E6E91733}"/>
+              </a:ext>
+            </a:extLst>
+          </p:cNvPr>
+          <p:cNvSpPr>
+            <a:spLocks noGrp="1"/>
+          </p:cNvSpPr>
+          <p:nvPr>
+            <p:ph idx="1"/>
+          </p:nvPr>
+        </p:nvSpPr>
+        <p:spPr/>
+        <p:txBody>
+          <a:bodyPr/>
+          <a:lstStyle/>
+          <a:p>
+            <a:r>
+              <a:rPr lang="en-US" dirty="0"/>
+              <a:t>Scalable: It can reliably store and process petabytes of data and can be scaled up anytime whenever required without any adverse impact of cluster. </a:t>
+            </a:r>
+          </a:p>
+          <a:p>
+            <a:r>
+              <a:rPr lang="en-US" dirty="0"/>
+              <a:t>Economical: It distributes the data and processing across clusters of commonly available computers (in thousands). </a:t>
+            </a:r>
+          </a:p>
+          <a:p>
+            <a:r>
+              <a:rPr lang="en-US" dirty="0"/>
+              <a:t>Efficient: By distributing the data, it can process it in parallel on the nodes where the data is located. </a:t>
+            </a:r>
+          </a:p>
+          <a:p>
+            <a:r>
+              <a:rPr lang="en-US" dirty="0"/>
+              <a:t>Reliable: It automatically maintains multiple copies of data and automatically redeploys computing tasks based on failures.</a:t>
+            </a:r>
+            <a:endParaRPr lang="en-IN" dirty="0"/>
+          </a:p>
+        </p:txBody>
+      </p:sp>
+    </p:spTree>
+    <p:extLst>
+      <p:ext uri="{BB962C8B-B14F-4D97-AF65-F5344CB8AC3E}">
+        <p14:creationId xmlns:p14="http://schemas.microsoft.com/office/powerpoint/2010/main" val="3058427785"/>
+      </p:ext>
+    </p:extLst>
+  </p:cSld>
+  <p:clrMapOvr>
+    <a:masterClrMapping/>
+  </p:clrMapOvr>
+</p:sld>
+</file>
+
+<file path=ppt/slides/slide15.xml><?xml version="1.0" encoding="utf-8"?>
+<p:sld xmlns:a="http://schemas.openxmlformats.org/drawingml/2006/main" xmlns:r="http://schemas.openxmlformats.org/officeDocument/2006/relationships" xmlns:p="http://schemas.openxmlformats.org/presentationml/2006/main">
+  <p:cSld>
+    <p:spTree>
+      <p:nvGrpSpPr>
+        <p:cNvPr id="1" name=""/>
+        <p:cNvGrpSpPr/>
+        <p:nvPr/>
+      </p:nvGrpSpPr>
+      <p:grpSpPr>
+        <a:xfrm>
+          <a:off x="0" y="0"/>
+          <a:ext cx="0" cy="0"/>
+          <a:chOff x="0" y="0"/>
+          <a:chExt cx="0" cy="0"/>
+        </a:xfrm>
+      </p:grpSpPr>
+      <p:sp>
+        <p:nvSpPr>
+          <p:cNvPr id="2" name="Title 1">
+            <a:extLst>
+              <a:ext uri="{FF2B5EF4-FFF2-40B4-BE49-F238E27FC236}">
+                <a16:creationId xmlns:a16="http://schemas.microsoft.com/office/drawing/2014/main" id="{C278AE9A-78EB-40E4-8BF4-D05C6C2EC575}"/>
+              </a:ext>
+            </a:extLst>
+          </p:cNvPr>
+          <p:cNvSpPr>
+            <a:spLocks noGrp="1"/>
+          </p:cNvSpPr>
+          <p:nvPr>
+            <p:ph type="title"/>
+          </p:nvPr>
+        </p:nvSpPr>
+        <p:spPr/>
+        <p:txBody>
+          <a:bodyPr/>
+          <a:lstStyle/>
+          <a:p>
+            <a:r>
+              <a:rPr lang="en-IN" dirty="0"/>
+              <a:t>Read 10 TB of DATA in 5 minutes</a:t>
+            </a:r>
+          </a:p>
+        </p:txBody>
+      </p:sp>
+      <p:pic>
+        <p:nvPicPr>
+          <p:cNvPr id="5" name="Content Placeholder 4" descr="Computer">
+            <a:extLst>
+              <a:ext uri="{FF2B5EF4-FFF2-40B4-BE49-F238E27FC236}">
+                <a16:creationId xmlns:a16="http://schemas.microsoft.com/office/drawing/2014/main" id="{F41C7259-6908-429A-85C1-A91C9E94E7B0}"/>
+              </a:ext>
+            </a:extLst>
+          </p:cNvPr>
+          <p:cNvPicPr>
+            <a:picLocks noGrp="1" noChangeAspect="1"/>
+          </p:cNvPicPr>
+          <p:nvPr>
+            <p:ph idx="1"/>
+          </p:nvPr>
+        </p:nvPicPr>
+        <p:blipFill>
+          <a:blip r:embed="rId2">
+            <a:extLst>
+              <a:ext uri="{28A0092B-C50C-407E-A947-70E740481C1C}">
+                <a14:useLocalDpi xmlns:a14="http://schemas.microsoft.com/office/drawing/2010/main" val="0"/>
+              </a:ext>
+              <a:ext uri="{96DAC541-7B7A-43D3-8B79-37D633B846F1}">
+                <asvg:svgBlip xmlns:asvg="http://schemas.microsoft.com/office/drawing/2016/SVG/main" r:embed="rId3"/>
+              </a:ext>
+            </a:extLst>
+          </a:blip>
+          <a:stretch>
+            <a:fillRect/>
+          </a:stretch>
+        </p:blipFill>
+        <p:spPr>
+          <a:xfrm>
+            <a:off x="161337" y="1302856"/>
+            <a:ext cx="1436554" cy="1436554"/>
+          </a:xfrm>
+        </p:spPr>
+      </p:pic>
+      <p:pic>
+        <p:nvPicPr>
+          <p:cNvPr id="7" name="Content Placeholder 4" descr="Computer">
+            <a:extLst>
+              <a:ext uri="{FF2B5EF4-FFF2-40B4-BE49-F238E27FC236}">
+                <a16:creationId xmlns:a16="http://schemas.microsoft.com/office/drawing/2014/main" id="{3D203405-731F-441A-A921-1276204ED3EF}"/>
+              </a:ext>
+            </a:extLst>
+          </p:cNvPr>
+          <p:cNvPicPr>
+            <a:picLocks noChangeAspect="1"/>
+          </p:cNvPicPr>
+          <p:nvPr/>
+        </p:nvPicPr>
+        <p:blipFill>
+          <a:blip r:embed="rId2">
+            <a:extLst>
+              <a:ext uri="{28A0092B-C50C-407E-A947-70E740481C1C}">
+                <a14:useLocalDpi xmlns:a14="http://schemas.microsoft.com/office/drawing/2010/main" val="0"/>
+              </a:ext>
+              <a:ext uri="{96DAC541-7B7A-43D3-8B79-37D633B846F1}">
+                <asvg:svgBlip xmlns:asvg="http://schemas.microsoft.com/office/drawing/2016/SVG/main" r:embed="rId4"/>
+              </a:ext>
+            </a:extLst>
+          </a:blip>
+          <a:stretch>
+            <a:fillRect/>
+          </a:stretch>
+        </p:blipFill>
+        <p:spPr>
+          <a:xfrm>
+            <a:off x="1865446" y="1302856"/>
+            <a:ext cx="1436554" cy="1436554"/>
+          </a:xfrm>
+          <a:prstGeom prst="rect">
+            <a:avLst/>
+          </a:prstGeom>
+        </p:spPr>
+      </p:pic>
+      <p:pic>
+        <p:nvPicPr>
+          <p:cNvPr id="8" name="Content Placeholder 4" descr="Computer">
+            <a:extLst>
+              <a:ext uri="{FF2B5EF4-FFF2-40B4-BE49-F238E27FC236}">
+                <a16:creationId xmlns:a16="http://schemas.microsoft.com/office/drawing/2014/main" id="{A2F13DB3-4A2C-472E-9248-838077D462D0}"/>
+              </a:ext>
+            </a:extLst>
+          </p:cNvPr>
+          <p:cNvPicPr>
+            <a:picLocks noChangeAspect="1"/>
+          </p:cNvPicPr>
+          <p:nvPr/>
+        </p:nvPicPr>
+        <p:blipFill>
+          <a:blip r:embed="rId2">
+            <a:extLst>
+              <a:ext uri="{28A0092B-C50C-407E-A947-70E740481C1C}">
+                <a14:useLocalDpi xmlns:a14="http://schemas.microsoft.com/office/drawing/2010/main" val="0"/>
+              </a:ext>
+              <a:ext uri="{96DAC541-7B7A-43D3-8B79-37D633B846F1}">
+                <asvg:svgBlip xmlns:asvg="http://schemas.microsoft.com/office/drawing/2016/SVG/main" r:embed="rId4"/>
+              </a:ext>
+            </a:extLst>
+          </a:blip>
+          <a:stretch>
+            <a:fillRect/>
+          </a:stretch>
+        </p:blipFill>
+        <p:spPr>
+          <a:xfrm>
+            <a:off x="3569555" y="1302856"/>
+            <a:ext cx="1436554" cy="1436554"/>
+          </a:xfrm>
+          <a:prstGeom prst="rect">
+            <a:avLst/>
+          </a:prstGeom>
+        </p:spPr>
+      </p:pic>
+      <p:pic>
+        <p:nvPicPr>
+          <p:cNvPr id="9" name="Content Placeholder 4" descr="Computer">
+            <a:extLst>
+              <a:ext uri="{FF2B5EF4-FFF2-40B4-BE49-F238E27FC236}">
+                <a16:creationId xmlns:a16="http://schemas.microsoft.com/office/drawing/2014/main" id="{3204ECA8-8CE9-4891-A531-ABE1F66D154A}"/>
+              </a:ext>
+            </a:extLst>
+          </p:cNvPr>
+          <p:cNvPicPr>
+            <a:picLocks noChangeAspect="1"/>
+          </p:cNvPicPr>
+          <p:nvPr/>
+        </p:nvPicPr>
+        <p:blipFill>
+          <a:blip r:embed="rId2">
+            <a:extLst>
+              <a:ext uri="{28A0092B-C50C-407E-A947-70E740481C1C}">
+                <a14:useLocalDpi xmlns:a14="http://schemas.microsoft.com/office/drawing/2010/main" val="0"/>
+              </a:ext>
+              <a:ext uri="{96DAC541-7B7A-43D3-8B79-37D633B846F1}">
+                <asvg:svgBlip xmlns:asvg="http://schemas.microsoft.com/office/drawing/2016/SVG/main" r:embed="rId4"/>
+              </a:ext>
+            </a:extLst>
+          </a:blip>
+          <a:stretch>
+            <a:fillRect/>
+          </a:stretch>
+        </p:blipFill>
+        <p:spPr>
+          <a:xfrm>
+            <a:off x="161337" y="2394071"/>
+            <a:ext cx="1436554" cy="1436554"/>
+          </a:xfrm>
+          <a:prstGeom prst="rect">
+            <a:avLst/>
+          </a:prstGeom>
+        </p:spPr>
+      </p:pic>
+      <p:pic>
+        <p:nvPicPr>
+          <p:cNvPr id="10" name="Content Placeholder 4" descr="Computer">
+            <a:extLst>
+              <a:ext uri="{FF2B5EF4-FFF2-40B4-BE49-F238E27FC236}">
+                <a16:creationId xmlns:a16="http://schemas.microsoft.com/office/drawing/2014/main" id="{B3FD9D62-1A1C-4CB3-8FB1-5434D4FA9F54}"/>
+              </a:ext>
+            </a:extLst>
+          </p:cNvPr>
+          <p:cNvPicPr>
+            <a:picLocks noChangeAspect="1"/>
+          </p:cNvPicPr>
+          <p:nvPr/>
+        </p:nvPicPr>
+        <p:blipFill>
+          <a:blip r:embed="rId2">
+            <a:extLst>
+              <a:ext uri="{28A0092B-C50C-407E-A947-70E740481C1C}">
+                <a14:useLocalDpi xmlns:a14="http://schemas.microsoft.com/office/drawing/2010/main" val="0"/>
+              </a:ext>
+              <a:ext uri="{96DAC541-7B7A-43D3-8B79-37D633B846F1}">
+                <asvg:svgBlip xmlns:asvg="http://schemas.microsoft.com/office/drawing/2016/SVG/main" r:embed="rId4"/>
+              </a:ext>
+            </a:extLst>
+          </a:blip>
+          <a:stretch>
+            <a:fillRect/>
+          </a:stretch>
+        </p:blipFill>
+        <p:spPr>
+          <a:xfrm>
+            <a:off x="1865446" y="2394071"/>
+            <a:ext cx="1436554" cy="1436554"/>
+          </a:xfrm>
+          <a:prstGeom prst="rect">
+            <a:avLst/>
+          </a:prstGeom>
+        </p:spPr>
+      </p:pic>
+      <p:pic>
+        <p:nvPicPr>
+          <p:cNvPr id="11" name="Content Placeholder 4" descr="Computer">
+            <a:extLst>
+              <a:ext uri="{FF2B5EF4-FFF2-40B4-BE49-F238E27FC236}">
+                <a16:creationId xmlns:a16="http://schemas.microsoft.com/office/drawing/2014/main" id="{FE4DF101-39E7-4020-81B4-9B9F477A7E68}"/>
+              </a:ext>
+            </a:extLst>
+          </p:cNvPr>
+          <p:cNvPicPr>
+            <a:picLocks noChangeAspect="1"/>
+          </p:cNvPicPr>
+          <p:nvPr/>
+        </p:nvPicPr>
+        <p:blipFill>
+          <a:blip r:embed="rId2">
+            <a:extLst>
+              <a:ext uri="{28A0092B-C50C-407E-A947-70E740481C1C}">
+                <a14:useLocalDpi xmlns:a14="http://schemas.microsoft.com/office/drawing/2010/main" val="0"/>
+              </a:ext>
+              <a:ext uri="{96DAC541-7B7A-43D3-8B79-37D633B846F1}">
+                <asvg:svgBlip xmlns:asvg="http://schemas.microsoft.com/office/drawing/2016/SVG/main" r:embed="rId4"/>
+              </a:ext>
+            </a:extLst>
+          </a:blip>
+          <a:stretch>
+            <a:fillRect/>
+          </a:stretch>
+        </p:blipFill>
+        <p:spPr>
+          <a:xfrm>
+            <a:off x="3569555" y="2394071"/>
+            <a:ext cx="1436554" cy="1436554"/>
+          </a:xfrm>
+          <a:prstGeom prst="rect">
+            <a:avLst/>
+          </a:prstGeom>
+        </p:spPr>
+      </p:pic>
+      <p:pic>
+        <p:nvPicPr>
+          <p:cNvPr id="12" name="Content Placeholder 4" descr="Computer">
+            <a:extLst>
+              <a:ext uri="{FF2B5EF4-FFF2-40B4-BE49-F238E27FC236}">
+                <a16:creationId xmlns:a16="http://schemas.microsoft.com/office/drawing/2014/main" id="{F6D834F2-64FB-47AF-93F3-4DC4127C1334}"/>
+              </a:ext>
+            </a:extLst>
+          </p:cNvPr>
+          <p:cNvPicPr>
+            <a:picLocks noChangeAspect="1"/>
+          </p:cNvPicPr>
+          <p:nvPr/>
+        </p:nvPicPr>
+        <p:blipFill>
+          <a:blip r:embed="rId2">
+            <a:extLst>
+              <a:ext uri="{28A0092B-C50C-407E-A947-70E740481C1C}">
+                <a14:useLocalDpi xmlns:a14="http://schemas.microsoft.com/office/drawing/2010/main" val="0"/>
+              </a:ext>
+              <a:ext uri="{96DAC541-7B7A-43D3-8B79-37D633B846F1}">
+                <asvg:svgBlip xmlns:asvg="http://schemas.microsoft.com/office/drawing/2016/SVG/main" r:embed="rId4"/>
+              </a:ext>
+            </a:extLst>
+          </a:blip>
+          <a:stretch>
+            <a:fillRect/>
+          </a:stretch>
+        </p:blipFill>
+        <p:spPr>
+          <a:xfrm>
+            <a:off x="161337" y="3486271"/>
+            <a:ext cx="1436554" cy="1436554"/>
+          </a:xfrm>
+          <a:prstGeom prst="rect">
+            <a:avLst/>
+          </a:prstGeom>
+        </p:spPr>
+      </p:pic>
+      <p:pic>
+        <p:nvPicPr>
+          <p:cNvPr id="13" name="Content Placeholder 4" descr="Computer">
+            <a:extLst>
+              <a:ext uri="{FF2B5EF4-FFF2-40B4-BE49-F238E27FC236}">
+                <a16:creationId xmlns:a16="http://schemas.microsoft.com/office/drawing/2014/main" id="{77889318-D251-47B4-A459-6CFCB21204EF}"/>
+              </a:ext>
+            </a:extLst>
+          </p:cNvPr>
+          <p:cNvPicPr>
+            <a:picLocks noChangeAspect="1"/>
+          </p:cNvPicPr>
+          <p:nvPr/>
+        </p:nvPicPr>
+        <p:blipFill>
+          <a:blip r:embed="rId2">
+            <a:extLst>
+              <a:ext uri="{28A0092B-C50C-407E-A947-70E740481C1C}">
+                <a14:useLocalDpi xmlns:a14="http://schemas.microsoft.com/office/drawing/2010/main" val="0"/>
+              </a:ext>
+              <a:ext uri="{96DAC541-7B7A-43D3-8B79-37D633B846F1}">
+                <asvg:svgBlip xmlns:asvg="http://schemas.microsoft.com/office/drawing/2016/SVG/main" r:embed="rId4"/>
+              </a:ext>
+            </a:extLst>
+          </a:blip>
+          <a:stretch>
+            <a:fillRect/>
+          </a:stretch>
+        </p:blipFill>
+        <p:spPr>
+          <a:xfrm>
+            <a:off x="1865446" y="3486271"/>
+            <a:ext cx="1436554" cy="1436554"/>
+          </a:xfrm>
+          <a:prstGeom prst="rect">
+            <a:avLst/>
+          </a:prstGeom>
+        </p:spPr>
+      </p:pic>
+      <p:pic>
+        <p:nvPicPr>
+          <p:cNvPr id="14" name="Content Placeholder 4" descr="Computer">
+            <a:extLst>
+              <a:ext uri="{FF2B5EF4-FFF2-40B4-BE49-F238E27FC236}">
+                <a16:creationId xmlns:a16="http://schemas.microsoft.com/office/drawing/2014/main" id="{6A5E8A71-CC54-4C65-9D96-DB5914C71BA7}"/>
+              </a:ext>
+            </a:extLst>
+          </p:cNvPr>
+          <p:cNvPicPr>
+            <a:picLocks noChangeAspect="1"/>
+          </p:cNvPicPr>
+          <p:nvPr/>
+        </p:nvPicPr>
+        <p:blipFill>
+          <a:blip r:embed="rId2">
+            <a:extLst>
+              <a:ext uri="{28A0092B-C50C-407E-A947-70E740481C1C}">
+                <a14:useLocalDpi xmlns:a14="http://schemas.microsoft.com/office/drawing/2010/main" val="0"/>
+              </a:ext>
+              <a:ext uri="{96DAC541-7B7A-43D3-8B79-37D633B846F1}">
+                <asvg:svgBlip xmlns:asvg="http://schemas.microsoft.com/office/drawing/2016/SVG/main" r:embed="rId4"/>
+              </a:ext>
+            </a:extLst>
+          </a:blip>
+          <a:stretch>
+            <a:fillRect/>
+          </a:stretch>
+        </p:blipFill>
+        <p:spPr>
+          <a:xfrm>
+            <a:off x="3569555" y="3486271"/>
+            <a:ext cx="1436554" cy="1436554"/>
+          </a:xfrm>
+          <a:prstGeom prst="rect">
+            <a:avLst/>
+          </a:prstGeom>
+        </p:spPr>
+      </p:pic>
+      <p:pic>
+        <p:nvPicPr>
+          <p:cNvPr id="15" name="Content Placeholder 4" descr="Computer">
+            <a:extLst>
+              <a:ext uri="{FF2B5EF4-FFF2-40B4-BE49-F238E27FC236}">
+                <a16:creationId xmlns:a16="http://schemas.microsoft.com/office/drawing/2014/main" id="{CB7ADB7F-8D7C-4E54-A7D3-60C12B4C4321}"/>
+              </a:ext>
+            </a:extLst>
+          </p:cNvPr>
+          <p:cNvPicPr>
+            <a:picLocks noChangeAspect="1"/>
+          </p:cNvPicPr>
+          <p:nvPr/>
+        </p:nvPicPr>
+        <p:blipFill>
+          <a:blip r:embed="rId2">
+            <a:extLst>
+              <a:ext uri="{28A0092B-C50C-407E-A947-70E740481C1C}">
+                <a14:useLocalDpi xmlns:a14="http://schemas.microsoft.com/office/drawing/2010/main" val="0"/>
+              </a:ext>
+              <a:ext uri="{96DAC541-7B7A-43D3-8B79-37D633B846F1}">
+                <asvg:svgBlip xmlns:asvg="http://schemas.microsoft.com/office/drawing/2016/SVG/main" r:embed="rId4"/>
+              </a:ext>
+            </a:extLst>
+          </a:blip>
+          <a:stretch>
+            <a:fillRect/>
+          </a:stretch>
+        </p:blipFill>
+        <p:spPr>
+          <a:xfrm>
+            <a:off x="161337" y="4577486"/>
+            <a:ext cx="1436554" cy="1436554"/>
+          </a:xfrm>
+          <a:prstGeom prst="rect">
+            <a:avLst/>
+          </a:prstGeom>
+        </p:spPr>
+      </p:pic>
+      <p:pic>
+        <p:nvPicPr>
+          <p:cNvPr id="16" name="Content Placeholder 4" descr="Computer">
+            <a:extLst>
+              <a:ext uri="{FF2B5EF4-FFF2-40B4-BE49-F238E27FC236}">
+                <a16:creationId xmlns:a16="http://schemas.microsoft.com/office/drawing/2014/main" id="{983F2631-813A-43A0-90FE-23EB6032380D}"/>
+              </a:ext>
+            </a:extLst>
+          </p:cNvPr>
+          <p:cNvPicPr>
+            <a:picLocks noChangeAspect="1"/>
+          </p:cNvPicPr>
+          <p:nvPr/>
+        </p:nvPicPr>
+        <p:blipFill>
+          <a:blip r:embed="rId2">
+            <a:extLst>
+              <a:ext uri="{28A0092B-C50C-407E-A947-70E740481C1C}">
+                <a14:useLocalDpi xmlns:a14="http://schemas.microsoft.com/office/drawing/2010/main" val="0"/>
+              </a:ext>
+              <a:ext uri="{96DAC541-7B7A-43D3-8B79-37D633B846F1}">
+                <asvg:svgBlip xmlns:asvg="http://schemas.microsoft.com/office/drawing/2016/SVG/main" r:embed="rId4"/>
+              </a:ext>
+            </a:extLst>
+          </a:blip>
+          <a:stretch>
+            <a:fillRect/>
+          </a:stretch>
+        </p:blipFill>
+        <p:spPr>
+          <a:xfrm>
+            <a:off x="1865446" y="4577486"/>
+            <a:ext cx="1436554" cy="1436554"/>
+          </a:xfrm>
+          <a:prstGeom prst="rect">
+            <a:avLst/>
+          </a:prstGeom>
+        </p:spPr>
+      </p:pic>
+      <p:pic>
+        <p:nvPicPr>
+          <p:cNvPr id="17" name="Content Placeholder 4" descr="Computer">
+            <a:extLst>
+              <a:ext uri="{FF2B5EF4-FFF2-40B4-BE49-F238E27FC236}">
+                <a16:creationId xmlns:a16="http://schemas.microsoft.com/office/drawing/2014/main" id="{61358024-3ABE-41E4-A6FC-9E9DD7F9CF06}"/>
+              </a:ext>
+            </a:extLst>
+          </p:cNvPr>
+          <p:cNvPicPr>
+            <a:picLocks noChangeAspect="1"/>
+          </p:cNvPicPr>
+          <p:nvPr/>
+        </p:nvPicPr>
+        <p:blipFill>
+          <a:blip r:embed="rId2">
+            <a:extLst>
+              <a:ext uri="{28A0092B-C50C-407E-A947-70E740481C1C}">
+                <a14:useLocalDpi xmlns:a14="http://schemas.microsoft.com/office/drawing/2010/main" val="0"/>
+              </a:ext>
+              <a:ext uri="{96DAC541-7B7A-43D3-8B79-37D633B846F1}">
+                <asvg:svgBlip xmlns:asvg="http://schemas.microsoft.com/office/drawing/2016/SVG/main" r:embed="rId4"/>
+              </a:ext>
+            </a:extLst>
+          </a:blip>
+          <a:stretch>
+            <a:fillRect/>
+          </a:stretch>
+        </p:blipFill>
+        <p:spPr>
+          <a:xfrm>
+            <a:off x="3569555" y="4577486"/>
+            <a:ext cx="1436554" cy="1436554"/>
+          </a:xfrm>
+          <a:prstGeom prst="rect">
+            <a:avLst/>
+          </a:prstGeom>
+        </p:spPr>
+      </p:pic>
+      <p:pic>
+        <p:nvPicPr>
+          <p:cNvPr id="18" name="Content Placeholder 4" descr="Computer">
+            <a:extLst>
+              <a:ext uri="{FF2B5EF4-FFF2-40B4-BE49-F238E27FC236}">
+                <a16:creationId xmlns:a16="http://schemas.microsoft.com/office/drawing/2014/main" id="{48034FDE-3F05-4FC9-AE1C-1F5167D02560}"/>
+              </a:ext>
+            </a:extLst>
+          </p:cNvPr>
+          <p:cNvPicPr>
+            <a:picLocks noChangeAspect="1"/>
+          </p:cNvPicPr>
+          <p:nvPr/>
+        </p:nvPicPr>
+        <p:blipFill>
+          <a:blip r:embed="rId2">
+            <a:extLst>
+              <a:ext uri="{28A0092B-C50C-407E-A947-70E740481C1C}">
+                <a14:useLocalDpi xmlns:a14="http://schemas.microsoft.com/office/drawing/2010/main" val="0"/>
+              </a:ext>
+              <a:ext uri="{96DAC541-7B7A-43D3-8B79-37D633B846F1}">
+                <asvg:svgBlip xmlns:asvg="http://schemas.microsoft.com/office/drawing/2016/SVG/main" r:embed="rId4"/>
+              </a:ext>
+            </a:extLst>
+          </a:blip>
+          <a:stretch>
+            <a:fillRect/>
+          </a:stretch>
+        </p:blipFill>
+        <p:spPr>
+          <a:xfrm>
+            <a:off x="6096000" y="1302856"/>
+            <a:ext cx="1436554" cy="1436554"/>
+          </a:xfrm>
+          <a:prstGeom prst="rect">
+            <a:avLst/>
+          </a:prstGeom>
+        </p:spPr>
+      </p:pic>
+      <p:pic>
+        <p:nvPicPr>
+          <p:cNvPr id="19" name="Content Placeholder 4" descr="Computer">
+            <a:extLst>
+              <a:ext uri="{FF2B5EF4-FFF2-40B4-BE49-F238E27FC236}">
+                <a16:creationId xmlns:a16="http://schemas.microsoft.com/office/drawing/2014/main" id="{078103D0-6AF4-4122-80E7-A3A82A6F8E17}"/>
+              </a:ext>
+            </a:extLst>
+          </p:cNvPr>
+          <p:cNvPicPr>
+            <a:picLocks noChangeAspect="1"/>
+          </p:cNvPicPr>
+          <p:nvPr/>
+        </p:nvPicPr>
+        <p:blipFill>
+          <a:blip r:embed="rId2">
+            <a:extLst>
+              <a:ext uri="{28A0092B-C50C-407E-A947-70E740481C1C}">
+                <a14:useLocalDpi xmlns:a14="http://schemas.microsoft.com/office/drawing/2010/main" val="0"/>
+              </a:ext>
+              <a:ext uri="{96DAC541-7B7A-43D3-8B79-37D633B846F1}">
+                <asvg:svgBlip xmlns:asvg="http://schemas.microsoft.com/office/drawing/2016/SVG/main" r:embed="rId4"/>
+              </a:ext>
+            </a:extLst>
+          </a:blip>
+          <a:stretch>
+            <a:fillRect/>
+          </a:stretch>
+        </p:blipFill>
+        <p:spPr>
+          <a:xfrm>
+            <a:off x="7800109" y="1302856"/>
+            <a:ext cx="1436554" cy="1436554"/>
+          </a:xfrm>
+          <a:prstGeom prst="rect">
+            <a:avLst/>
+          </a:prstGeom>
+        </p:spPr>
+      </p:pic>
+      <p:pic>
+        <p:nvPicPr>
+          <p:cNvPr id="20" name="Content Placeholder 4" descr="Computer">
+            <a:extLst>
+              <a:ext uri="{FF2B5EF4-FFF2-40B4-BE49-F238E27FC236}">
+                <a16:creationId xmlns:a16="http://schemas.microsoft.com/office/drawing/2014/main" id="{7DB26D3C-8829-4CED-9266-F3A6267F14E9}"/>
+              </a:ext>
+            </a:extLst>
+          </p:cNvPr>
+          <p:cNvPicPr>
+            <a:picLocks noChangeAspect="1"/>
+          </p:cNvPicPr>
+          <p:nvPr/>
+        </p:nvPicPr>
+        <p:blipFill>
+          <a:blip r:embed="rId2">
+            <a:extLst>
+              <a:ext uri="{28A0092B-C50C-407E-A947-70E740481C1C}">
+                <a14:useLocalDpi xmlns:a14="http://schemas.microsoft.com/office/drawing/2010/main" val="0"/>
+              </a:ext>
+              <a:ext uri="{96DAC541-7B7A-43D3-8B79-37D633B846F1}">
+                <asvg:svgBlip xmlns:asvg="http://schemas.microsoft.com/office/drawing/2016/SVG/main" r:embed="rId4"/>
+              </a:ext>
+            </a:extLst>
+          </a:blip>
+          <a:stretch>
+            <a:fillRect/>
+          </a:stretch>
+        </p:blipFill>
+        <p:spPr>
+          <a:xfrm>
+            <a:off x="9504218" y="1302856"/>
+            <a:ext cx="1436554" cy="1436554"/>
+          </a:xfrm>
+          <a:prstGeom prst="rect">
+            <a:avLst/>
+          </a:prstGeom>
+        </p:spPr>
+      </p:pic>
+      <p:pic>
+        <p:nvPicPr>
+          <p:cNvPr id="21" name="Content Placeholder 4" descr="Computer">
+            <a:extLst>
+              <a:ext uri="{FF2B5EF4-FFF2-40B4-BE49-F238E27FC236}">
+                <a16:creationId xmlns:a16="http://schemas.microsoft.com/office/drawing/2014/main" id="{C7448CED-8DF5-4EA9-877A-A126F5A8D2A3}"/>
+              </a:ext>
+            </a:extLst>
+          </p:cNvPr>
+          <p:cNvPicPr>
+            <a:picLocks noChangeAspect="1"/>
+          </p:cNvPicPr>
+          <p:nvPr/>
+        </p:nvPicPr>
+        <p:blipFill>
+          <a:blip r:embed="rId2">
+            <a:extLst>
+              <a:ext uri="{28A0092B-C50C-407E-A947-70E740481C1C}">
+                <a14:useLocalDpi xmlns:a14="http://schemas.microsoft.com/office/drawing/2010/main" val="0"/>
+              </a:ext>
+              <a:ext uri="{96DAC541-7B7A-43D3-8B79-37D633B846F1}">
+                <asvg:svgBlip xmlns:asvg="http://schemas.microsoft.com/office/drawing/2016/SVG/main" r:embed="rId4"/>
+              </a:ext>
+            </a:extLst>
+          </a:blip>
+          <a:stretch>
+            <a:fillRect/>
+          </a:stretch>
+        </p:blipFill>
+        <p:spPr>
+          <a:xfrm>
+            <a:off x="6096000" y="2394071"/>
+            <a:ext cx="1436554" cy="1436554"/>
+          </a:xfrm>
+          <a:prstGeom prst="rect">
+            <a:avLst/>
+          </a:prstGeom>
+        </p:spPr>
+      </p:pic>
+      <p:pic>
+        <p:nvPicPr>
+          <p:cNvPr id="22" name="Content Placeholder 4" descr="Computer">
+            <a:extLst>
+              <a:ext uri="{FF2B5EF4-FFF2-40B4-BE49-F238E27FC236}">
+                <a16:creationId xmlns:a16="http://schemas.microsoft.com/office/drawing/2014/main" id="{2477AFB1-9757-45A3-A15E-0C0273CDDC31}"/>
+              </a:ext>
+            </a:extLst>
+          </p:cNvPr>
+          <p:cNvPicPr>
+            <a:picLocks noChangeAspect="1"/>
+          </p:cNvPicPr>
+          <p:nvPr/>
+        </p:nvPicPr>
+        <p:blipFill>
+          <a:blip r:embed="rId2">
+            <a:extLst>
+              <a:ext uri="{28A0092B-C50C-407E-A947-70E740481C1C}">
+                <a14:useLocalDpi xmlns:a14="http://schemas.microsoft.com/office/drawing/2010/main" val="0"/>
+              </a:ext>
+              <a:ext uri="{96DAC541-7B7A-43D3-8B79-37D633B846F1}">
+                <asvg:svgBlip xmlns:asvg="http://schemas.microsoft.com/office/drawing/2016/SVG/main" r:embed="rId4"/>
+              </a:ext>
+            </a:extLst>
+          </a:blip>
+          <a:stretch>
+            <a:fillRect/>
+          </a:stretch>
+        </p:blipFill>
+        <p:spPr>
+          <a:xfrm>
+            <a:off x="9504218" y="2394071"/>
+            <a:ext cx="1436554" cy="1436554"/>
+          </a:xfrm>
+          <a:prstGeom prst="rect">
+            <a:avLst/>
+          </a:prstGeom>
+        </p:spPr>
+      </p:pic>
+      <p:pic>
+        <p:nvPicPr>
+          <p:cNvPr id="23" name="Content Placeholder 4" descr="Computer">
+            <a:extLst>
+              <a:ext uri="{FF2B5EF4-FFF2-40B4-BE49-F238E27FC236}">
+                <a16:creationId xmlns:a16="http://schemas.microsoft.com/office/drawing/2014/main" id="{01F70723-BAE5-4FF7-A880-1331BAF26E19}"/>
+              </a:ext>
+            </a:extLst>
+          </p:cNvPr>
+          <p:cNvPicPr>
+            <a:picLocks noChangeAspect="1"/>
+          </p:cNvPicPr>
+          <p:nvPr/>
+        </p:nvPicPr>
+        <p:blipFill>
+          <a:blip r:embed="rId2">
+            <a:extLst>
+              <a:ext uri="{28A0092B-C50C-407E-A947-70E740481C1C}">
+                <a14:useLocalDpi xmlns:a14="http://schemas.microsoft.com/office/drawing/2010/main" val="0"/>
+              </a:ext>
+              <a:ext uri="{96DAC541-7B7A-43D3-8B79-37D633B846F1}">
+                <asvg:svgBlip xmlns:asvg="http://schemas.microsoft.com/office/drawing/2016/SVG/main" r:embed="rId4"/>
+              </a:ext>
+            </a:extLst>
+          </a:blip>
+          <a:stretch>
+            <a:fillRect/>
+          </a:stretch>
+        </p:blipFill>
+        <p:spPr>
+          <a:xfrm>
+            <a:off x="6096000" y="3486271"/>
+            <a:ext cx="1436554" cy="1436554"/>
+          </a:xfrm>
+          <a:prstGeom prst="rect">
+            <a:avLst/>
+          </a:prstGeom>
+        </p:spPr>
+      </p:pic>
+      <p:pic>
+        <p:nvPicPr>
+          <p:cNvPr id="24" name="Content Placeholder 4" descr="Computer">
+            <a:extLst>
+              <a:ext uri="{FF2B5EF4-FFF2-40B4-BE49-F238E27FC236}">
+                <a16:creationId xmlns:a16="http://schemas.microsoft.com/office/drawing/2014/main" id="{F7567D2D-2423-4E3E-BAF8-EB35E79DECA9}"/>
+              </a:ext>
+            </a:extLst>
+          </p:cNvPr>
+          <p:cNvPicPr>
+            <a:picLocks noChangeAspect="1"/>
+          </p:cNvPicPr>
+          <p:nvPr/>
+        </p:nvPicPr>
+        <p:blipFill>
+          <a:blip r:embed="rId2">
+            <a:extLst>
+              <a:ext uri="{28A0092B-C50C-407E-A947-70E740481C1C}">
+                <a14:useLocalDpi xmlns:a14="http://schemas.microsoft.com/office/drawing/2010/main" val="0"/>
+              </a:ext>
+              <a:ext uri="{96DAC541-7B7A-43D3-8B79-37D633B846F1}">
+                <asvg:svgBlip xmlns:asvg="http://schemas.microsoft.com/office/drawing/2016/SVG/main" r:embed="rId4"/>
+              </a:ext>
+            </a:extLst>
+          </a:blip>
+          <a:stretch>
+            <a:fillRect/>
+          </a:stretch>
+        </p:blipFill>
+        <p:spPr>
+          <a:xfrm>
+            <a:off x="7800109" y="3486271"/>
+            <a:ext cx="1436554" cy="1436554"/>
+          </a:xfrm>
+          <a:prstGeom prst="rect">
+            <a:avLst/>
+          </a:prstGeom>
+        </p:spPr>
+      </p:pic>
+      <p:pic>
+        <p:nvPicPr>
+          <p:cNvPr id="25" name="Content Placeholder 4" descr="Computer">
+            <a:extLst>
+              <a:ext uri="{FF2B5EF4-FFF2-40B4-BE49-F238E27FC236}">
+                <a16:creationId xmlns:a16="http://schemas.microsoft.com/office/drawing/2014/main" id="{5BC022C0-1951-43E3-AC5A-551C441442D4}"/>
+              </a:ext>
+            </a:extLst>
+          </p:cNvPr>
+          <p:cNvPicPr>
+            <a:picLocks noChangeAspect="1"/>
+          </p:cNvPicPr>
+          <p:nvPr/>
+        </p:nvPicPr>
+        <p:blipFill>
+          <a:blip r:embed="rId2">
+            <a:extLst>
+              <a:ext uri="{28A0092B-C50C-407E-A947-70E740481C1C}">
+                <a14:useLocalDpi xmlns:a14="http://schemas.microsoft.com/office/drawing/2010/main" val="0"/>
+              </a:ext>
+              <a:ext uri="{96DAC541-7B7A-43D3-8B79-37D633B846F1}">
+                <asvg:svgBlip xmlns:asvg="http://schemas.microsoft.com/office/drawing/2016/SVG/main" r:embed="rId4"/>
+              </a:ext>
+            </a:extLst>
+          </a:blip>
+          <a:stretch>
+            <a:fillRect/>
+          </a:stretch>
+        </p:blipFill>
+        <p:spPr>
+          <a:xfrm>
+            <a:off x="9504218" y="3486271"/>
+            <a:ext cx="1436554" cy="1436554"/>
+          </a:xfrm>
+          <a:prstGeom prst="rect">
+            <a:avLst/>
+          </a:prstGeom>
+        </p:spPr>
+      </p:pic>
+      <p:pic>
+        <p:nvPicPr>
+          <p:cNvPr id="26" name="Content Placeholder 4" descr="Computer">
+            <a:extLst>
+              <a:ext uri="{FF2B5EF4-FFF2-40B4-BE49-F238E27FC236}">
+                <a16:creationId xmlns:a16="http://schemas.microsoft.com/office/drawing/2014/main" id="{08B683CF-7241-47CE-B6E8-671BB3D83511}"/>
+              </a:ext>
+            </a:extLst>
+          </p:cNvPr>
+          <p:cNvPicPr>
+            <a:picLocks noChangeAspect="1"/>
+          </p:cNvPicPr>
+          <p:nvPr/>
+        </p:nvPicPr>
+        <p:blipFill>
+          <a:blip r:embed="rId2">
+            <a:extLst>
+              <a:ext uri="{28A0092B-C50C-407E-A947-70E740481C1C}">
+                <a14:useLocalDpi xmlns:a14="http://schemas.microsoft.com/office/drawing/2010/main" val="0"/>
+              </a:ext>
+              <a:ext uri="{96DAC541-7B7A-43D3-8B79-37D633B846F1}">
+                <asvg:svgBlip xmlns:asvg="http://schemas.microsoft.com/office/drawing/2016/SVG/main" r:embed="rId4"/>
+              </a:ext>
+            </a:extLst>
+          </a:blip>
+          <a:stretch>
+            <a:fillRect/>
+          </a:stretch>
+        </p:blipFill>
+        <p:spPr>
+          <a:xfrm>
+            <a:off x="6096000" y="4577486"/>
+            <a:ext cx="1436554" cy="1436554"/>
+          </a:xfrm>
+          <a:prstGeom prst="rect">
+            <a:avLst/>
+          </a:prstGeom>
+        </p:spPr>
+      </p:pic>
+      <p:pic>
+        <p:nvPicPr>
+          <p:cNvPr id="27" name="Content Placeholder 4" descr="Computer">
+            <a:extLst>
+              <a:ext uri="{FF2B5EF4-FFF2-40B4-BE49-F238E27FC236}">
+                <a16:creationId xmlns:a16="http://schemas.microsoft.com/office/drawing/2014/main" id="{4AE6B51B-EC0F-41AE-8A1C-0AD08A9A084E}"/>
+              </a:ext>
+            </a:extLst>
+          </p:cNvPr>
+          <p:cNvPicPr>
+            <a:picLocks noChangeAspect="1"/>
+          </p:cNvPicPr>
+          <p:nvPr/>
+        </p:nvPicPr>
+        <p:blipFill>
+          <a:blip r:embed="rId2">
+            <a:extLst>
+              <a:ext uri="{28A0092B-C50C-407E-A947-70E740481C1C}">
+                <a14:useLocalDpi xmlns:a14="http://schemas.microsoft.com/office/drawing/2010/main" val="0"/>
+              </a:ext>
+              <a:ext uri="{96DAC541-7B7A-43D3-8B79-37D633B846F1}">
+                <asvg:svgBlip xmlns:asvg="http://schemas.microsoft.com/office/drawing/2016/SVG/main" r:embed="rId4"/>
+              </a:ext>
+            </a:extLst>
+          </a:blip>
+          <a:stretch>
+            <a:fillRect/>
+          </a:stretch>
+        </p:blipFill>
+        <p:spPr>
+          <a:xfrm>
+            <a:off x="7800109" y="4577486"/>
+            <a:ext cx="1436554" cy="1436554"/>
+          </a:xfrm>
+          <a:prstGeom prst="rect">
+            <a:avLst/>
+          </a:prstGeom>
+        </p:spPr>
+      </p:pic>
+      <p:pic>
+        <p:nvPicPr>
+          <p:cNvPr id="28" name="Content Placeholder 4" descr="Computer">
+            <a:extLst>
+              <a:ext uri="{FF2B5EF4-FFF2-40B4-BE49-F238E27FC236}">
+                <a16:creationId xmlns:a16="http://schemas.microsoft.com/office/drawing/2014/main" id="{30425581-C6CB-40BD-AF50-526DF9E880C7}"/>
+              </a:ext>
+            </a:extLst>
+          </p:cNvPr>
+          <p:cNvPicPr>
+            <a:picLocks noChangeAspect="1"/>
+          </p:cNvPicPr>
+          <p:nvPr/>
+        </p:nvPicPr>
+        <p:blipFill>
+          <a:blip r:embed="rId2">
+            <a:extLst>
+              <a:ext uri="{28A0092B-C50C-407E-A947-70E740481C1C}">
+                <a14:useLocalDpi xmlns:a14="http://schemas.microsoft.com/office/drawing/2010/main" val="0"/>
+              </a:ext>
+              <a:ext uri="{96DAC541-7B7A-43D3-8B79-37D633B846F1}">
+                <asvg:svgBlip xmlns:asvg="http://schemas.microsoft.com/office/drawing/2016/SVG/main" r:embed="rId4"/>
+              </a:ext>
+            </a:extLst>
+          </a:blip>
+          <a:stretch>
+            <a:fillRect/>
+          </a:stretch>
+        </p:blipFill>
+        <p:spPr>
+          <a:xfrm>
+            <a:off x="9504218" y="4577486"/>
+            <a:ext cx="1436554" cy="1436554"/>
+          </a:xfrm>
+          <a:prstGeom prst="rect">
+            <a:avLst/>
+          </a:prstGeom>
+        </p:spPr>
+      </p:pic>
+      <p:pic>
+        <p:nvPicPr>
+          <p:cNvPr id="29" name="Content Placeholder 4" descr="Computer">
+            <a:extLst>
+              <a:ext uri="{FF2B5EF4-FFF2-40B4-BE49-F238E27FC236}">
+                <a16:creationId xmlns:a16="http://schemas.microsoft.com/office/drawing/2014/main" id="{F1265D1B-F80F-4DFB-9A57-60967FFE06A2}"/>
+              </a:ext>
+            </a:extLst>
+          </p:cNvPr>
+          <p:cNvPicPr>
+            <a:picLocks noChangeAspect="1"/>
+          </p:cNvPicPr>
+          <p:nvPr/>
+        </p:nvPicPr>
+        <p:blipFill>
+          <a:blip r:embed="rId2">
+            <a:extLst>
+              <a:ext uri="{28A0092B-C50C-407E-A947-70E740481C1C}">
+                <a14:useLocalDpi xmlns:a14="http://schemas.microsoft.com/office/drawing/2010/main" val="0"/>
+              </a:ext>
+              <a:ext uri="{96DAC541-7B7A-43D3-8B79-37D633B846F1}">
+                <asvg:svgBlip xmlns:asvg="http://schemas.microsoft.com/office/drawing/2016/SVG/main" r:embed="rId4"/>
+              </a:ext>
+            </a:extLst>
+          </a:blip>
+          <a:stretch>
+            <a:fillRect/>
+          </a:stretch>
+        </p:blipFill>
+        <p:spPr>
+          <a:xfrm>
+            <a:off x="7858372" y="2394071"/>
+            <a:ext cx="1436554" cy="1436554"/>
+          </a:xfrm>
+          <a:prstGeom prst="rect">
+            <a:avLst/>
+          </a:prstGeom>
+        </p:spPr>
+      </p:pic>
+      <p:pic>
+        <p:nvPicPr>
+          <p:cNvPr id="4" name="Graphic 3" descr="No sign">
+            <a:extLst>
+              <a:ext uri="{FF2B5EF4-FFF2-40B4-BE49-F238E27FC236}">
+                <a16:creationId xmlns:a16="http://schemas.microsoft.com/office/drawing/2014/main" id="{2DEC8873-9913-49DC-A9CE-90D94DC72A85}"/>
+              </a:ext>
+            </a:extLst>
+          </p:cNvPr>
+          <p:cNvPicPr>
+            <a:picLocks noChangeAspect="1"/>
+          </p:cNvPicPr>
+          <p:nvPr/>
+        </p:nvPicPr>
+        <p:blipFill>
+          <a:blip r:embed="rId5">
+            <a:extLst>
+              <a:ext uri="{28A0092B-C50C-407E-A947-70E740481C1C}">
+                <a14:useLocalDpi xmlns:a14="http://schemas.microsoft.com/office/drawing/2010/main" val="0"/>
+              </a:ext>
+              <a:ext uri="{96DAC541-7B7A-43D3-8B79-37D633B846F1}">
+                <asvg:svgBlip xmlns:asvg="http://schemas.microsoft.com/office/drawing/2016/SVG/main" r:embed="rId6"/>
+              </a:ext>
+            </a:extLst>
+          </a:blip>
+          <a:stretch>
+            <a:fillRect/>
+          </a:stretch>
+        </p:blipFill>
+        <p:spPr>
+          <a:xfrm>
+            <a:off x="2008760" y="2600109"/>
+            <a:ext cx="914400" cy="914400"/>
+          </a:xfrm>
+          <a:prstGeom prst="rect">
+            <a:avLst/>
+          </a:prstGeom>
+        </p:spPr>
+      </p:pic>
+      <p:pic>
+        <p:nvPicPr>
+          <p:cNvPr id="30" name="Graphic 29" descr="No sign">
+            <a:extLst>
+              <a:ext uri="{FF2B5EF4-FFF2-40B4-BE49-F238E27FC236}">
+                <a16:creationId xmlns:a16="http://schemas.microsoft.com/office/drawing/2014/main" id="{AE629E72-6D4E-44F0-A54C-FAFA472756E4}"/>
+              </a:ext>
+            </a:extLst>
+          </p:cNvPr>
+          <p:cNvPicPr>
+            <a:picLocks noChangeAspect="1"/>
+          </p:cNvPicPr>
+          <p:nvPr/>
+        </p:nvPicPr>
+        <p:blipFill>
+          <a:blip r:embed="rId5">
+            <a:extLst>
+              <a:ext uri="{28A0092B-C50C-407E-A947-70E740481C1C}">
+                <a14:useLocalDpi xmlns:a14="http://schemas.microsoft.com/office/drawing/2010/main" val="0"/>
+              </a:ext>
+              <a:ext uri="{96DAC541-7B7A-43D3-8B79-37D633B846F1}">
+                <asvg:svgBlip xmlns:asvg="http://schemas.microsoft.com/office/drawing/2016/SVG/main" r:embed="rId7"/>
+              </a:ext>
+            </a:extLst>
+          </a:blip>
+          <a:stretch>
+            <a:fillRect/>
+          </a:stretch>
+        </p:blipFill>
+        <p:spPr>
+          <a:xfrm>
+            <a:off x="1923709" y="3712635"/>
+            <a:ext cx="914400" cy="914400"/>
+          </a:xfrm>
+          <a:prstGeom prst="rect">
+            <a:avLst/>
+          </a:prstGeom>
+        </p:spPr>
+      </p:pic>
+      <p:pic>
+        <p:nvPicPr>
+          <p:cNvPr id="31" name="Graphic 30" descr="No sign">
+            <a:extLst>
+              <a:ext uri="{FF2B5EF4-FFF2-40B4-BE49-F238E27FC236}">
+                <a16:creationId xmlns:a16="http://schemas.microsoft.com/office/drawing/2014/main" id="{F20BF116-8C66-47FF-BFBF-0BCEF5F6918E}"/>
+              </a:ext>
+            </a:extLst>
+          </p:cNvPr>
+          <p:cNvPicPr>
+            <a:picLocks noChangeAspect="1"/>
+          </p:cNvPicPr>
+          <p:nvPr/>
+        </p:nvPicPr>
+        <p:blipFill>
+          <a:blip r:embed="rId5">
+            <a:extLst>
+              <a:ext uri="{28A0092B-C50C-407E-A947-70E740481C1C}">
+                <a14:useLocalDpi xmlns:a14="http://schemas.microsoft.com/office/drawing/2010/main" val="0"/>
+              </a:ext>
+              <a:ext uri="{96DAC541-7B7A-43D3-8B79-37D633B846F1}">
+                <asvg:svgBlip xmlns:asvg="http://schemas.microsoft.com/office/drawing/2016/SVG/main" r:embed="rId7"/>
+              </a:ext>
+            </a:extLst>
+          </a:blip>
+          <a:stretch>
+            <a:fillRect/>
+          </a:stretch>
+        </p:blipFill>
+        <p:spPr>
+          <a:xfrm>
+            <a:off x="8119449" y="2648551"/>
+            <a:ext cx="914400" cy="914400"/>
+          </a:xfrm>
+          <a:prstGeom prst="rect">
+            <a:avLst/>
+          </a:prstGeom>
+        </p:spPr>
+      </p:pic>
+      <p:pic>
+        <p:nvPicPr>
+          <p:cNvPr id="32" name="Graphic 31" descr="No sign">
+            <a:extLst>
+              <a:ext uri="{FF2B5EF4-FFF2-40B4-BE49-F238E27FC236}">
+                <a16:creationId xmlns:a16="http://schemas.microsoft.com/office/drawing/2014/main" id="{DF90711C-8249-41F1-8DE1-59A32F1C8377}"/>
+              </a:ext>
+            </a:extLst>
+          </p:cNvPr>
+          <p:cNvPicPr>
+            <a:picLocks noChangeAspect="1"/>
+          </p:cNvPicPr>
+          <p:nvPr/>
+        </p:nvPicPr>
+        <p:blipFill>
+          <a:blip r:embed="rId5">
+            <a:extLst>
+              <a:ext uri="{28A0092B-C50C-407E-A947-70E740481C1C}">
+                <a14:useLocalDpi xmlns:a14="http://schemas.microsoft.com/office/drawing/2010/main" val="0"/>
+              </a:ext>
+              <a:ext uri="{96DAC541-7B7A-43D3-8B79-37D633B846F1}">
+                <asvg:svgBlip xmlns:asvg="http://schemas.microsoft.com/office/drawing/2016/SVG/main" r:embed="rId7"/>
+              </a:ext>
+            </a:extLst>
+          </a:blip>
+          <a:stretch>
+            <a:fillRect/>
+          </a:stretch>
+        </p:blipFill>
+        <p:spPr>
+          <a:xfrm>
+            <a:off x="8061186" y="4838563"/>
+            <a:ext cx="914400" cy="914400"/>
+          </a:xfrm>
+          <a:prstGeom prst="rect">
+            <a:avLst/>
+          </a:prstGeom>
+        </p:spPr>
+      </p:pic>
+    </p:spTree>
+    <p:extLst>
+      <p:ext uri="{BB962C8B-B14F-4D97-AF65-F5344CB8AC3E}">
+        <p14:creationId xmlns:p14="http://schemas.microsoft.com/office/powerpoint/2010/main" val="1692299701"/>
+      </p:ext>
+    </p:extLst>
+  </p:cSld>
+  <p:clrMapOvr>
+    <a:masterClrMapping/>
+  </p:clrMapOvr>
+</p:sld>
+</file>
+
 <file path=ppt/slides/slide2.xml><?xml version="1.0" encoding="utf-8"?>
 <p:sld xmlns:a="http://schemas.openxmlformats.org/drawingml/2006/main" xmlns:r="http://schemas.openxmlformats.org/officeDocument/2006/relationships" xmlns:p="http://schemas.openxmlformats.org/presentationml/2006/main">
   <p:cSld>
@@ -6963,6 +9215,110 @@
     <p:extLst>
       <p:ext uri="{BB962C8B-B14F-4D97-AF65-F5344CB8AC3E}">
         <p14:creationId xmlns:p14="http://schemas.microsoft.com/office/powerpoint/2010/main" val="1830987458"/>
+      </p:ext>
+    </p:extLst>
+  </p:cSld>
+  <p:clrMapOvr>
+    <a:masterClrMapping/>
+  </p:clrMapOvr>
+</p:sld>
+</file>
+
+<file path=ppt/slides/slide9.xml><?xml version="1.0" encoding="utf-8"?>
+<p:sld xmlns:a="http://schemas.openxmlformats.org/drawingml/2006/main" xmlns:r="http://schemas.openxmlformats.org/officeDocument/2006/relationships" xmlns:p="http://schemas.openxmlformats.org/presentationml/2006/main">
+  <p:cSld>
+    <p:spTree>
+      <p:nvGrpSpPr>
+        <p:cNvPr id="1" name=""/>
+        <p:cNvGrpSpPr/>
+        <p:nvPr/>
+      </p:nvGrpSpPr>
+      <p:grpSpPr>
+        <a:xfrm>
+          <a:off x="0" y="0"/>
+          <a:ext cx="0" cy="0"/>
+          <a:chOff x="0" y="0"/>
+          <a:chExt cx="0" cy="0"/>
+        </a:xfrm>
+      </p:grpSpPr>
+      <p:sp>
+        <p:nvSpPr>
+          <p:cNvPr id="2" name="Title 1">
+            <a:extLst>
+              <a:ext uri="{FF2B5EF4-FFF2-40B4-BE49-F238E27FC236}">
+                <a16:creationId xmlns:a16="http://schemas.microsoft.com/office/drawing/2014/main" id="{9F86A428-4F80-42C1-B0B0-64AC2BA089E8}"/>
+              </a:ext>
+            </a:extLst>
+          </p:cNvPr>
+          <p:cNvSpPr>
+            <a:spLocks noGrp="1"/>
+          </p:cNvSpPr>
+          <p:nvPr>
+            <p:ph type="title"/>
+          </p:nvPr>
+        </p:nvSpPr>
+        <p:spPr/>
+        <p:txBody>
+          <a:bodyPr/>
+          <a:lstStyle/>
+          <a:p>
+            <a:r>
+              <a:rPr lang="en-IN" dirty="0"/>
+              <a:t>Python</a:t>
+            </a:r>
+          </a:p>
+        </p:txBody>
+      </p:sp>
+      <p:sp>
+        <p:nvSpPr>
+          <p:cNvPr id="3" name="Content Placeholder 2">
+            <a:extLst>
+              <a:ext uri="{FF2B5EF4-FFF2-40B4-BE49-F238E27FC236}">
+                <a16:creationId xmlns:a16="http://schemas.microsoft.com/office/drawing/2014/main" id="{9AAD7622-1F6F-4246-9E24-1BD927B5262D}"/>
+              </a:ext>
+            </a:extLst>
+          </p:cNvPr>
+          <p:cNvSpPr>
+            <a:spLocks noGrp="1"/>
+          </p:cNvSpPr>
+          <p:nvPr>
+            <p:ph idx="1"/>
+          </p:nvPr>
+        </p:nvSpPr>
+        <p:spPr/>
+        <p:txBody>
+          <a:bodyPr/>
+          <a:lstStyle/>
+          <a:p>
+            <a:r>
+              <a:rPr lang="en-IN" dirty="0"/>
+              <a:t>Libraries</a:t>
+            </a:r>
+          </a:p>
+          <a:p>
+            <a:r>
+              <a:rPr lang="en-IN" dirty="0"/>
+              <a:t>Modules</a:t>
+            </a:r>
+          </a:p>
+          <a:p>
+            <a:r>
+              <a:rPr lang="en-IN" dirty="0"/>
+              <a:t>Function</a:t>
+            </a:r>
+          </a:p>
+          <a:p>
+            <a:r>
+              <a:rPr lang="en-IN" dirty="0"/>
+              <a:t>Autonomous function</a:t>
+            </a:r>
+          </a:p>
+        </p:txBody>
+      </p:sp>
+    </p:spTree>
+    <p:extLst>
+      <p:ext uri="{BB962C8B-B14F-4D97-AF65-F5344CB8AC3E}">
+        <p14:creationId xmlns:p14="http://schemas.microsoft.com/office/powerpoint/2010/main" val="3112711031"/>
       </p:ext>
     </p:extLst>
   </p:cSld>

--- a/Bigdata.pptx
+++ b/Bigdata.pptx
@@ -20,6 +20,14 @@
     <p:sldId id="269" r:id="rId14"/>
     <p:sldId id="270" r:id="rId15"/>
     <p:sldId id="271" r:id="rId16"/>
+    <p:sldId id="272" r:id="rId17"/>
+    <p:sldId id="273" r:id="rId18"/>
+    <p:sldId id="274" r:id="rId19"/>
+    <p:sldId id="275" r:id="rId20"/>
+    <p:sldId id="276" r:id="rId21"/>
+    <p:sldId id="277" r:id="rId22"/>
+    <p:sldId id="279" r:id="rId23"/>
+    <p:sldId id="278" r:id="rId24"/>
   </p:sldIdLst>
   <p:sldSz cx="12192000" cy="6858000"/>
   <p:notesSz cx="6858000" cy="9144000"/>
@@ -8414,6 +8422,947 @@
 </p:sld>
 </file>
 
+<file path=ppt/slides/slide16.xml><?xml version="1.0" encoding="utf-8"?>
+<p:sld xmlns:a="http://schemas.openxmlformats.org/drawingml/2006/main" xmlns:r="http://schemas.openxmlformats.org/officeDocument/2006/relationships" xmlns:p="http://schemas.openxmlformats.org/presentationml/2006/main">
+  <p:cSld>
+    <p:spTree>
+      <p:nvGrpSpPr>
+        <p:cNvPr id="1" name=""/>
+        <p:cNvGrpSpPr/>
+        <p:nvPr/>
+      </p:nvGrpSpPr>
+      <p:grpSpPr>
+        <a:xfrm>
+          <a:off x="0" y="0"/>
+          <a:ext cx="0" cy="0"/>
+          <a:chOff x="0" y="0"/>
+          <a:chExt cx="0" cy="0"/>
+        </a:xfrm>
+      </p:grpSpPr>
+      <p:sp>
+        <p:nvSpPr>
+          <p:cNvPr id="2" name="Title 1">
+            <a:extLst>
+              <a:ext uri="{FF2B5EF4-FFF2-40B4-BE49-F238E27FC236}">
+                <a16:creationId xmlns:a16="http://schemas.microsoft.com/office/drawing/2014/main" id="{DB97F456-1A2B-4A7F-9A84-2E46CCB4AB23}"/>
+              </a:ext>
+            </a:extLst>
+          </p:cNvPr>
+          <p:cNvSpPr>
+            <a:spLocks noGrp="1"/>
+          </p:cNvSpPr>
+          <p:nvPr>
+            <p:ph type="title"/>
+          </p:nvPr>
+        </p:nvSpPr>
+        <p:spPr/>
+        <p:txBody>
+          <a:bodyPr/>
+          <a:lstStyle/>
+          <a:p>
+            <a:r>
+              <a:rPr lang="en-IN" dirty="0"/>
+              <a:t>Relational DB</a:t>
+            </a:r>
+          </a:p>
+        </p:txBody>
+      </p:sp>
+      <p:sp>
+        <p:nvSpPr>
+          <p:cNvPr id="3" name="Content Placeholder 2">
+            <a:extLst>
+              <a:ext uri="{FF2B5EF4-FFF2-40B4-BE49-F238E27FC236}">
+                <a16:creationId xmlns:a16="http://schemas.microsoft.com/office/drawing/2014/main" id="{17DD7C67-B570-4059-ABA1-7906ABC97835}"/>
+              </a:ext>
+            </a:extLst>
+          </p:cNvPr>
+          <p:cNvSpPr>
+            <a:spLocks noGrp="1"/>
+          </p:cNvSpPr>
+          <p:nvPr>
+            <p:ph idx="1"/>
+          </p:nvPr>
+        </p:nvSpPr>
+        <p:spPr/>
+        <p:txBody>
+          <a:bodyPr/>
+          <a:lstStyle/>
+          <a:p>
+            <a:r>
+              <a:rPr lang="en-IN" dirty="0"/>
+              <a:t>Expensive dedicated HW </a:t>
+            </a:r>
+          </a:p>
+          <a:p>
+            <a:r>
+              <a:rPr lang="en-IN" dirty="0"/>
+              <a:t>Built for performance </a:t>
+            </a:r>
+          </a:p>
+          <a:p>
+            <a:r>
+              <a:rPr lang="en-IN" dirty="0"/>
+              <a:t>Designed for high volumes (</a:t>
+            </a:r>
+            <a:r>
+              <a:rPr lang="en-IN" dirty="0" err="1"/>
+              <a:t>eg</a:t>
+            </a:r>
+            <a:r>
+              <a:rPr lang="en-IN" dirty="0"/>
+              <a:t> 10s of TB) </a:t>
+            </a:r>
+          </a:p>
+          <a:p>
+            <a:r>
+              <a:rPr lang="en-IN" dirty="0"/>
+              <a:t>High availability </a:t>
+            </a:r>
+          </a:p>
+          <a:p>
+            <a:r>
+              <a:rPr lang="en-IN" dirty="0"/>
+              <a:t>Initially developed using Relational Data bases </a:t>
+            </a:r>
+          </a:p>
+          <a:p>
+            <a:r>
+              <a:rPr lang="en-IN" dirty="0"/>
+              <a:t>Supports only modelled and structured data </a:t>
+            </a:r>
+          </a:p>
+          <a:p>
+            <a:r>
+              <a:rPr lang="en-IN" dirty="0"/>
+              <a:t>Business As Usual ways to design, build and deliver </a:t>
+            </a:r>
+          </a:p>
+          <a:p>
+            <a:r>
+              <a:rPr lang="en-IN" dirty="0"/>
+              <a:t>Very mature solutions (skills, SW, HW, administration) </a:t>
+            </a:r>
+          </a:p>
+          <a:p>
+            <a:r>
+              <a:rPr lang="en-IN" dirty="0"/>
+              <a:t>Teradata, Oracle Exadata, IBM Netezza, ...</a:t>
+            </a:r>
+          </a:p>
+        </p:txBody>
+      </p:sp>
+    </p:spTree>
+    <p:extLst>
+      <p:ext uri="{BB962C8B-B14F-4D97-AF65-F5344CB8AC3E}">
+        <p14:creationId xmlns:p14="http://schemas.microsoft.com/office/powerpoint/2010/main" val="957278438"/>
+      </p:ext>
+    </p:extLst>
+  </p:cSld>
+  <p:clrMapOvr>
+    <a:masterClrMapping/>
+  </p:clrMapOvr>
+</p:sld>
+</file>
+
+<file path=ppt/slides/slide17.xml><?xml version="1.0" encoding="utf-8"?>
+<p:sld xmlns:a="http://schemas.openxmlformats.org/drawingml/2006/main" xmlns:r="http://schemas.openxmlformats.org/officeDocument/2006/relationships" xmlns:p="http://schemas.openxmlformats.org/presentationml/2006/main">
+  <p:cSld>
+    <p:spTree>
+      <p:nvGrpSpPr>
+        <p:cNvPr id="1" name=""/>
+        <p:cNvGrpSpPr/>
+        <p:nvPr/>
+      </p:nvGrpSpPr>
+      <p:grpSpPr>
+        <a:xfrm>
+          <a:off x="0" y="0"/>
+          <a:ext cx="0" cy="0"/>
+          <a:chOff x="0" y="0"/>
+          <a:chExt cx="0" cy="0"/>
+        </a:xfrm>
+      </p:grpSpPr>
+      <p:sp>
+        <p:nvSpPr>
+          <p:cNvPr id="2" name="Title 1">
+            <a:extLst>
+              <a:ext uri="{FF2B5EF4-FFF2-40B4-BE49-F238E27FC236}">
+                <a16:creationId xmlns:a16="http://schemas.microsoft.com/office/drawing/2014/main" id="{761FABF6-A114-403C-95ED-BD70E85FF98D}"/>
+              </a:ext>
+            </a:extLst>
+          </p:cNvPr>
+          <p:cNvSpPr>
+            <a:spLocks noGrp="1"/>
+          </p:cNvSpPr>
+          <p:nvPr>
+            <p:ph type="title"/>
+          </p:nvPr>
+        </p:nvSpPr>
+        <p:spPr/>
+        <p:txBody>
+          <a:bodyPr/>
+          <a:lstStyle/>
+          <a:p>
+            <a:r>
+              <a:rPr lang="en-IN" dirty="0"/>
+              <a:t>Hadoop</a:t>
+            </a:r>
+          </a:p>
+        </p:txBody>
+      </p:sp>
+      <p:sp>
+        <p:nvSpPr>
+          <p:cNvPr id="3" name="Content Placeholder 2">
+            <a:extLst>
+              <a:ext uri="{FF2B5EF4-FFF2-40B4-BE49-F238E27FC236}">
+                <a16:creationId xmlns:a16="http://schemas.microsoft.com/office/drawing/2014/main" id="{DCE9B9CE-8BCD-47A9-A8F9-44DCE989DF7D}"/>
+              </a:ext>
+            </a:extLst>
+          </p:cNvPr>
+          <p:cNvSpPr>
+            <a:spLocks noGrp="1"/>
+          </p:cNvSpPr>
+          <p:nvPr>
+            <p:ph idx="1"/>
+          </p:nvPr>
+        </p:nvSpPr>
+        <p:spPr/>
+        <p:txBody>
+          <a:bodyPr>
+            <a:normAutofit fontScale="92500" lnSpcReduction="20000"/>
+          </a:bodyPr>
+          <a:lstStyle/>
+          <a:p>
+            <a:r>
+              <a:rPr lang="en-US" dirty="0"/>
+              <a:t>Uses commodity PCs </a:t>
+            </a:r>
+          </a:p>
+          <a:p>
+            <a:r>
+              <a:rPr lang="en-US" dirty="0"/>
+              <a:t>Built for extreme scalability </a:t>
+            </a:r>
+          </a:p>
+          <a:p>
+            <a:r>
+              <a:rPr lang="en-US" dirty="0"/>
+              <a:t>Designed for extreme volumes (10s of PB and more) </a:t>
+            </a:r>
+          </a:p>
+          <a:p>
+            <a:r>
+              <a:rPr lang="en-US" dirty="0"/>
+              <a:t>Very high availability (clouds like Amazon distributed all around the world) </a:t>
+            </a:r>
+          </a:p>
+          <a:p>
+            <a:r>
+              <a:rPr lang="en-US" dirty="0"/>
+              <a:t>Initially developed by Google for storing Petabytes of web pages for ranking </a:t>
+            </a:r>
+          </a:p>
+          <a:p>
+            <a:r>
+              <a:rPr lang="en-US" dirty="0"/>
+              <a:t>Not yet fully mature </a:t>
+            </a:r>
+          </a:p>
+          <a:p>
+            <a:r>
+              <a:rPr lang="en-US" dirty="0"/>
+              <a:t>Hadoop = Data is distributed over many machines </a:t>
+            </a:r>
+          </a:p>
+          <a:p>
+            <a:r>
+              <a:rPr lang="en-US" dirty="0"/>
+              <a:t>MapReduce = Computing is distributed and executed where data is (grid solution) </a:t>
+            </a:r>
+          </a:p>
+          <a:p>
+            <a:r>
+              <a:rPr lang="en-US" dirty="0"/>
+              <a:t>Works on Write Once read many times approach</a:t>
+            </a:r>
+            <a:endParaRPr lang="en-IN" dirty="0"/>
+          </a:p>
+        </p:txBody>
+      </p:sp>
+    </p:spTree>
+    <p:extLst>
+      <p:ext uri="{BB962C8B-B14F-4D97-AF65-F5344CB8AC3E}">
+        <p14:creationId xmlns:p14="http://schemas.microsoft.com/office/powerpoint/2010/main" val="2565198077"/>
+      </p:ext>
+    </p:extLst>
+  </p:cSld>
+  <p:clrMapOvr>
+    <a:masterClrMapping/>
+  </p:clrMapOvr>
+</p:sld>
+</file>
+
+<file path=ppt/slides/slide18.xml><?xml version="1.0" encoding="utf-8"?>
+<p:sld xmlns:a="http://schemas.openxmlformats.org/drawingml/2006/main" xmlns:r="http://schemas.openxmlformats.org/officeDocument/2006/relationships" xmlns:p="http://schemas.openxmlformats.org/presentationml/2006/main">
+  <p:cSld>
+    <p:spTree>
+      <p:nvGrpSpPr>
+        <p:cNvPr id="1" name=""/>
+        <p:cNvGrpSpPr/>
+        <p:nvPr/>
+      </p:nvGrpSpPr>
+      <p:grpSpPr>
+        <a:xfrm>
+          <a:off x="0" y="0"/>
+          <a:ext cx="0" cy="0"/>
+          <a:chOff x="0" y="0"/>
+          <a:chExt cx="0" cy="0"/>
+        </a:xfrm>
+      </p:grpSpPr>
+      <p:sp>
+        <p:nvSpPr>
+          <p:cNvPr id="2" name="Title 1">
+            <a:extLst>
+              <a:ext uri="{FF2B5EF4-FFF2-40B4-BE49-F238E27FC236}">
+                <a16:creationId xmlns:a16="http://schemas.microsoft.com/office/drawing/2014/main" id="{8562E6CE-7D48-4B3D-AEBA-31B935A374DA}"/>
+              </a:ext>
+            </a:extLst>
+          </p:cNvPr>
+          <p:cNvSpPr>
+            <a:spLocks noGrp="1"/>
+          </p:cNvSpPr>
+          <p:nvPr>
+            <p:ph type="title"/>
+          </p:nvPr>
+        </p:nvSpPr>
+        <p:spPr/>
+        <p:txBody>
+          <a:bodyPr/>
+          <a:lstStyle/>
+          <a:p>
+            <a:r>
+              <a:rPr lang="en-IN" dirty="0"/>
+              <a:t>Generations of Hadoop</a:t>
+            </a:r>
+          </a:p>
+        </p:txBody>
+      </p:sp>
+      <p:sp>
+        <p:nvSpPr>
+          <p:cNvPr id="3" name="Content Placeholder 2">
+            <a:extLst>
+              <a:ext uri="{FF2B5EF4-FFF2-40B4-BE49-F238E27FC236}">
+                <a16:creationId xmlns:a16="http://schemas.microsoft.com/office/drawing/2014/main" id="{116A7C2B-E8BA-4A5C-942A-867CF23B5E82}"/>
+              </a:ext>
+            </a:extLst>
+          </p:cNvPr>
+          <p:cNvSpPr>
+            <a:spLocks noGrp="1"/>
+          </p:cNvSpPr>
+          <p:nvPr>
+            <p:ph idx="1"/>
+          </p:nvPr>
+        </p:nvSpPr>
+        <p:spPr/>
+        <p:txBody>
+          <a:bodyPr/>
+          <a:lstStyle/>
+          <a:p>
+            <a:r>
+              <a:rPr lang="en-IN" dirty="0"/>
+              <a:t>Hadoop V1.0</a:t>
+            </a:r>
+          </a:p>
+          <a:p>
+            <a:r>
+              <a:rPr lang="en-IN" dirty="0"/>
+              <a:t>Hadoop v2.0</a:t>
+            </a:r>
+          </a:p>
+          <a:p>
+            <a:r>
+              <a:rPr lang="en-IN" dirty="0"/>
+              <a:t>Hadoop v3.0</a:t>
+            </a:r>
+          </a:p>
+        </p:txBody>
+      </p:sp>
+    </p:spTree>
+    <p:extLst>
+      <p:ext uri="{BB962C8B-B14F-4D97-AF65-F5344CB8AC3E}">
+        <p14:creationId xmlns:p14="http://schemas.microsoft.com/office/powerpoint/2010/main" val="3654955217"/>
+      </p:ext>
+    </p:extLst>
+  </p:cSld>
+  <p:clrMapOvr>
+    <a:masterClrMapping/>
+  </p:clrMapOvr>
+</p:sld>
+</file>
+
+<file path=ppt/slides/slide19.xml><?xml version="1.0" encoding="utf-8"?>
+<p:sld xmlns:a="http://schemas.openxmlformats.org/drawingml/2006/main" xmlns:r="http://schemas.openxmlformats.org/officeDocument/2006/relationships" xmlns:p="http://schemas.openxmlformats.org/presentationml/2006/main">
+  <p:cSld>
+    <p:spTree>
+      <p:nvGrpSpPr>
+        <p:cNvPr id="1" name=""/>
+        <p:cNvGrpSpPr/>
+        <p:nvPr/>
+      </p:nvGrpSpPr>
+      <p:grpSpPr>
+        <a:xfrm>
+          <a:off x="0" y="0"/>
+          <a:ext cx="0" cy="0"/>
+          <a:chOff x="0" y="0"/>
+          <a:chExt cx="0" cy="0"/>
+        </a:xfrm>
+      </p:grpSpPr>
+      <p:sp>
+        <p:nvSpPr>
+          <p:cNvPr id="2" name="Title 1">
+            <a:extLst>
+              <a:ext uri="{FF2B5EF4-FFF2-40B4-BE49-F238E27FC236}">
+                <a16:creationId xmlns:a16="http://schemas.microsoft.com/office/drawing/2014/main" id="{A5C4AD18-0EFC-4A50-B2E5-B9FF7923AEB2}"/>
+              </a:ext>
+            </a:extLst>
+          </p:cNvPr>
+          <p:cNvSpPr>
+            <a:spLocks noGrp="1"/>
+          </p:cNvSpPr>
+          <p:nvPr>
+            <p:ph type="title"/>
+          </p:nvPr>
+        </p:nvSpPr>
+        <p:spPr/>
+        <p:txBody>
+          <a:bodyPr/>
+          <a:lstStyle/>
+          <a:p>
+            <a:r>
+              <a:rPr lang="en-IN" dirty="0"/>
+              <a:t>Hadoop V1.0</a:t>
+            </a:r>
+          </a:p>
+        </p:txBody>
+      </p:sp>
+      <p:pic>
+        <p:nvPicPr>
+          <p:cNvPr id="9" name="Content Placeholder 8" descr="User">
+            <a:extLst>
+              <a:ext uri="{FF2B5EF4-FFF2-40B4-BE49-F238E27FC236}">
+                <a16:creationId xmlns:a16="http://schemas.microsoft.com/office/drawing/2014/main" id="{D778AFFD-A94C-40F6-B639-DDF651B2A3C0}"/>
+              </a:ext>
+            </a:extLst>
+          </p:cNvPr>
+          <p:cNvPicPr>
+            <a:picLocks noGrp="1" noChangeAspect="1"/>
+          </p:cNvPicPr>
+          <p:nvPr>
+            <p:ph idx="1"/>
+          </p:nvPr>
+        </p:nvPicPr>
+        <p:blipFill>
+          <a:blip r:embed="rId2">
+            <a:extLst>
+              <a:ext uri="{28A0092B-C50C-407E-A947-70E740481C1C}">
+                <a14:useLocalDpi xmlns:a14="http://schemas.microsoft.com/office/drawing/2010/main" val="0"/>
+              </a:ext>
+              <a:ext uri="{96DAC541-7B7A-43D3-8B79-37D633B846F1}">
+                <asvg:svgBlip xmlns:asvg="http://schemas.microsoft.com/office/drawing/2016/SVG/main" r:embed="rId3"/>
+              </a:ext>
+            </a:extLst>
+          </a:blip>
+          <a:stretch>
+            <a:fillRect/>
+          </a:stretch>
+        </p:blipFill>
+        <p:spPr>
+          <a:xfrm>
+            <a:off x="5397983" y="2135193"/>
+            <a:ext cx="914400" cy="914400"/>
+          </a:xfrm>
+        </p:spPr>
+      </p:pic>
+      <p:sp>
+        <p:nvSpPr>
+          <p:cNvPr id="4" name="Rectangle: Rounded Corners 3">
+            <a:extLst>
+              <a:ext uri="{FF2B5EF4-FFF2-40B4-BE49-F238E27FC236}">
+                <a16:creationId xmlns:a16="http://schemas.microsoft.com/office/drawing/2014/main" id="{F81CE4CB-B73D-4D0D-8E5C-46F7805757BC}"/>
+              </a:ext>
+            </a:extLst>
+          </p:cNvPr>
+          <p:cNvSpPr/>
+          <p:nvPr/>
+        </p:nvSpPr>
+        <p:spPr>
+          <a:xfrm>
+            <a:off x="2854036" y="5237018"/>
+            <a:ext cx="5809673" cy="766618"/>
+          </a:xfrm>
+          <a:prstGeom prst="roundRect">
+            <a:avLst/>
+          </a:prstGeom>
+        </p:spPr>
+        <p:style>
+          <a:lnRef idx="2">
+            <a:schemeClr val="accent1">
+              <a:shade val="50000"/>
+            </a:schemeClr>
+          </a:lnRef>
+          <a:fillRef idx="1">
+            <a:schemeClr val="accent1"/>
+          </a:fillRef>
+          <a:effectRef idx="0">
+            <a:schemeClr val="accent1"/>
+          </a:effectRef>
+          <a:fontRef idx="minor">
+            <a:schemeClr val="lt1"/>
+          </a:fontRef>
+        </p:style>
+        <p:txBody>
+          <a:bodyPr rtlCol="0" anchor="ctr"/>
+          <a:lstStyle/>
+          <a:p>
+            <a:pPr algn="ctr"/>
+            <a:endParaRPr lang="en-IN"/>
+          </a:p>
+        </p:txBody>
+      </p:sp>
+      <p:sp>
+        <p:nvSpPr>
+          <p:cNvPr id="5" name="TextBox 4">
+            <a:extLst>
+              <a:ext uri="{FF2B5EF4-FFF2-40B4-BE49-F238E27FC236}">
+                <a16:creationId xmlns:a16="http://schemas.microsoft.com/office/drawing/2014/main" id="{5F0F9BAB-E5D7-4A6D-8972-8CE6F9A621D1}"/>
+              </a:ext>
+            </a:extLst>
+          </p:cNvPr>
+          <p:cNvSpPr txBox="1"/>
+          <p:nvPr/>
+        </p:nvSpPr>
+        <p:spPr>
+          <a:xfrm>
+            <a:off x="4618181" y="5435661"/>
+            <a:ext cx="2281382" cy="369332"/>
+          </a:xfrm>
+          <a:prstGeom prst="rect">
+            <a:avLst/>
+          </a:prstGeom>
+          <a:noFill/>
+        </p:spPr>
+        <p:txBody>
+          <a:bodyPr wrap="square" rtlCol="0">
+            <a:spAutoFit/>
+          </a:bodyPr>
+          <a:lstStyle/>
+          <a:p>
+            <a:r>
+              <a:rPr lang="en-IN" dirty="0"/>
+              <a:t>Hadoop V1.0</a:t>
+            </a:r>
+          </a:p>
+        </p:txBody>
+      </p:sp>
+      <p:sp>
+        <p:nvSpPr>
+          <p:cNvPr id="6" name="Rectangle: Rounded Corners 5">
+            <a:extLst>
+              <a:ext uri="{FF2B5EF4-FFF2-40B4-BE49-F238E27FC236}">
+                <a16:creationId xmlns:a16="http://schemas.microsoft.com/office/drawing/2014/main" id="{CCE66D83-B3A9-4C2F-9072-3AF26D8DF856}"/>
+              </a:ext>
+            </a:extLst>
+          </p:cNvPr>
+          <p:cNvSpPr/>
+          <p:nvPr/>
+        </p:nvSpPr>
+        <p:spPr>
+          <a:xfrm>
+            <a:off x="2854035" y="4470400"/>
+            <a:ext cx="2937165" cy="766618"/>
+          </a:xfrm>
+          <a:prstGeom prst="roundRect">
+            <a:avLst/>
+          </a:prstGeom>
+        </p:spPr>
+        <p:style>
+          <a:lnRef idx="2">
+            <a:schemeClr val="accent1">
+              <a:shade val="50000"/>
+            </a:schemeClr>
+          </a:lnRef>
+          <a:fillRef idx="1">
+            <a:schemeClr val="accent1"/>
+          </a:fillRef>
+          <a:effectRef idx="0">
+            <a:schemeClr val="accent1"/>
+          </a:effectRef>
+          <a:fontRef idx="minor">
+            <a:schemeClr val="lt1"/>
+          </a:fontRef>
+        </p:style>
+        <p:txBody>
+          <a:bodyPr rtlCol="0" anchor="ctr"/>
+          <a:lstStyle/>
+          <a:p>
+            <a:pPr algn="ctr"/>
+            <a:r>
+              <a:rPr lang="en-IN" dirty="0"/>
+              <a:t>Storage(HDFS)</a:t>
+            </a:r>
+          </a:p>
+        </p:txBody>
+      </p:sp>
+      <p:sp>
+        <p:nvSpPr>
+          <p:cNvPr id="7" name="Rectangle: Rounded Corners 6">
+            <a:extLst>
+              <a:ext uri="{FF2B5EF4-FFF2-40B4-BE49-F238E27FC236}">
+                <a16:creationId xmlns:a16="http://schemas.microsoft.com/office/drawing/2014/main" id="{5FC88693-28A2-45F2-9297-BAB2F9BD64EB}"/>
+              </a:ext>
+            </a:extLst>
+          </p:cNvPr>
+          <p:cNvSpPr/>
+          <p:nvPr/>
+        </p:nvSpPr>
+        <p:spPr>
+          <a:xfrm>
+            <a:off x="5824214" y="4470400"/>
+            <a:ext cx="2817093" cy="766618"/>
+          </a:xfrm>
+          <a:prstGeom prst="roundRect">
+            <a:avLst/>
+          </a:prstGeom>
+        </p:spPr>
+        <p:style>
+          <a:lnRef idx="2">
+            <a:schemeClr val="accent1">
+              <a:shade val="50000"/>
+            </a:schemeClr>
+          </a:lnRef>
+          <a:fillRef idx="1">
+            <a:schemeClr val="accent1"/>
+          </a:fillRef>
+          <a:effectRef idx="0">
+            <a:schemeClr val="accent1"/>
+          </a:effectRef>
+          <a:fontRef idx="minor">
+            <a:schemeClr val="lt1"/>
+          </a:fontRef>
+        </p:style>
+        <p:txBody>
+          <a:bodyPr rtlCol="0" anchor="ctr"/>
+          <a:lstStyle/>
+          <a:p>
+            <a:pPr algn="ctr"/>
+            <a:r>
+              <a:rPr lang="en-IN" dirty="0"/>
+              <a:t>Computing</a:t>
+            </a:r>
+          </a:p>
+          <a:p>
+            <a:pPr algn="ctr"/>
+            <a:r>
+              <a:rPr lang="en-IN" dirty="0"/>
+              <a:t>(MAPREDUCE)</a:t>
+            </a:r>
+          </a:p>
+        </p:txBody>
+      </p:sp>
+      <p:sp>
+        <p:nvSpPr>
+          <p:cNvPr id="10" name="Arrow: Left-Right 9">
+            <a:extLst>
+              <a:ext uri="{FF2B5EF4-FFF2-40B4-BE49-F238E27FC236}">
+                <a16:creationId xmlns:a16="http://schemas.microsoft.com/office/drawing/2014/main" id="{C9181F30-09BC-4785-A317-B754D4AF7015}"/>
+              </a:ext>
+            </a:extLst>
+          </p:cNvPr>
+          <p:cNvSpPr/>
+          <p:nvPr/>
+        </p:nvSpPr>
+        <p:spPr>
+          <a:xfrm rot="18523008">
+            <a:off x="4442692" y="3274977"/>
+            <a:ext cx="1216152" cy="484632"/>
+          </a:xfrm>
+          <a:prstGeom prst="leftRightArrow">
+            <a:avLst/>
+          </a:prstGeom>
+        </p:spPr>
+        <p:style>
+          <a:lnRef idx="2">
+            <a:schemeClr val="accent1">
+              <a:shade val="50000"/>
+            </a:schemeClr>
+          </a:lnRef>
+          <a:fillRef idx="1">
+            <a:schemeClr val="accent1"/>
+          </a:fillRef>
+          <a:effectRef idx="0">
+            <a:schemeClr val="accent1"/>
+          </a:effectRef>
+          <a:fontRef idx="minor">
+            <a:schemeClr val="lt1"/>
+          </a:fontRef>
+        </p:style>
+        <p:txBody>
+          <a:bodyPr rtlCol="0" anchor="ctr"/>
+          <a:lstStyle/>
+          <a:p>
+            <a:pPr algn="ctr"/>
+            <a:endParaRPr lang="en-IN"/>
+          </a:p>
+        </p:txBody>
+      </p:sp>
+      <p:sp>
+        <p:nvSpPr>
+          <p:cNvPr id="11" name="Arrow: Left-Right 10">
+            <a:extLst>
+              <a:ext uri="{FF2B5EF4-FFF2-40B4-BE49-F238E27FC236}">
+                <a16:creationId xmlns:a16="http://schemas.microsoft.com/office/drawing/2014/main" id="{7122CD00-8784-43F9-A9F7-1194B94AE56E}"/>
+              </a:ext>
+            </a:extLst>
+          </p:cNvPr>
+          <p:cNvSpPr/>
+          <p:nvPr/>
+        </p:nvSpPr>
+        <p:spPr>
+          <a:xfrm rot="13877792">
+            <a:off x="5977707" y="3238940"/>
+            <a:ext cx="1216152" cy="484632"/>
+          </a:xfrm>
+          <a:prstGeom prst="leftRightArrow">
+            <a:avLst/>
+          </a:prstGeom>
+        </p:spPr>
+        <p:style>
+          <a:lnRef idx="2">
+            <a:schemeClr val="accent1">
+              <a:shade val="50000"/>
+            </a:schemeClr>
+          </a:lnRef>
+          <a:fillRef idx="1">
+            <a:schemeClr val="accent1"/>
+          </a:fillRef>
+          <a:effectRef idx="0">
+            <a:schemeClr val="accent1"/>
+          </a:effectRef>
+          <a:fontRef idx="minor">
+            <a:schemeClr val="lt1"/>
+          </a:fontRef>
+        </p:style>
+        <p:txBody>
+          <a:bodyPr rtlCol="0" anchor="ctr"/>
+          <a:lstStyle/>
+          <a:p>
+            <a:pPr algn="ctr"/>
+            <a:endParaRPr lang="en-IN"/>
+          </a:p>
+        </p:txBody>
+      </p:sp>
+      <p:sp>
+        <p:nvSpPr>
+          <p:cNvPr id="12" name="Arrow: Left-Right 11">
+            <a:extLst>
+              <a:ext uri="{FF2B5EF4-FFF2-40B4-BE49-F238E27FC236}">
+                <a16:creationId xmlns:a16="http://schemas.microsoft.com/office/drawing/2014/main" id="{BE8640DD-A15E-4140-8E43-450143163385}"/>
+              </a:ext>
+            </a:extLst>
+          </p:cNvPr>
+          <p:cNvSpPr/>
+          <p:nvPr/>
+        </p:nvSpPr>
+        <p:spPr>
+          <a:xfrm rot="10800000">
+            <a:off x="8611791" y="5388492"/>
+            <a:ext cx="1216152" cy="484632"/>
+          </a:xfrm>
+          <a:prstGeom prst="leftRightArrow">
+            <a:avLst/>
+          </a:prstGeom>
+        </p:spPr>
+        <p:style>
+          <a:lnRef idx="2">
+            <a:schemeClr val="accent1">
+              <a:shade val="50000"/>
+            </a:schemeClr>
+          </a:lnRef>
+          <a:fillRef idx="1">
+            <a:schemeClr val="accent1"/>
+          </a:fillRef>
+          <a:effectRef idx="0">
+            <a:schemeClr val="accent1"/>
+          </a:effectRef>
+          <a:fontRef idx="minor">
+            <a:schemeClr val="lt1"/>
+          </a:fontRef>
+        </p:style>
+        <p:txBody>
+          <a:bodyPr rtlCol="0" anchor="ctr"/>
+          <a:lstStyle/>
+          <a:p>
+            <a:pPr algn="ctr"/>
+            <a:endParaRPr lang="en-IN"/>
+          </a:p>
+        </p:txBody>
+      </p:sp>
+      <p:sp>
+        <p:nvSpPr>
+          <p:cNvPr id="13" name="Rectangle: Rounded Corners 12">
+            <a:extLst>
+              <a:ext uri="{FF2B5EF4-FFF2-40B4-BE49-F238E27FC236}">
+                <a16:creationId xmlns:a16="http://schemas.microsoft.com/office/drawing/2014/main" id="{AD911ED1-E212-4BEE-A6CE-839714D529CE}"/>
+              </a:ext>
+            </a:extLst>
+          </p:cNvPr>
+          <p:cNvSpPr/>
+          <p:nvPr/>
+        </p:nvSpPr>
+        <p:spPr>
+          <a:xfrm>
+            <a:off x="9892832" y="5187966"/>
+            <a:ext cx="1883531" cy="766618"/>
+          </a:xfrm>
+          <a:prstGeom prst="roundRect">
+            <a:avLst/>
+          </a:prstGeom>
+        </p:spPr>
+        <p:style>
+          <a:lnRef idx="2">
+            <a:schemeClr val="accent1">
+              <a:shade val="50000"/>
+            </a:schemeClr>
+          </a:lnRef>
+          <a:fillRef idx="1">
+            <a:schemeClr val="accent1"/>
+          </a:fillRef>
+          <a:effectRef idx="0">
+            <a:schemeClr val="accent1"/>
+          </a:effectRef>
+          <a:fontRef idx="minor">
+            <a:schemeClr val="lt1"/>
+          </a:fontRef>
+        </p:style>
+        <p:txBody>
+          <a:bodyPr rtlCol="0" anchor="ctr"/>
+          <a:lstStyle/>
+          <a:p>
+            <a:pPr algn="ctr"/>
+            <a:r>
+              <a:rPr lang="en-IN" dirty="0"/>
+              <a:t>output</a:t>
+            </a:r>
+          </a:p>
+        </p:txBody>
+      </p:sp>
+      <p:sp>
+        <p:nvSpPr>
+          <p:cNvPr id="14" name="Arrow: Left-Right 13">
+            <a:extLst>
+              <a:ext uri="{FF2B5EF4-FFF2-40B4-BE49-F238E27FC236}">
+                <a16:creationId xmlns:a16="http://schemas.microsoft.com/office/drawing/2014/main" id="{8795B638-66F2-4517-8C2E-A419B1190434}"/>
+              </a:ext>
+            </a:extLst>
+          </p:cNvPr>
+          <p:cNvSpPr/>
+          <p:nvPr/>
+        </p:nvSpPr>
+        <p:spPr>
+          <a:xfrm rot="8005360">
+            <a:off x="8066245" y="4228084"/>
+            <a:ext cx="1216152" cy="484632"/>
+          </a:xfrm>
+          <a:prstGeom prst="leftRightArrow">
+            <a:avLst/>
+          </a:prstGeom>
+        </p:spPr>
+        <p:style>
+          <a:lnRef idx="2">
+            <a:schemeClr val="accent1">
+              <a:shade val="50000"/>
+            </a:schemeClr>
+          </a:lnRef>
+          <a:fillRef idx="1">
+            <a:schemeClr val="accent1"/>
+          </a:fillRef>
+          <a:effectRef idx="0">
+            <a:schemeClr val="accent1"/>
+          </a:effectRef>
+          <a:fontRef idx="minor">
+            <a:schemeClr val="lt1"/>
+          </a:fontRef>
+        </p:style>
+        <p:txBody>
+          <a:bodyPr rtlCol="0" anchor="ctr"/>
+          <a:lstStyle/>
+          <a:p>
+            <a:pPr algn="ctr"/>
+            <a:endParaRPr lang="en-IN"/>
+          </a:p>
+        </p:txBody>
+      </p:sp>
+      <p:sp>
+        <p:nvSpPr>
+          <p:cNvPr id="15" name="Rectangle: Rounded Corners 14">
+            <a:extLst>
+              <a:ext uri="{FF2B5EF4-FFF2-40B4-BE49-F238E27FC236}">
+                <a16:creationId xmlns:a16="http://schemas.microsoft.com/office/drawing/2014/main" id="{F3B8B0B7-5BED-4EF2-9FD6-64A791D8955A}"/>
+              </a:ext>
+            </a:extLst>
+          </p:cNvPr>
+          <p:cNvSpPr/>
+          <p:nvPr/>
+        </p:nvSpPr>
+        <p:spPr>
+          <a:xfrm>
+            <a:off x="9109068" y="3448990"/>
+            <a:ext cx="1883531" cy="766618"/>
+          </a:xfrm>
+          <a:prstGeom prst="roundRect">
+            <a:avLst/>
+          </a:prstGeom>
+        </p:spPr>
+        <p:style>
+          <a:lnRef idx="2">
+            <a:schemeClr val="accent1">
+              <a:shade val="50000"/>
+            </a:schemeClr>
+          </a:lnRef>
+          <a:fillRef idx="1">
+            <a:schemeClr val="accent1"/>
+          </a:fillRef>
+          <a:effectRef idx="0">
+            <a:schemeClr val="accent1"/>
+          </a:effectRef>
+          <a:fontRef idx="minor">
+            <a:schemeClr val="lt1"/>
+          </a:fontRef>
+        </p:style>
+        <p:txBody>
+          <a:bodyPr rtlCol="0" anchor="ctr"/>
+          <a:lstStyle/>
+          <a:p>
+            <a:pPr algn="ctr"/>
+            <a:r>
+              <a:rPr lang="en-IN" dirty="0"/>
+              <a:t>java as input language</a:t>
+            </a:r>
+          </a:p>
+        </p:txBody>
+      </p:sp>
+    </p:spTree>
+    <p:extLst>
+      <p:ext uri="{BB962C8B-B14F-4D97-AF65-F5344CB8AC3E}">
+        <p14:creationId xmlns:p14="http://schemas.microsoft.com/office/powerpoint/2010/main" val="3556559099"/>
+      </p:ext>
+    </p:extLst>
+  </p:cSld>
+  <p:clrMapOvr>
+    <a:masterClrMapping/>
+  </p:clrMapOvr>
+</p:sld>
+</file>
+
 <file path=ppt/slides/slide2.xml><?xml version="1.0" encoding="utf-8"?>
 <p:sld xmlns:a="http://schemas.openxmlformats.org/drawingml/2006/main" xmlns:r="http://schemas.openxmlformats.org/officeDocument/2006/relationships" xmlns:p="http://schemas.openxmlformats.org/presentationml/2006/main">
   <p:cSld>
@@ -8514,6 +9463,2810 @@
     <p:extLst>
       <p:ext uri="{BB962C8B-B14F-4D97-AF65-F5344CB8AC3E}">
         <p14:creationId xmlns:p14="http://schemas.microsoft.com/office/powerpoint/2010/main" val="473915585"/>
+      </p:ext>
+    </p:extLst>
+  </p:cSld>
+  <p:clrMapOvr>
+    <a:masterClrMapping/>
+  </p:clrMapOvr>
+</p:sld>
+</file>
+
+<file path=ppt/slides/slide20.xml><?xml version="1.0" encoding="utf-8"?>
+<p:sld xmlns:a="http://schemas.openxmlformats.org/drawingml/2006/main" xmlns:r="http://schemas.openxmlformats.org/officeDocument/2006/relationships" xmlns:p="http://schemas.openxmlformats.org/presentationml/2006/main">
+  <p:cSld>
+    <p:spTree>
+      <p:nvGrpSpPr>
+        <p:cNvPr id="1" name=""/>
+        <p:cNvGrpSpPr/>
+        <p:nvPr/>
+      </p:nvGrpSpPr>
+      <p:grpSpPr>
+        <a:xfrm>
+          <a:off x="0" y="0"/>
+          <a:ext cx="0" cy="0"/>
+          <a:chOff x="0" y="0"/>
+          <a:chExt cx="0" cy="0"/>
+        </a:xfrm>
+      </p:grpSpPr>
+      <p:sp>
+        <p:nvSpPr>
+          <p:cNvPr id="2" name="Title 1">
+            <a:extLst>
+              <a:ext uri="{FF2B5EF4-FFF2-40B4-BE49-F238E27FC236}">
+                <a16:creationId xmlns:a16="http://schemas.microsoft.com/office/drawing/2014/main" id="{A5C4AD18-0EFC-4A50-B2E5-B9FF7923AEB2}"/>
+              </a:ext>
+            </a:extLst>
+          </p:cNvPr>
+          <p:cNvSpPr>
+            <a:spLocks noGrp="1"/>
+          </p:cNvSpPr>
+          <p:nvPr>
+            <p:ph type="title"/>
+          </p:nvPr>
+        </p:nvSpPr>
+        <p:spPr/>
+        <p:txBody>
+          <a:bodyPr/>
+          <a:lstStyle/>
+          <a:p>
+            <a:r>
+              <a:rPr lang="en-IN" dirty="0"/>
+              <a:t>Hadoop V2.0</a:t>
+            </a:r>
+          </a:p>
+        </p:txBody>
+      </p:sp>
+      <p:pic>
+        <p:nvPicPr>
+          <p:cNvPr id="9" name="Content Placeholder 8" descr="User">
+            <a:extLst>
+              <a:ext uri="{FF2B5EF4-FFF2-40B4-BE49-F238E27FC236}">
+                <a16:creationId xmlns:a16="http://schemas.microsoft.com/office/drawing/2014/main" id="{D778AFFD-A94C-40F6-B639-DDF651B2A3C0}"/>
+              </a:ext>
+            </a:extLst>
+          </p:cNvPr>
+          <p:cNvPicPr>
+            <a:picLocks noGrp="1" noChangeAspect="1"/>
+          </p:cNvPicPr>
+          <p:nvPr>
+            <p:ph idx="1"/>
+          </p:nvPr>
+        </p:nvPicPr>
+        <p:blipFill>
+          <a:blip r:embed="rId2">
+            <a:extLst>
+              <a:ext uri="{28A0092B-C50C-407E-A947-70E740481C1C}">
+                <a14:useLocalDpi xmlns:a14="http://schemas.microsoft.com/office/drawing/2010/main" val="0"/>
+              </a:ext>
+              <a:ext uri="{96DAC541-7B7A-43D3-8B79-37D633B846F1}">
+                <asvg:svgBlip xmlns:asvg="http://schemas.microsoft.com/office/drawing/2016/SVG/main" r:embed="rId3"/>
+              </a:ext>
+            </a:extLst>
+          </a:blip>
+          <a:stretch>
+            <a:fillRect/>
+          </a:stretch>
+        </p:blipFill>
+        <p:spPr>
+          <a:xfrm>
+            <a:off x="5397983" y="2135193"/>
+            <a:ext cx="914400" cy="914400"/>
+          </a:xfrm>
+        </p:spPr>
+      </p:pic>
+      <p:sp>
+        <p:nvSpPr>
+          <p:cNvPr id="4" name="Rectangle: Rounded Corners 3">
+            <a:extLst>
+              <a:ext uri="{FF2B5EF4-FFF2-40B4-BE49-F238E27FC236}">
+                <a16:creationId xmlns:a16="http://schemas.microsoft.com/office/drawing/2014/main" id="{F81CE4CB-B73D-4D0D-8E5C-46F7805757BC}"/>
+              </a:ext>
+            </a:extLst>
+          </p:cNvPr>
+          <p:cNvSpPr/>
+          <p:nvPr/>
+        </p:nvSpPr>
+        <p:spPr>
+          <a:xfrm>
+            <a:off x="2854036" y="5237018"/>
+            <a:ext cx="5809673" cy="766618"/>
+          </a:xfrm>
+          <a:prstGeom prst="roundRect">
+            <a:avLst/>
+          </a:prstGeom>
+        </p:spPr>
+        <p:style>
+          <a:lnRef idx="2">
+            <a:schemeClr val="accent1">
+              <a:shade val="50000"/>
+            </a:schemeClr>
+          </a:lnRef>
+          <a:fillRef idx="1">
+            <a:schemeClr val="accent1"/>
+          </a:fillRef>
+          <a:effectRef idx="0">
+            <a:schemeClr val="accent1"/>
+          </a:effectRef>
+          <a:fontRef idx="minor">
+            <a:schemeClr val="lt1"/>
+          </a:fontRef>
+        </p:style>
+        <p:txBody>
+          <a:bodyPr rtlCol="0" anchor="ctr"/>
+          <a:lstStyle/>
+          <a:p>
+            <a:pPr algn="ctr"/>
+            <a:endParaRPr lang="en-IN"/>
+          </a:p>
+        </p:txBody>
+      </p:sp>
+      <p:sp>
+        <p:nvSpPr>
+          <p:cNvPr id="5" name="TextBox 4">
+            <a:extLst>
+              <a:ext uri="{FF2B5EF4-FFF2-40B4-BE49-F238E27FC236}">
+                <a16:creationId xmlns:a16="http://schemas.microsoft.com/office/drawing/2014/main" id="{5F0F9BAB-E5D7-4A6D-8972-8CE6F9A621D1}"/>
+              </a:ext>
+            </a:extLst>
+          </p:cNvPr>
+          <p:cNvSpPr txBox="1"/>
+          <p:nvPr/>
+        </p:nvSpPr>
+        <p:spPr>
+          <a:xfrm>
+            <a:off x="4618181" y="5435661"/>
+            <a:ext cx="2281382" cy="369332"/>
+          </a:xfrm>
+          <a:prstGeom prst="rect">
+            <a:avLst/>
+          </a:prstGeom>
+          <a:noFill/>
+        </p:spPr>
+        <p:txBody>
+          <a:bodyPr wrap="square" rtlCol="0">
+            <a:spAutoFit/>
+          </a:bodyPr>
+          <a:lstStyle/>
+          <a:p>
+            <a:r>
+              <a:rPr lang="en-IN" dirty="0"/>
+              <a:t>Hadoop V1.0</a:t>
+            </a:r>
+          </a:p>
+        </p:txBody>
+      </p:sp>
+      <p:sp>
+        <p:nvSpPr>
+          <p:cNvPr id="6" name="Rectangle: Rounded Corners 5">
+            <a:extLst>
+              <a:ext uri="{FF2B5EF4-FFF2-40B4-BE49-F238E27FC236}">
+                <a16:creationId xmlns:a16="http://schemas.microsoft.com/office/drawing/2014/main" id="{CCE66D83-B3A9-4C2F-9072-3AF26D8DF856}"/>
+              </a:ext>
+            </a:extLst>
+          </p:cNvPr>
+          <p:cNvSpPr/>
+          <p:nvPr/>
+        </p:nvSpPr>
+        <p:spPr>
+          <a:xfrm>
+            <a:off x="2854035" y="4470400"/>
+            <a:ext cx="2937165" cy="766618"/>
+          </a:xfrm>
+          <a:prstGeom prst="roundRect">
+            <a:avLst/>
+          </a:prstGeom>
+        </p:spPr>
+        <p:style>
+          <a:lnRef idx="2">
+            <a:schemeClr val="accent1">
+              <a:shade val="50000"/>
+            </a:schemeClr>
+          </a:lnRef>
+          <a:fillRef idx="1">
+            <a:schemeClr val="accent1"/>
+          </a:fillRef>
+          <a:effectRef idx="0">
+            <a:schemeClr val="accent1"/>
+          </a:effectRef>
+          <a:fontRef idx="minor">
+            <a:schemeClr val="lt1"/>
+          </a:fontRef>
+        </p:style>
+        <p:txBody>
+          <a:bodyPr rtlCol="0" anchor="ctr"/>
+          <a:lstStyle/>
+          <a:p>
+            <a:pPr algn="ctr"/>
+            <a:r>
+              <a:rPr lang="en-IN" dirty="0"/>
+              <a:t>Storage(HDFS)</a:t>
+            </a:r>
+          </a:p>
+        </p:txBody>
+      </p:sp>
+      <p:sp>
+        <p:nvSpPr>
+          <p:cNvPr id="7" name="Rectangle: Rounded Corners 6">
+            <a:extLst>
+              <a:ext uri="{FF2B5EF4-FFF2-40B4-BE49-F238E27FC236}">
+                <a16:creationId xmlns:a16="http://schemas.microsoft.com/office/drawing/2014/main" id="{5FC88693-28A2-45F2-9297-BAB2F9BD64EB}"/>
+              </a:ext>
+            </a:extLst>
+          </p:cNvPr>
+          <p:cNvSpPr/>
+          <p:nvPr/>
+        </p:nvSpPr>
+        <p:spPr>
+          <a:xfrm>
+            <a:off x="5824215" y="4470400"/>
+            <a:ext cx="1091902" cy="766618"/>
+          </a:xfrm>
+          <a:prstGeom prst="roundRect">
+            <a:avLst/>
+          </a:prstGeom>
+        </p:spPr>
+        <p:style>
+          <a:lnRef idx="2">
+            <a:schemeClr val="accent1">
+              <a:shade val="50000"/>
+            </a:schemeClr>
+          </a:lnRef>
+          <a:fillRef idx="1">
+            <a:schemeClr val="accent1"/>
+          </a:fillRef>
+          <a:effectRef idx="0">
+            <a:schemeClr val="accent1"/>
+          </a:effectRef>
+          <a:fontRef idx="minor">
+            <a:schemeClr val="lt1"/>
+          </a:fontRef>
+        </p:style>
+        <p:txBody>
+          <a:bodyPr rtlCol="0" anchor="ctr"/>
+          <a:lstStyle/>
+          <a:p>
+            <a:pPr algn="ctr"/>
+            <a:r>
+              <a:rPr lang="en-IN" dirty="0"/>
+              <a:t>MAPREDUCE</a:t>
+            </a:r>
+          </a:p>
+        </p:txBody>
+      </p:sp>
+      <p:sp>
+        <p:nvSpPr>
+          <p:cNvPr id="10" name="Arrow: Left-Right 9">
+            <a:extLst>
+              <a:ext uri="{FF2B5EF4-FFF2-40B4-BE49-F238E27FC236}">
+                <a16:creationId xmlns:a16="http://schemas.microsoft.com/office/drawing/2014/main" id="{C9181F30-09BC-4785-A317-B754D4AF7015}"/>
+              </a:ext>
+            </a:extLst>
+          </p:cNvPr>
+          <p:cNvSpPr/>
+          <p:nvPr/>
+        </p:nvSpPr>
+        <p:spPr>
+          <a:xfrm rot="18523008">
+            <a:off x="4442692" y="3274977"/>
+            <a:ext cx="1216152" cy="484632"/>
+          </a:xfrm>
+          <a:prstGeom prst="leftRightArrow">
+            <a:avLst/>
+          </a:prstGeom>
+        </p:spPr>
+        <p:style>
+          <a:lnRef idx="2">
+            <a:schemeClr val="accent1">
+              <a:shade val="50000"/>
+            </a:schemeClr>
+          </a:lnRef>
+          <a:fillRef idx="1">
+            <a:schemeClr val="accent1"/>
+          </a:fillRef>
+          <a:effectRef idx="0">
+            <a:schemeClr val="accent1"/>
+          </a:effectRef>
+          <a:fontRef idx="minor">
+            <a:schemeClr val="lt1"/>
+          </a:fontRef>
+        </p:style>
+        <p:txBody>
+          <a:bodyPr rtlCol="0" anchor="ctr"/>
+          <a:lstStyle/>
+          <a:p>
+            <a:pPr algn="ctr"/>
+            <a:endParaRPr lang="en-IN"/>
+          </a:p>
+        </p:txBody>
+      </p:sp>
+      <p:sp>
+        <p:nvSpPr>
+          <p:cNvPr id="11" name="Arrow: Left-Right 10">
+            <a:extLst>
+              <a:ext uri="{FF2B5EF4-FFF2-40B4-BE49-F238E27FC236}">
+                <a16:creationId xmlns:a16="http://schemas.microsoft.com/office/drawing/2014/main" id="{7122CD00-8784-43F9-A9F7-1194B94AE56E}"/>
+              </a:ext>
+            </a:extLst>
+          </p:cNvPr>
+          <p:cNvSpPr/>
+          <p:nvPr/>
+        </p:nvSpPr>
+        <p:spPr>
+          <a:xfrm rot="13877792">
+            <a:off x="5977707" y="3238940"/>
+            <a:ext cx="1216152" cy="484632"/>
+          </a:xfrm>
+          <a:prstGeom prst="leftRightArrow">
+            <a:avLst/>
+          </a:prstGeom>
+        </p:spPr>
+        <p:style>
+          <a:lnRef idx="2">
+            <a:schemeClr val="accent1">
+              <a:shade val="50000"/>
+            </a:schemeClr>
+          </a:lnRef>
+          <a:fillRef idx="1">
+            <a:schemeClr val="accent1"/>
+          </a:fillRef>
+          <a:effectRef idx="0">
+            <a:schemeClr val="accent1"/>
+          </a:effectRef>
+          <a:fontRef idx="minor">
+            <a:schemeClr val="lt1"/>
+          </a:fontRef>
+        </p:style>
+        <p:txBody>
+          <a:bodyPr rtlCol="0" anchor="ctr"/>
+          <a:lstStyle/>
+          <a:p>
+            <a:pPr algn="ctr"/>
+            <a:endParaRPr lang="en-IN"/>
+          </a:p>
+        </p:txBody>
+      </p:sp>
+      <p:sp>
+        <p:nvSpPr>
+          <p:cNvPr id="12" name="Arrow: Left-Right 11">
+            <a:extLst>
+              <a:ext uri="{FF2B5EF4-FFF2-40B4-BE49-F238E27FC236}">
+                <a16:creationId xmlns:a16="http://schemas.microsoft.com/office/drawing/2014/main" id="{BE8640DD-A15E-4140-8E43-450143163385}"/>
+              </a:ext>
+            </a:extLst>
+          </p:cNvPr>
+          <p:cNvSpPr/>
+          <p:nvPr/>
+        </p:nvSpPr>
+        <p:spPr>
+          <a:xfrm rot="10800000">
+            <a:off x="8611791" y="5388492"/>
+            <a:ext cx="1216152" cy="484632"/>
+          </a:xfrm>
+          <a:prstGeom prst="leftRightArrow">
+            <a:avLst/>
+          </a:prstGeom>
+        </p:spPr>
+        <p:style>
+          <a:lnRef idx="2">
+            <a:schemeClr val="accent1">
+              <a:shade val="50000"/>
+            </a:schemeClr>
+          </a:lnRef>
+          <a:fillRef idx="1">
+            <a:schemeClr val="accent1"/>
+          </a:fillRef>
+          <a:effectRef idx="0">
+            <a:schemeClr val="accent1"/>
+          </a:effectRef>
+          <a:fontRef idx="minor">
+            <a:schemeClr val="lt1"/>
+          </a:fontRef>
+        </p:style>
+        <p:txBody>
+          <a:bodyPr rtlCol="0" anchor="ctr"/>
+          <a:lstStyle/>
+          <a:p>
+            <a:pPr algn="ctr"/>
+            <a:endParaRPr lang="en-IN"/>
+          </a:p>
+        </p:txBody>
+      </p:sp>
+      <p:sp>
+        <p:nvSpPr>
+          <p:cNvPr id="13" name="Rectangle: Rounded Corners 12">
+            <a:extLst>
+              <a:ext uri="{FF2B5EF4-FFF2-40B4-BE49-F238E27FC236}">
+                <a16:creationId xmlns:a16="http://schemas.microsoft.com/office/drawing/2014/main" id="{AD911ED1-E212-4BEE-A6CE-839714D529CE}"/>
+              </a:ext>
+            </a:extLst>
+          </p:cNvPr>
+          <p:cNvSpPr/>
+          <p:nvPr/>
+        </p:nvSpPr>
+        <p:spPr>
+          <a:xfrm>
+            <a:off x="9892832" y="5187966"/>
+            <a:ext cx="1883531" cy="766618"/>
+          </a:xfrm>
+          <a:prstGeom prst="roundRect">
+            <a:avLst/>
+          </a:prstGeom>
+        </p:spPr>
+        <p:style>
+          <a:lnRef idx="2">
+            <a:schemeClr val="accent1">
+              <a:shade val="50000"/>
+            </a:schemeClr>
+          </a:lnRef>
+          <a:fillRef idx="1">
+            <a:schemeClr val="accent1"/>
+          </a:fillRef>
+          <a:effectRef idx="0">
+            <a:schemeClr val="accent1"/>
+          </a:effectRef>
+          <a:fontRef idx="minor">
+            <a:schemeClr val="lt1"/>
+          </a:fontRef>
+        </p:style>
+        <p:txBody>
+          <a:bodyPr rtlCol="0" anchor="ctr"/>
+          <a:lstStyle/>
+          <a:p>
+            <a:pPr algn="ctr"/>
+            <a:r>
+              <a:rPr lang="en-IN" dirty="0"/>
+              <a:t>output</a:t>
+            </a:r>
+          </a:p>
+        </p:txBody>
+      </p:sp>
+      <p:sp>
+        <p:nvSpPr>
+          <p:cNvPr id="14" name="Arrow: Left-Right 13">
+            <a:extLst>
+              <a:ext uri="{FF2B5EF4-FFF2-40B4-BE49-F238E27FC236}">
+                <a16:creationId xmlns:a16="http://schemas.microsoft.com/office/drawing/2014/main" id="{8795B638-66F2-4517-8C2E-A419B1190434}"/>
+              </a:ext>
+            </a:extLst>
+          </p:cNvPr>
+          <p:cNvSpPr/>
+          <p:nvPr/>
+        </p:nvSpPr>
+        <p:spPr>
+          <a:xfrm rot="8005360">
+            <a:off x="8066245" y="4228084"/>
+            <a:ext cx="1216152" cy="484632"/>
+          </a:xfrm>
+          <a:prstGeom prst="leftRightArrow">
+            <a:avLst/>
+          </a:prstGeom>
+        </p:spPr>
+        <p:style>
+          <a:lnRef idx="2">
+            <a:schemeClr val="accent1">
+              <a:shade val="50000"/>
+            </a:schemeClr>
+          </a:lnRef>
+          <a:fillRef idx="1">
+            <a:schemeClr val="accent1"/>
+          </a:fillRef>
+          <a:effectRef idx="0">
+            <a:schemeClr val="accent1"/>
+          </a:effectRef>
+          <a:fontRef idx="minor">
+            <a:schemeClr val="lt1"/>
+          </a:fontRef>
+        </p:style>
+        <p:txBody>
+          <a:bodyPr rtlCol="0" anchor="ctr"/>
+          <a:lstStyle/>
+          <a:p>
+            <a:pPr algn="ctr"/>
+            <a:endParaRPr lang="en-IN"/>
+          </a:p>
+        </p:txBody>
+      </p:sp>
+      <p:sp>
+        <p:nvSpPr>
+          <p:cNvPr id="15" name="Rectangle: Rounded Corners 14">
+            <a:extLst>
+              <a:ext uri="{FF2B5EF4-FFF2-40B4-BE49-F238E27FC236}">
+                <a16:creationId xmlns:a16="http://schemas.microsoft.com/office/drawing/2014/main" id="{F3B8B0B7-5BED-4EF2-9FD6-64A791D8955A}"/>
+              </a:ext>
+            </a:extLst>
+          </p:cNvPr>
+          <p:cNvSpPr/>
+          <p:nvPr/>
+        </p:nvSpPr>
+        <p:spPr>
+          <a:xfrm>
+            <a:off x="9109068" y="3448990"/>
+            <a:ext cx="1883531" cy="766618"/>
+          </a:xfrm>
+          <a:prstGeom prst="roundRect">
+            <a:avLst/>
+          </a:prstGeom>
+        </p:spPr>
+        <p:style>
+          <a:lnRef idx="2">
+            <a:schemeClr val="accent1">
+              <a:shade val="50000"/>
+            </a:schemeClr>
+          </a:lnRef>
+          <a:fillRef idx="1">
+            <a:schemeClr val="accent1"/>
+          </a:fillRef>
+          <a:effectRef idx="0">
+            <a:schemeClr val="accent1"/>
+          </a:effectRef>
+          <a:fontRef idx="minor">
+            <a:schemeClr val="lt1"/>
+          </a:fontRef>
+        </p:style>
+        <p:txBody>
+          <a:bodyPr rtlCol="0" anchor="ctr"/>
+          <a:lstStyle/>
+          <a:p>
+            <a:pPr algn="ctr"/>
+            <a:r>
+              <a:rPr lang="en-IN" dirty="0"/>
+              <a:t>java as input language</a:t>
+            </a:r>
+          </a:p>
+        </p:txBody>
+      </p:sp>
+      <p:sp>
+        <p:nvSpPr>
+          <p:cNvPr id="16" name="Rectangle: Rounded Corners 15">
+            <a:extLst>
+              <a:ext uri="{FF2B5EF4-FFF2-40B4-BE49-F238E27FC236}">
+                <a16:creationId xmlns:a16="http://schemas.microsoft.com/office/drawing/2014/main" id="{6397DFE7-44C8-457E-98B7-4027A8C90251}"/>
+              </a:ext>
+            </a:extLst>
+          </p:cNvPr>
+          <p:cNvSpPr/>
+          <p:nvPr/>
+        </p:nvSpPr>
+        <p:spPr>
+          <a:xfrm>
+            <a:off x="6949132" y="4444010"/>
+            <a:ext cx="1091902" cy="766618"/>
+          </a:xfrm>
+          <a:prstGeom prst="roundRect">
+            <a:avLst/>
+          </a:prstGeom>
+        </p:spPr>
+        <p:style>
+          <a:lnRef idx="2">
+            <a:schemeClr val="accent1">
+              <a:shade val="50000"/>
+            </a:schemeClr>
+          </a:lnRef>
+          <a:fillRef idx="1">
+            <a:schemeClr val="accent1"/>
+          </a:fillRef>
+          <a:effectRef idx="0">
+            <a:schemeClr val="accent1"/>
+          </a:effectRef>
+          <a:fontRef idx="minor">
+            <a:schemeClr val="lt1"/>
+          </a:fontRef>
+        </p:style>
+        <p:txBody>
+          <a:bodyPr rtlCol="0" anchor="ctr"/>
+          <a:lstStyle/>
+          <a:p>
+            <a:pPr algn="ctr"/>
+            <a:r>
+              <a:rPr lang="en-IN" dirty="0"/>
+              <a:t>YARN</a:t>
+            </a:r>
+          </a:p>
+        </p:txBody>
+      </p:sp>
+    </p:spTree>
+    <p:extLst>
+      <p:ext uri="{BB962C8B-B14F-4D97-AF65-F5344CB8AC3E}">
+        <p14:creationId xmlns:p14="http://schemas.microsoft.com/office/powerpoint/2010/main" val="1418236226"/>
+      </p:ext>
+    </p:extLst>
+  </p:cSld>
+  <p:clrMapOvr>
+    <a:masterClrMapping/>
+  </p:clrMapOvr>
+</p:sld>
+</file>
+
+<file path=ppt/slides/slide21.xml><?xml version="1.0" encoding="utf-8"?>
+<p:sld xmlns:a="http://schemas.openxmlformats.org/drawingml/2006/main" xmlns:r="http://schemas.openxmlformats.org/officeDocument/2006/relationships" xmlns:p="http://schemas.openxmlformats.org/presentationml/2006/main">
+  <p:cSld>
+    <p:spTree>
+      <p:nvGrpSpPr>
+        <p:cNvPr id="1" name=""/>
+        <p:cNvGrpSpPr/>
+        <p:nvPr/>
+      </p:nvGrpSpPr>
+      <p:grpSpPr>
+        <a:xfrm>
+          <a:off x="0" y="0"/>
+          <a:ext cx="0" cy="0"/>
+          <a:chOff x="0" y="0"/>
+          <a:chExt cx="0" cy="0"/>
+        </a:xfrm>
+      </p:grpSpPr>
+      <p:sp>
+        <p:nvSpPr>
+          <p:cNvPr id="2" name="Title 1">
+            <a:extLst>
+              <a:ext uri="{FF2B5EF4-FFF2-40B4-BE49-F238E27FC236}">
+                <a16:creationId xmlns:a16="http://schemas.microsoft.com/office/drawing/2014/main" id="{4E2B0BA8-9BE4-4237-9B2A-E5131E11079C}"/>
+              </a:ext>
+            </a:extLst>
+          </p:cNvPr>
+          <p:cNvSpPr>
+            <a:spLocks noGrp="1"/>
+          </p:cNvSpPr>
+          <p:nvPr>
+            <p:ph type="title"/>
+          </p:nvPr>
+        </p:nvSpPr>
+        <p:spPr/>
+        <p:txBody>
+          <a:bodyPr/>
+          <a:lstStyle/>
+          <a:p>
+            <a:r>
+              <a:rPr lang="en-IN" dirty="0"/>
+              <a:t>Hadoop 1.0</a:t>
+            </a:r>
+          </a:p>
+        </p:txBody>
+      </p:sp>
+      <p:sp>
+        <p:nvSpPr>
+          <p:cNvPr id="3" name="Content Placeholder 2">
+            <a:extLst>
+              <a:ext uri="{FF2B5EF4-FFF2-40B4-BE49-F238E27FC236}">
+                <a16:creationId xmlns:a16="http://schemas.microsoft.com/office/drawing/2014/main" id="{073B472D-8714-449D-A59F-7D3BC61136C2}"/>
+              </a:ext>
+            </a:extLst>
+          </p:cNvPr>
+          <p:cNvSpPr>
+            <a:spLocks noGrp="1"/>
+          </p:cNvSpPr>
+          <p:nvPr>
+            <p:ph idx="1"/>
+          </p:nvPr>
+        </p:nvSpPr>
+        <p:spPr/>
+        <p:txBody>
+          <a:bodyPr>
+            <a:normAutofit/>
+          </a:bodyPr>
+          <a:lstStyle/>
+          <a:p>
+            <a:r>
+              <a:rPr lang="en-US" dirty="0"/>
+              <a:t>Daemon - &gt; process/application</a:t>
+            </a:r>
+          </a:p>
+          <a:p>
+            <a:r>
+              <a:rPr lang="en-US" dirty="0"/>
+              <a:t>Name node - &gt; HDFS master Daemon</a:t>
+            </a:r>
+          </a:p>
+          <a:p>
+            <a:r>
+              <a:rPr lang="en-US" dirty="0"/>
+              <a:t>Data node -&gt; HDFS slave Daemon</a:t>
+            </a:r>
+          </a:p>
+          <a:p>
+            <a:r>
+              <a:rPr lang="en-US" dirty="0"/>
+              <a:t>Secondary Name node -&gt; Secondary Master Daemon</a:t>
+            </a:r>
+          </a:p>
+          <a:p>
+            <a:r>
+              <a:rPr lang="en-US" dirty="0"/>
+              <a:t>Job Tracker - &gt; MapReduce Master Daemon</a:t>
+            </a:r>
+          </a:p>
+          <a:p>
+            <a:r>
+              <a:rPr lang="en-US" dirty="0"/>
+              <a:t>Task Tracker -&gt; MapReduce Slave Daemon</a:t>
+            </a:r>
+          </a:p>
+          <a:p>
+            <a:endParaRPr lang="en-US" dirty="0"/>
+          </a:p>
+          <a:p>
+            <a:endParaRPr lang="en-US" dirty="0"/>
+          </a:p>
+          <a:p>
+            <a:endParaRPr lang="en-US" dirty="0"/>
+          </a:p>
+          <a:p>
+            <a:endParaRPr lang="en-US" dirty="0"/>
+          </a:p>
+          <a:p>
+            <a:endParaRPr lang="en-US" dirty="0"/>
+          </a:p>
+          <a:p>
+            <a:endParaRPr lang="en-US" dirty="0"/>
+          </a:p>
+          <a:p>
+            <a:endParaRPr lang="en-US" dirty="0"/>
+          </a:p>
+          <a:p>
+            <a:endParaRPr lang="en-US" dirty="0"/>
+          </a:p>
+          <a:p>
+            <a:endParaRPr lang="en-US" dirty="0"/>
+          </a:p>
+          <a:p>
+            <a:endParaRPr lang="en-US" dirty="0"/>
+          </a:p>
+          <a:p>
+            <a:endParaRPr lang="en-US" dirty="0"/>
+          </a:p>
+          <a:p>
+            <a:endParaRPr lang="en-US" dirty="0"/>
+          </a:p>
+          <a:p>
+            <a:endParaRPr lang="en-US" dirty="0"/>
+          </a:p>
+          <a:p>
+            <a:endParaRPr lang="en-US" dirty="0"/>
+          </a:p>
+          <a:p>
+            <a:endParaRPr lang="en-US" dirty="0"/>
+          </a:p>
+          <a:p>
+            <a:endParaRPr lang="en-US" dirty="0"/>
+          </a:p>
+          <a:p>
+            <a:endParaRPr lang="en-US" dirty="0"/>
+          </a:p>
+          <a:p>
+            <a:endParaRPr lang="en-US" dirty="0"/>
+          </a:p>
+          <a:p>
+            <a:endParaRPr lang="en-US" dirty="0"/>
+          </a:p>
+          <a:p>
+            <a:endParaRPr lang="en-US" dirty="0"/>
+          </a:p>
+          <a:p>
+            <a:endParaRPr lang="en-US" dirty="0"/>
+          </a:p>
+          <a:p>
+            <a:endParaRPr lang="en-US" dirty="0"/>
+          </a:p>
+          <a:p>
+            <a:endParaRPr lang="en-US" dirty="0"/>
+          </a:p>
+          <a:p>
+            <a:endParaRPr lang="en-US" dirty="0"/>
+          </a:p>
+          <a:p>
+            <a:endParaRPr lang="en-US" dirty="0"/>
+          </a:p>
+          <a:p>
+            <a:endParaRPr lang="en-US" dirty="0"/>
+          </a:p>
+          <a:p>
+            <a:endParaRPr lang="en-US" dirty="0"/>
+          </a:p>
+          <a:p>
+            <a:endParaRPr lang="en-US" dirty="0"/>
+          </a:p>
+          <a:p>
+            <a:endParaRPr lang="en-US" dirty="0"/>
+          </a:p>
+          <a:p>
+            <a:endParaRPr lang="en-US" dirty="0"/>
+          </a:p>
+          <a:p>
+            <a:endParaRPr lang="en-US" dirty="0"/>
+          </a:p>
+          <a:p>
+            <a:endParaRPr lang="en-US" dirty="0"/>
+          </a:p>
+          <a:p>
+            <a:endParaRPr lang="en-US" dirty="0"/>
+          </a:p>
+          <a:p>
+            <a:endParaRPr lang="en-US" dirty="0"/>
+          </a:p>
+          <a:p>
+            <a:endParaRPr lang="en-US" dirty="0"/>
+          </a:p>
+          <a:p>
+            <a:endParaRPr lang="en-US" dirty="0"/>
+          </a:p>
+          <a:p>
+            <a:endParaRPr lang="en-US" dirty="0"/>
+          </a:p>
+          <a:p>
+            <a:endParaRPr lang="en-US" dirty="0"/>
+          </a:p>
+          <a:p>
+            <a:endParaRPr lang="en-US" dirty="0"/>
+          </a:p>
+          <a:p>
+            <a:pPr marL="0" indent="0">
+              <a:buNone/>
+            </a:pPr>
+            <a:endParaRPr lang="en-US" dirty="0"/>
+          </a:p>
+          <a:p>
+            <a:endParaRPr lang="en-US" dirty="0"/>
+          </a:p>
+        </p:txBody>
+      </p:sp>
+    </p:spTree>
+    <p:extLst>
+      <p:ext uri="{BB962C8B-B14F-4D97-AF65-F5344CB8AC3E}">
+        <p14:creationId xmlns:p14="http://schemas.microsoft.com/office/powerpoint/2010/main" val="1523452825"/>
+      </p:ext>
+    </p:extLst>
+  </p:cSld>
+  <p:clrMapOvr>
+    <a:masterClrMapping/>
+  </p:clrMapOvr>
+</p:sld>
+</file>
+
+<file path=ppt/slides/slide22.xml><?xml version="1.0" encoding="utf-8"?>
+<p:sld xmlns:a="http://schemas.openxmlformats.org/drawingml/2006/main" xmlns:r="http://schemas.openxmlformats.org/officeDocument/2006/relationships" xmlns:p="http://schemas.openxmlformats.org/presentationml/2006/main">
+  <p:cSld>
+    <p:spTree>
+      <p:nvGrpSpPr>
+        <p:cNvPr id="1" name=""/>
+        <p:cNvGrpSpPr/>
+        <p:nvPr/>
+      </p:nvGrpSpPr>
+      <p:grpSpPr>
+        <a:xfrm>
+          <a:off x="0" y="0"/>
+          <a:ext cx="0" cy="0"/>
+          <a:chOff x="0" y="0"/>
+          <a:chExt cx="0" cy="0"/>
+        </a:xfrm>
+      </p:grpSpPr>
+      <p:sp>
+        <p:nvSpPr>
+          <p:cNvPr id="2" name="Title 1">
+            <a:extLst>
+              <a:ext uri="{FF2B5EF4-FFF2-40B4-BE49-F238E27FC236}">
+                <a16:creationId xmlns:a16="http://schemas.microsoft.com/office/drawing/2014/main" id="{4580B359-EE66-43D0-96BE-E54986DF6C22}"/>
+              </a:ext>
+            </a:extLst>
+          </p:cNvPr>
+          <p:cNvSpPr>
+            <a:spLocks noGrp="1"/>
+          </p:cNvSpPr>
+          <p:nvPr>
+            <p:ph type="title"/>
+          </p:nvPr>
+        </p:nvSpPr>
+        <p:spPr/>
+        <p:txBody>
+          <a:bodyPr/>
+          <a:lstStyle/>
+          <a:p>
+            <a:r>
+              <a:rPr lang="en-IN" dirty="0"/>
+              <a:t>Hadoop 1.0 HDFS</a:t>
+            </a:r>
+          </a:p>
+        </p:txBody>
+      </p:sp>
+      <p:pic>
+        <p:nvPicPr>
+          <p:cNvPr id="5" name="Content Placeholder 4" descr="Computer">
+            <a:extLst>
+              <a:ext uri="{FF2B5EF4-FFF2-40B4-BE49-F238E27FC236}">
+                <a16:creationId xmlns:a16="http://schemas.microsoft.com/office/drawing/2014/main" id="{178C6A89-38E9-4731-A9FC-276C4E1F2A3F}"/>
+              </a:ext>
+            </a:extLst>
+          </p:cNvPr>
+          <p:cNvPicPr>
+            <a:picLocks noGrp="1" noChangeAspect="1"/>
+          </p:cNvPicPr>
+          <p:nvPr>
+            <p:ph idx="1"/>
+          </p:nvPr>
+        </p:nvPicPr>
+        <p:blipFill>
+          <a:blip r:embed="rId2">
+            <a:extLst>
+              <a:ext uri="{28A0092B-C50C-407E-A947-70E740481C1C}">
+                <a14:useLocalDpi xmlns:a14="http://schemas.microsoft.com/office/drawing/2010/main" val="0"/>
+              </a:ext>
+              <a:ext uri="{96DAC541-7B7A-43D3-8B79-37D633B846F1}">
+                <asvg:svgBlip xmlns:asvg="http://schemas.microsoft.com/office/drawing/2016/SVG/main" r:embed="rId3"/>
+              </a:ext>
+            </a:extLst>
+          </a:blip>
+          <a:stretch>
+            <a:fillRect/>
+          </a:stretch>
+        </p:blipFill>
+        <p:spPr>
+          <a:xfrm>
+            <a:off x="5181600" y="1292139"/>
+            <a:ext cx="914400" cy="914400"/>
+          </a:xfrm>
+        </p:spPr>
+      </p:pic>
+      <p:pic>
+        <p:nvPicPr>
+          <p:cNvPr id="6" name="Content Placeholder 4" descr="Computer">
+            <a:extLst>
+              <a:ext uri="{FF2B5EF4-FFF2-40B4-BE49-F238E27FC236}">
+                <a16:creationId xmlns:a16="http://schemas.microsoft.com/office/drawing/2014/main" id="{63DEE820-9F87-4757-BE76-42EB86704BBA}"/>
+              </a:ext>
+            </a:extLst>
+          </p:cNvPr>
+          <p:cNvPicPr>
+            <a:picLocks noChangeAspect="1"/>
+          </p:cNvPicPr>
+          <p:nvPr/>
+        </p:nvPicPr>
+        <p:blipFill>
+          <a:blip r:embed="rId2">
+            <a:extLst>
+              <a:ext uri="{28A0092B-C50C-407E-A947-70E740481C1C}">
+                <a14:useLocalDpi xmlns:a14="http://schemas.microsoft.com/office/drawing/2010/main" val="0"/>
+              </a:ext>
+              <a:ext uri="{96DAC541-7B7A-43D3-8B79-37D633B846F1}">
+                <asvg:svgBlip xmlns:asvg="http://schemas.microsoft.com/office/drawing/2016/SVG/main" r:embed="rId3"/>
+              </a:ext>
+            </a:extLst>
+          </a:blip>
+          <a:stretch>
+            <a:fillRect/>
+          </a:stretch>
+        </p:blipFill>
+        <p:spPr>
+          <a:xfrm>
+            <a:off x="718561" y="3174048"/>
+            <a:ext cx="914400" cy="914400"/>
+          </a:xfrm>
+          <a:prstGeom prst="rect">
+            <a:avLst/>
+          </a:prstGeom>
+        </p:spPr>
+      </p:pic>
+      <p:pic>
+        <p:nvPicPr>
+          <p:cNvPr id="7" name="Content Placeholder 4" descr="Computer">
+            <a:extLst>
+              <a:ext uri="{FF2B5EF4-FFF2-40B4-BE49-F238E27FC236}">
+                <a16:creationId xmlns:a16="http://schemas.microsoft.com/office/drawing/2014/main" id="{96167B67-0491-4B07-B19E-CCFCC9716D55}"/>
+              </a:ext>
+            </a:extLst>
+          </p:cNvPr>
+          <p:cNvPicPr>
+            <a:picLocks noChangeAspect="1"/>
+          </p:cNvPicPr>
+          <p:nvPr/>
+        </p:nvPicPr>
+        <p:blipFill>
+          <a:blip r:embed="rId2">
+            <a:extLst>
+              <a:ext uri="{28A0092B-C50C-407E-A947-70E740481C1C}">
+                <a14:useLocalDpi xmlns:a14="http://schemas.microsoft.com/office/drawing/2010/main" val="0"/>
+              </a:ext>
+              <a:ext uri="{96DAC541-7B7A-43D3-8B79-37D633B846F1}">
+                <asvg:svgBlip xmlns:asvg="http://schemas.microsoft.com/office/drawing/2016/SVG/main" r:embed="rId3"/>
+              </a:ext>
+            </a:extLst>
+          </a:blip>
+          <a:stretch>
+            <a:fillRect/>
+          </a:stretch>
+        </p:blipFill>
+        <p:spPr>
+          <a:xfrm>
+            <a:off x="1886961" y="3174048"/>
+            <a:ext cx="914400" cy="914400"/>
+          </a:xfrm>
+          <a:prstGeom prst="rect">
+            <a:avLst/>
+          </a:prstGeom>
+        </p:spPr>
+      </p:pic>
+      <p:pic>
+        <p:nvPicPr>
+          <p:cNvPr id="8" name="Content Placeholder 4" descr="Computer">
+            <a:extLst>
+              <a:ext uri="{FF2B5EF4-FFF2-40B4-BE49-F238E27FC236}">
+                <a16:creationId xmlns:a16="http://schemas.microsoft.com/office/drawing/2014/main" id="{44B31B73-83A5-42A0-972B-1057314A1E79}"/>
+              </a:ext>
+            </a:extLst>
+          </p:cNvPr>
+          <p:cNvPicPr>
+            <a:picLocks noChangeAspect="1"/>
+          </p:cNvPicPr>
+          <p:nvPr/>
+        </p:nvPicPr>
+        <p:blipFill>
+          <a:blip r:embed="rId2">
+            <a:extLst>
+              <a:ext uri="{28A0092B-C50C-407E-A947-70E740481C1C}">
+                <a14:useLocalDpi xmlns:a14="http://schemas.microsoft.com/office/drawing/2010/main" val="0"/>
+              </a:ext>
+              <a:ext uri="{96DAC541-7B7A-43D3-8B79-37D633B846F1}">
+                <asvg:svgBlip xmlns:asvg="http://schemas.microsoft.com/office/drawing/2016/SVG/main" r:embed="rId3"/>
+              </a:ext>
+            </a:extLst>
+          </a:blip>
+          <a:stretch>
+            <a:fillRect/>
+          </a:stretch>
+        </p:blipFill>
+        <p:spPr>
+          <a:xfrm>
+            <a:off x="3055361" y="3174048"/>
+            <a:ext cx="914400" cy="914400"/>
+          </a:xfrm>
+          <a:prstGeom prst="rect">
+            <a:avLst/>
+          </a:prstGeom>
+        </p:spPr>
+      </p:pic>
+      <p:pic>
+        <p:nvPicPr>
+          <p:cNvPr id="9" name="Content Placeholder 4" descr="Computer">
+            <a:extLst>
+              <a:ext uri="{FF2B5EF4-FFF2-40B4-BE49-F238E27FC236}">
+                <a16:creationId xmlns:a16="http://schemas.microsoft.com/office/drawing/2014/main" id="{395A7D2C-11C7-4881-8212-746AFFE501ED}"/>
+              </a:ext>
+            </a:extLst>
+          </p:cNvPr>
+          <p:cNvPicPr>
+            <a:picLocks noChangeAspect="1"/>
+          </p:cNvPicPr>
+          <p:nvPr/>
+        </p:nvPicPr>
+        <p:blipFill>
+          <a:blip r:embed="rId2">
+            <a:extLst>
+              <a:ext uri="{28A0092B-C50C-407E-A947-70E740481C1C}">
+                <a14:useLocalDpi xmlns:a14="http://schemas.microsoft.com/office/drawing/2010/main" val="0"/>
+              </a:ext>
+              <a:ext uri="{96DAC541-7B7A-43D3-8B79-37D633B846F1}">
+                <asvg:svgBlip xmlns:asvg="http://schemas.microsoft.com/office/drawing/2016/SVG/main" r:embed="rId3"/>
+              </a:ext>
+            </a:extLst>
+          </a:blip>
+          <a:stretch>
+            <a:fillRect/>
+          </a:stretch>
+        </p:blipFill>
+        <p:spPr>
+          <a:xfrm>
+            <a:off x="4223761" y="3174048"/>
+            <a:ext cx="914400" cy="914400"/>
+          </a:xfrm>
+          <a:prstGeom prst="rect">
+            <a:avLst/>
+          </a:prstGeom>
+        </p:spPr>
+      </p:pic>
+      <p:pic>
+        <p:nvPicPr>
+          <p:cNvPr id="10" name="Content Placeholder 4" descr="Computer">
+            <a:extLst>
+              <a:ext uri="{FF2B5EF4-FFF2-40B4-BE49-F238E27FC236}">
+                <a16:creationId xmlns:a16="http://schemas.microsoft.com/office/drawing/2014/main" id="{59772ABE-FF80-42E4-BEB0-F36151C807E7}"/>
+              </a:ext>
+            </a:extLst>
+          </p:cNvPr>
+          <p:cNvPicPr>
+            <a:picLocks noChangeAspect="1"/>
+          </p:cNvPicPr>
+          <p:nvPr/>
+        </p:nvPicPr>
+        <p:blipFill>
+          <a:blip r:embed="rId2">
+            <a:extLst>
+              <a:ext uri="{28A0092B-C50C-407E-A947-70E740481C1C}">
+                <a14:useLocalDpi xmlns:a14="http://schemas.microsoft.com/office/drawing/2010/main" val="0"/>
+              </a:ext>
+              <a:ext uri="{96DAC541-7B7A-43D3-8B79-37D633B846F1}">
+                <asvg:svgBlip xmlns:asvg="http://schemas.microsoft.com/office/drawing/2016/SVG/main" r:embed="rId3"/>
+              </a:ext>
+            </a:extLst>
+          </a:blip>
+          <a:stretch>
+            <a:fillRect/>
+          </a:stretch>
+        </p:blipFill>
+        <p:spPr>
+          <a:xfrm>
+            <a:off x="5392161" y="3174048"/>
+            <a:ext cx="914400" cy="914400"/>
+          </a:xfrm>
+          <a:prstGeom prst="rect">
+            <a:avLst/>
+          </a:prstGeom>
+        </p:spPr>
+      </p:pic>
+      <p:pic>
+        <p:nvPicPr>
+          <p:cNvPr id="11" name="Content Placeholder 4" descr="Computer">
+            <a:extLst>
+              <a:ext uri="{FF2B5EF4-FFF2-40B4-BE49-F238E27FC236}">
+                <a16:creationId xmlns:a16="http://schemas.microsoft.com/office/drawing/2014/main" id="{52158723-B8FE-4932-A415-EAA9A797F4CC}"/>
+              </a:ext>
+            </a:extLst>
+          </p:cNvPr>
+          <p:cNvPicPr>
+            <a:picLocks noChangeAspect="1"/>
+          </p:cNvPicPr>
+          <p:nvPr/>
+        </p:nvPicPr>
+        <p:blipFill>
+          <a:blip r:embed="rId2">
+            <a:extLst>
+              <a:ext uri="{28A0092B-C50C-407E-A947-70E740481C1C}">
+                <a14:useLocalDpi xmlns:a14="http://schemas.microsoft.com/office/drawing/2010/main" val="0"/>
+              </a:ext>
+              <a:ext uri="{96DAC541-7B7A-43D3-8B79-37D633B846F1}">
+                <asvg:svgBlip xmlns:asvg="http://schemas.microsoft.com/office/drawing/2016/SVG/main" r:embed="rId3"/>
+              </a:ext>
+            </a:extLst>
+          </a:blip>
+          <a:stretch>
+            <a:fillRect/>
+          </a:stretch>
+        </p:blipFill>
+        <p:spPr>
+          <a:xfrm>
+            <a:off x="6560561" y="3174048"/>
+            <a:ext cx="914400" cy="914400"/>
+          </a:xfrm>
+          <a:prstGeom prst="rect">
+            <a:avLst/>
+          </a:prstGeom>
+        </p:spPr>
+      </p:pic>
+      <p:pic>
+        <p:nvPicPr>
+          <p:cNvPr id="12" name="Content Placeholder 4" descr="Computer">
+            <a:extLst>
+              <a:ext uri="{FF2B5EF4-FFF2-40B4-BE49-F238E27FC236}">
+                <a16:creationId xmlns:a16="http://schemas.microsoft.com/office/drawing/2014/main" id="{A9F22F6B-3CEC-4A91-B871-0578016E87DB}"/>
+              </a:ext>
+            </a:extLst>
+          </p:cNvPr>
+          <p:cNvPicPr>
+            <a:picLocks noChangeAspect="1"/>
+          </p:cNvPicPr>
+          <p:nvPr/>
+        </p:nvPicPr>
+        <p:blipFill>
+          <a:blip r:embed="rId2">
+            <a:extLst>
+              <a:ext uri="{28A0092B-C50C-407E-A947-70E740481C1C}">
+                <a14:useLocalDpi xmlns:a14="http://schemas.microsoft.com/office/drawing/2010/main" val="0"/>
+              </a:ext>
+              <a:ext uri="{96DAC541-7B7A-43D3-8B79-37D633B846F1}">
+                <asvg:svgBlip xmlns:asvg="http://schemas.microsoft.com/office/drawing/2016/SVG/main" r:embed="rId3"/>
+              </a:ext>
+            </a:extLst>
+          </a:blip>
+          <a:stretch>
+            <a:fillRect/>
+          </a:stretch>
+        </p:blipFill>
+        <p:spPr>
+          <a:xfrm>
+            <a:off x="718561" y="3880630"/>
+            <a:ext cx="914400" cy="914400"/>
+          </a:xfrm>
+          <a:prstGeom prst="rect">
+            <a:avLst/>
+          </a:prstGeom>
+        </p:spPr>
+      </p:pic>
+      <p:pic>
+        <p:nvPicPr>
+          <p:cNvPr id="13" name="Content Placeholder 4" descr="Computer">
+            <a:extLst>
+              <a:ext uri="{FF2B5EF4-FFF2-40B4-BE49-F238E27FC236}">
+                <a16:creationId xmlns:a16="http://schemas.microsoft.com/office/drawing/2014/main" id="{274DE170-6A9D-41B7-ADB5-BD2FE81757E8}"/>
+              </a:ext>
+            </a:extLst>
+          </p:cNvPr>
+          <p:cNvPicPr>
+            <a:picLocks noChangeAspect="1"/>
+          </p:cNvPicPr>
+          <p:nvPr/>
+        </p:nvPicPr>
+        <p:blipFill>
+          <a:blip r:embed="rId2">
+            <a:extLst>
+              <a:ext uri="{28A0092B-C50C-407E-A947-70E740481C1C}">
+                <a14:useLocalDpi xmlns:a14="http://schemas.microsoft.com/office/drawing/2010/main" val="0"/>
+              </a:ext>
+              <a:ext uri="{96DAC541-7B7A-43D3-8B79-37D633B846F1}">
+                <asvg:svgBlip xmlns:asvg="http://schemas.microsoft.com/office/drawing/2016/SVG/main" r:embed="rId3"/>
+              </a:ext>
+            </a:extLst>
+          </a:blip>
+          <a:stretch>
+            <a:fillRect/>
+          </a:stretch>
+        </p:blipFill>
+        <p:spPr>
+          <a:xfrm>
+            <a:off x="1886961" y="3880630"/>
+            <a:ext cx="914400" cy="914400"/>
+          </a:xfrm>
+          <a:prstGeom prst="rect">
+            <a:avLst/>
+          </a:prstGeom>
+        </p:spPr>
+      </p:pic>
+      <p:pic>
+        <p:nvPicPr>
+          <p:cNvPr id="14" name="Content Placeholder 4" descr="Computer">
+            <a:extLst>
+              <a:ext uri="{FF2B5EF4-FFF2-40B4-BE49-F238E27FC236}">
+                <a16:creationId xmlns:a16="http://schemas.microsoft.com/office/drawing/2014/main" id="{E263D344-0510-4C21-8BE1-0DACD84747EB}"/>
+              </a:ext>
+            </a:extLst>
+          </p:cNvPr>
+          <p:cNvPicPr>
+            <a:picLocks noChangeAspect="1"/>
+          </p:cNvPicPr>
+          <p:nvPr/>
+        </p:nvPicPr>
+        <p:blipFill>
+          <a:blip r:embed="rId2">
+            <a:extLst>
+              <a:ext uri="{28A0092B-C50C-407E-A947-70E740481C1C}">
+                <a14:useLocalDpi xmlns:a14="http://schemas.microsoft.com/office/drawing/2010/main" val="0"/>
+              </a:ext>
+              <a:ext uri="{96DAC541-7B7A-43D3-8B79-37D633B846F1}">
+                <asvg:svgBlip xmlns:asvg="http://schemas.microsoft.com/office/drawing/2016/SVG/main" r:embed="rId3"/>
+              </a:ext>
+            </a:extLst>
+          </a:blip>
+          <a:stretch>
+            <a:fillRect/>
+          </a:stretch>
+        </p:blipFill>
+        <p:spPr>
+          <a:xfrm>
+            <a:off x="3055361" y="3880630"/>
+            <a:ext cx="914400" cy="914400"/>
+          </a:xfrm>
+          <a:prstGeom prst="rect">
+            <a:avLst/>
+          </a:prstGeom>
+        </p:spPr>
+      </p:pic>
+      <p:pic>
+        <p:nvPicPr>
+          <p:cNvPr id="15" name="Content Placeholder 4" descr="Computer">
+            <a:extLst>
+              <a:ext uri="{FF2B5EF4-FFF2-40B4-BE49-F238E27FC236}">
+                <a16:creationId xmlns:a16="http://schemas.microsoft.com/office/drawing/2014/main" id="{6098679D-0630-487F-AAFB-3755CE553C5F}"/>
+              </a:ext>
+            </a:extLst>
+          </p:cNvPr>
+          <p:cNvPicPr>
+            <a:picLocks noChangeAspect="1"/>
+          </p:cNvPicPr>
+          <p:nvPr/>
+        </p:nvPicPr>
+        <p:blipFill>
+          <a:blip r:embed="rId2">
+            <a:extLst>
+              <a:ext uri="{28A0092B-C50C-407E-A947-70E740481C1C}">
+                <a14:useLocalDpi xmlns:a14="http://schemas.microsoft.com/office/drawing/2010/main" val="0"/>
+              </a:ext>
+              <a:ext uri="{96DAC541-7B7A-43D3-8B79-37D633B846F1}">
+                <asvg:svgBlip xmlns:asvg="http://schemas.microsoft.com/office/drawing/2016/SVG/main" r:embed="rId3"/>
+              </a:ext>
+            </a:extLst>
+          </a:blip>
+          <a:stretch>
+            <a:fillRect/>
+          </a:stretch>
+        </p:blipFill>
+        <p:spPr>
+          <a:xfrm>
+            <a:off x="4223761" y="3880630"/>
+            <a:ext cx="914400" cy="914400"/>
+          </a:xfrm>
+          <a:prstGeom prst="rect">
+            <a:avLst/>
+          </a:prstGeom>
+        </p:spPr>
+      </p:pic>
+      <p:pic>
+        <p:nvPicPr>
+          <p:cNvPr id="16" name="Content Placeholder 4" descr="Computer">
+            <a:extLst>
+              <a:ext uri="{FF2B5EF4-FFF2-40B4-BE49-F238E27FC236}">
+                <a16:creationId xmlns:a16="http://schemas.microsoft.com/office/drawing/2014/main" id="{B277448D-32D0-442E-8B04-C8B74A48E8A6}"/>
+              </a:ext>
+            </a:extLst>
+          </p:cNvPr>
+          <p:cNvPicPr>
+            <a:picLocks noChangeAspect="1"/>
+          </p:cNvPicPr>
+          <p:nvPr/>
+        </p:nvPicPr>
+        <p:blipFill>
+          <a:blip r:embed="rId2">
+            <a:extLst>
+              <a:ext uri="{28A0092B-C50C-407E-A947-70E740481C1C}">
+                <a14:useLocalDpi xmlns:a14="http://schemas.microsoft.com/office/drawing/2010/main" val="0"/>
+              </a:ext>
+              <a:ext uri="{96DAC541-7B7A-43D3-8B79-37D633B846F1}">
+                <asvg:svgBlip xmlns:asvg="http://schemas.microsoft.com/office/drawing/2016/SVG/main" r:embed="rId3"/>
+              </a:ext>
+            </a:extLst>
+          </a:blip>
+          <a:stretch>
+            <a:fillRect/>
+          </a:stretch>
+        </p:blipFill>
+        <p:spPr>
+          <a:xfrm>
+            <a:off x="5392161" y="3880630"/>
+            <a:ext cx="914400" cy="914400"/>
+          </a:xfrm>
+          <a:prstGeom prst="rect">
+            <a:avLst/>
+          </a:prstGeom>
+        </p:spPr>
+      </p:pic>
+      <p:pic>
+        <p:nvPicPr>
+          <p:cNvPr id="17" name="Content Placeholder 4" descr="Computer">
+            <a:extLst>
+              <a:ext uri="{FF2B5EF4-FFF2-40B4-BE49-F238E27FC236}">
+                <a16:creationId xmlns:a16="http://schemas.microsoft.com/office/drawing/2014/main" id="{CC7A66F5-9D43-44E9-A8E8-589572ADF291}"/>
+              </a:ext>
+            </a:extLst>
+          </p:cNvPr>
+          <p:cNvPicPr>
+            <a:picLocks noChangeAspect="1"/>
+          </p:cNvPicPr>
+          <p:nvPr/>
+        </p:nvPicPr>
+        <p:blipFill>
+          <a:blip r:embed="rId2">
+            <a:extLst>
+              <a:ext uri="{28A0092B-C50C-407E-A947-70E740481C1C}">
+                <a14:useLocalDpi xmlns:a14="http://schemas.microsoft.com/office/drawing/2010/main" val="0"/>
+              </a:ext>
+              <a:ext uri="{96DAC541-7B7A-43D3-8B79-37D633B846F1}">
+                <asvg:svgBlip xmlns:asvg="http://schemas.microsoft.com/office/drawing/2016/SVG/main" r:embed="rId3"/>
+              </a:ext>
+            </a:extLst>
+          </a:blip>
+          <a:stretch>
+            <a:fillRect/>
+          </a:stretch>
+        </p:blipFill>
+        <p:spPr>
+          <a:xfrm>
+            <a:off x="6560561" y="3880630"/>
+            <a:ext cx="914400" cy="914400"/>
+          </a:xfrm>
+          <a:prstGeom prst="rect">
+            <a:avLst/>
+          </a:prstGeom>
+        </p:spPr>
+      </p:pic>
+      <p:pic>
+        <p:nvPicPr>
+          <p:cNvPr id="18" name="Content Placeholder 4" descr="Computer">
+            <a:extLst>
+              <a:ext uri="{FF2B5EF4-FFF2-40B4-BE49-F238E27FC236}">
+                <a16:creationId xmlns:a16="http://schemas.microsoft.com/office/drawing/2014/main" id="{E7E2AEA0-310F-48AB-A677-29D5FA0F1970}"/>
+              </a:ext>
+            </a:extLst>
+          </p:cNvPr>
+          <p:cNvPicPr>
+            <a:picLocks noChangeAspect="1"/>
+          </p:cNvPicPr>
+          <p:nvPr/>
+        </p:nvPicPr>
+        <p:blipFill>
+          <a:blip r:embed="rId2">
+            <a:extLst>
+              <a:ext uri="{28A0092B-C50C-407E-A947-70E740481C1C}">
+                <a14:useLocalDpi xmlns:a14="http://schemas.microsoft.com/office/drawing/2010/main" val="0"/>
+              </a:ext>
+              <a:ext uri="{96DAC541-7B7A-43D3-8B79-37D633B846F1}">
+                <asvg:svgBlip xmlns:asvg="http://schemas.microsoft.com/office/drawing/2016/SVG/main" r:embed="rId3"/>
+              </a:ext>
+            </a:extLst>
+          </a:blip>
+          <a:stretch>
+            <a:fillRect/>
+          </a:stretch>
+        </p:blipFill>
+        <p:spPr>
+          <a:xfrm>
+            <a:off x="718561" y="4674957"/>
+            <a:ext cx="914400" cy="914400"/>
+          </a:xfrm>
+          <a:prstGeom prst="rect">
+            <a:avLst/>
+          </a:prstGeom>
+        </p:spPr>
+      </p:pic>
+      <p:pic>
+        <p:nvPicPr>
+          <p:cNvPr id="19" name="Content Placeholder 4" descr="Computer">
+            <a:extLst>
+              <a:ext uri="{FF2B5EF4-FFF2-40B4-BE49-F238E27FC236}">
+                <a16:creationId xmlns:a16="http://schemas.microsoft.com/office/drawing/2014/main" id="{904AC802-7E94-4BD2-BAB2-6E491BABE2F5}"/>
+              </a:ext>
+            </a:extLst>
+          </p:cNvPr>
+          <p:cNvPicPr>
+            <a:picLocks noChangeAspect="1"/>
+          </p:cNvPicPr>
+          <p:nvPr/>
+        </p:nvPicPr>
+        <p:blipFill>
+          <a:blip r:embed="rId2">
+            <a:extLst>
+              <a:ext uri="{28A0092B-C50C-407E-A947-70E740481C1C}">
+                <a14:useLocalDpi xmlns:a14="http://schemas.microsoft.com/office/drawing/2010/main" val="0"/>
+              </a:ext>
+              <a:ext uri="{96DAC541-7B7A-43D3-8B79-37D633B846F1}">
+                <asvg:svgBlip xmlns:asvg="http://schemas.microsoft.com/office/drawing/2016/SVG/main" r:embed="rId3"/>
+              </a:ext>
+            </a:extLst>
+          </a:blip>
+          <a:stretch>
+            <a:fillRect/>
+          </a:stretch>
+        </p:blipFill>
+        <p:spPr>
+          <a:xfrm>
+            <a:off x="1886961" y="4674957"/>
+            <a:ext cx="914400" cy="914400"/>
+          </a:xfrm>
+          <a:prstGeom prst="rect">
+            <a:avLst/>
+          </a:prstGeom>
+        </p:spPr>
+      </p:pic>
+      <p:pic>
+        <p:nvPicPr>
+          <p:cNvPr id="20" name="Content Placeholder 4" descr="Computer">
+            <a:extLst>
+              <a:ext uri="{FF2B5EF4-FFF2-40B4-BE49-F238E27FC236}">
+                <a16:creationId xmlns:a16="http://schemas.microsoft.com/office/drawing/2014/main" id="{B83EA4B7-4CF4-45E2-83E0-D778E1688943}"/>
+              </a:ext>
+            </a:extLst>
+          </p:cNvPr>
+          <p:cNvPicPr>
+            <a:picLocks noChangeAspect="1"/>
+          </p:cNvPicPr>
+          <p:nvPr/>
+        </p:nvPicPr>
+        <p:blipFill>
+          <a:blip r:embed="rId2">
+            <a:extLst>
+              <a:ext uri="{28A0092B-C50C-407E-A947-70E740481C1C}">
+                <a14:useLocalDpi xmlns:a14="http://schemas.microsoft.com/office/drawing/2010/main" val="0"/>
+              </a:ext>
+              <a:ext uri="{96DAC541-7B7A-43D3-8B79-37D633B846F1}">
+                <asvg:svgBlip xmlns:asvg="http://schemas.microsoft.com/office/drawing/2016/SVG/main" r:embed="rId3"/>
+              </a:ext>
+            </a:extLst>
+          </a:blip>
+          <a:stretch>
+            <a:fillRect/>
+          </a:stretch>
+        </p:blipFill>
+        <p:spPr>
+          <a:xfrm>
+            <a:off x="3055361" y="4674957"/>
+            <a:ext cx="914400" cy="914400"/>
+          </a:xfrm>
+          <a:prstGeom prst="rect">
+            <a:avLst/>
+          </a:prstGeom>
+        </p:spPr>
+      </p:pic>
+      <p:pic>
+        <p:nvPicPr>
+          <p:cNvPr id="21" name="Content Placeholder 4" descr="Computer">
+            <a:extLst>
+              <a:ext uri="{FF2B5EF4-FFF2-40B4-BE49-F238E27FC236}">
+                <a16:creationId xmlns:a16="http://schemas.microsoft.com/office/drawing/2014/main" id="{68CFDC16-8FDF-4A73-8F5F-1ED66E53D679}"/>
+              </a:ext>
+            </a:extLst>
+          </p:cNvPr>
+          <p:cNvPicPr>
+            <a:picLocks noChangeAspect="1"/>
+          </p:cNvPicPr>
+          <p:nvPr/>
+        </p:nvPicPr>
+        <p:blipFill>
+          <a:blip r:embed="rId2">
+            <a:extLst>
+              <a:ext uri="{28A0092B-C50C-407E-A947-70E740481C1C}">
+                <a14:useLocalDpi xmlns:a14="http://schemas.microsoft.com/office/drawing/2010/main" val="0"/>
+              </a:ext>
+              <a:ext uri="{96DAC541-7B7A-43D3-8B79-37D633B846F1}">
+                <asvg:svgBlip xmlns:asvg="http://schemas.microsoft.com/office/drawing/2016/SVG/main" r:embed="rId3"/>
+              </a:ext>
+            </a:extLst>
+          </a:blip>
+          <a:stretch>
+            <a:fillRect/>
+          </a:stretch>
+        </p:blipFill>
+        <p:spPr>
+          <a:xfrm>
+            <a:off x="4223761" y="4674957"/>
+            <a:ext cx="914400" cy="914400"/>
+          </a:xfrm>
+          <a:prstGeom prst="rect">
+            <a:avLst/>
+          </a:prstGeom>
+        </p:spPr>
+      </p:pic>
+      <p:pic>
+        <p:nvPicPr>
+          <p:cNvPr id="22" name="Content Placeholder 4" descr="Computer">
+            <a:extLst>
+              <a:ext uri="{FF2B5EF4-FFF2-40B4-BE49-F238E27FC236}">
+                <a16:creationId xmlns:a16="http://schemas.microsoft.com/office/drawing/2014/main" id="{46A70C2C-0C29-49F5-AFDA-86B8C1716915}"/>
+              </a:ext>
+            </a:extLst>
+          </p:cNvPr>
+          <p:cNvPicPr>
+            <a:picLocks noChangeAspect="1"/>
+          </p:cNvPicPr>
+          <p:nvPr/>
+        </p:nvPicPr>
+        <p:blipFill>
+          <a:blip r:embed="rId2">
+            <a:extLst>
+              <a:ext uri="{28A0092B-C50C-407E-A947-70E740481C1C}">
+                <a14:useLocalDpi xmlns:a14="http://schemas.microsoft.com/office/drawing/2010/main" val="0"/>
+              </a:ext>
+              <a:ext uri="{96DAC541-7B7A-43D3-8B79-37D633B846F1}">
+                <asvg:svgBlip xmlns:asvg="http://schemas.microsoft.com/office/drawing/2016/SVG/main" r:embed="rId3"/>
+              </a:ext>
+            </a:extLst>
+          </a:blip>
+          <a:stretch>
+            <a:fillRect/>
+          </a:stretch>
+        </p:blipFill>
+        <p:spPr>
+          <a:xfrm>
+            <a:off x="5392161" y="4674957"/>
+            <a:ext cx="914400" cy="914400"/>
+          </a:xfrm>
+          <a:prstGeom prst="rect">
+            <a:avLst/>
+          </a:prstGeom>
+        </p:spPr>
+      </p:pic>
+      <p:pic>
+        <p:nvPicPr>
+          <p:cNvPr id="23" name="Content Placeholder 4" descr="Computer">
+            <a:extLst>
+              <a:ext uri="{FF2B5EF4-FFF2-40B4-BE49-F238E27FC236}">
+                <a16:creationId xmlns:a16="http://schemas.microsoft.com/office/drawing/2014/main" id="{EF5B0B44-6784-4C91-96DE-F3BDE41F2082}"/>
+              </a:ext>
+            </a:extLst>
+          </p:cNvPr>
+          <p:cNvPicPr>
+            <a:picLocks noChangeAspect="1"/>
+          </p:cNvPicPr>
+          <p:nvPr/>
+        </p:nvPicPr>
+        <p:blipFill>
+          <a:blip r:embed="rId2">
+            <a:extLst>
+              <a:ext uri="{28A0092B-C50C-407E-A947-70E740481C1C}">
+                <a14:useLocalDpi xmlns:a14="http://schemas.microsoft.com/office/drawing/2010/main" val="0"/>
+              </a:ext>
+              <a:ext uri="{96DAC541-7B7A-43D3-8B79-37D633B846F1}">
+                <asvg:svgBlip xmlns:asvg="http://schemas.microsoft.com/office/drawing/2016/SVG/main" r:embed="rId3"/>
+              </a:ext>
+            </a:extLst>
+          </a:blip>
+          <a:stretch>
+            <a:fillRect/>
+          </a:stretch>
+        </p:blipFill>
+        <p:spPr>
+          <a:xfrm>
+            <a:off x="6560561" y="4674957"/>
+            <a:ext cx="914400" cy="914400"/>
+          </a:xfrm>
+          <a:prstGeom prst="rect">
+            <a:avLst/>
+          </a:prstGeom>
+        </p:spPr>
+      </p:pic>
+      <p:pic>
+        <p:nvPicPr>
+          <p:cNvPr id="24" name="Content Placeholder 4" descr="Computer">
+            <a:extLst>
+              <a:ext uri="{FF2B5EF4-FFF2-40B4-BE49-F238E27FC236}">
+                <a16:creationId xmlns:a16="http://schemas.microsoft.com/office/drawing/2014/main" id="{0DD30197-EA7A-4694-93A8-204B3B5D06CC}"/>
+              </a:ext>
+            </a:extLst>
+          </p:cNvPr>
+          <p:cNvPicPr>
+            <a:picLocks noChangeAspect="1"/>
+          </p:cNvPicPr>
+          <p:nvPr/>
+        </p:nvPicPr>
+        <p:blipFill>
+          <a:blip r:embed="rId2">
+            <a:extLst>
+              <a:ext uri="{28A0092B-C50C-407E-A947-70E740481C1C}">
+                <a14:useLocalDpi xmlns:a14="http://schemas.microsoft.com/office/drawing/2010/main" val="0"/>
+              </a:ext>
+              <a:ext uri="{96DAC541-7B7A-43D3-8B79-37D633B846F1}">
+                <asvg:svgBlip xmlns:asvg="http://schemas.microsoft.com/office/drawing/2016/SVG/main" r:embed="rId3"/>
+              </a:ext>
+            </a:extLst>
+          </a:blip>
+          <a:stretch>
+            <a:fillRect/>
+          </a:stretch>
+        </p:blipFill>
+        <p:spPr>
+          <a:xfrm>
+            <a:off x="718561" y="5381539"/>
+            <a:ext cx="914400" cy="914400"/>
+          </a:xfrm>
+          <a:prstGeom prst="rect">
+            <a:avLst/>
+          </a:prstGeom>
+        </p:spPr>
+      </p:pic>
+      <p:pic>
+        <p:nvPicPr>
+          <p:cNvPr id="25" name="Content Placeholder 4" descr="Computer">
+            <a:extLst>
+              <a:ext uri="{FF2B5EF4-FFF2-40B4-BE49-F238E27FC236}">
+                <a16:creationId xmlns:a16="http://schemas.microsoft.com/office/drawing/2014/main" id="{BAF11E05-9C71-4DC6-96AF-AE7202A7ECAA}"/>
+              </a:ext>
+            </a:extLst>
+          </p:cNvPr>
+          <p:cNvPicPr>
+            <a:picLocks noChangeAspect="1"/>
+          </p:cNvPicPr>
+          <p:nvPr/>
+        </p:nvPicPr>
+        <p:blipFill>
+          <a:blip r:embed="rId2">
+            <a:extLst>
+              <a:ext uri="{28A0092B-C50C-407E-A947-70E740481C1C}">
+                <a14:useLocalDpi xmlns:a14="http://schemas.microsoft.com/office/drawing/2010/main" val="0"/>
+              </a:ext>
+              <a:ext uri="{96DAC541-7B7A-43D3-8B79-37D633B846F1}">
+                <asvg:svgBlip xmlns:asvg="http://schemas.microsoft.com/office/drawing/2016/SVG/main" r:embed="rId3"/>
+              </a:ext>
+            </a:extLst>
+          </a:blip>
+          <a:stretch>
+            <a:fillRect/>
+          </a:stretch>
+        </p:blipFill>
+        <p:spPr>
+          <a:xfrm>
+            <a:off x="1886961" y="5381539"/>
+            <a:ext cx="914400" cy="914400"/>
+          </a:xfrm>
+          <a:prstGeom prst="rect">
+            <a:avLst/>
+          </a:prstGeom>
+        </p:spPr>
+      </p:pic>
+      <p:pic>
+        <p:nvPicPr>
+          <p:cNvPr id="26" name="Content Placeholder 4" descr="Computer">
+            <a:extLst>
+              <a:ext uri="{FF2B5EF4-FFF2-40B4-BE49-F238E27FC236}">
+                <a16:creationId xmlns:a16="http://schemas.microsoft.com/office/drawing/2014/main" id="{17E7E511-5121-4671-AAF9-8CB8ACB8FE2E}"/>
+              </a:ext>
+            </a:extLst>
+          </p:cNvPr>
+          <p:cNvPicPr>
+            <a:picLocks noChangeAspect="1"/>
+          </p:cNvPicPr>
+          <p:nvPr/>
+        </p:nvPicPr>
+        <p:blipFill>
+          <a:blip r:embed="rId2">
+            <a:extLst>
+              <a:ext uri="{28A0092B-C50C-407E-A947-70E740481C1C}">
+                <a14:useLocalDpi xmlns:a14="http://schemas.microsoft.com/office/drawing/2010/main" val="0"/>
+              </a:ext>
+              <a:ext uri="{96DAC541-7B7A-43D3-8B79-37D633B846F1}">
+                <asvg:svgBlip xmlns:asvg="http://schemas.microsoft.com/office/drawing/2016/SVG/main" r:embed="rId3"/>
+              </a:ext>
+            </a:extLst>
+          </a:blip>
+          <a:stretch>
+            <a:fillRect/>
+          </a:stretch>
+        </p:blipFill>
+        <p:spPr>
+          <a:xfrm>
+            <a:off x="3055361" y="5381539"/>
+            <a:ext cx="914400" cy="914400"/>
+          </a:xfrm>
+          <a:prstGeom prst="rect">
+            <a:avLst/>
+          </a:prstGeom>
+        </p:spPr>
+      </p:pic>
+      <p:pic>
+        <p:nvPicPr>
+          <p:cNvPr id="27" name="Content Placeholder 4" descr="Computer">
+            <a:extLst>
+              <a:ext uri="{FF2B5EF4-FFF2-40B4-BE49-F238E27FC236}">
+                <a16:creationId xmlns:a16="http://schemas.microsoft.com/office/drawing/2014/main" id="{61B67CEC-4A83-4B57-B224-DA731E77D3C1}"/>
+              </a:ext>
+            </a:extLst>
+          </p:cNvPr>
+          <p:cNvPicPr>
+            <a:picLocks noChangeAspect="1"/>
+          </p:cNvPicPr>
+          <p:nvPr/>
+        </p:nvPicPr>
+        <p:blipFill>
+          <a:blip r:embed="rId2">
+            <a:extLst>
+              <a:ext uri="{28A0092B-C50C-407E-A947-70E740481C1C}">
+                <a14:useLocalDpi xmlns:a14="http://schemas.microsoft.com/office/drawing/2010/main" val="0"/>
+              </a:ext>
+              <a:ext uri="{96DAC541-7B7A-43D3-8B79-37D633B846F1}">
+                <asvg:svgBlip xmlns:asvg="http://schemas.microsoft.com/office/drawing/2016/SVG/main" r:embed="rId3"/>
+              </a:ext>
+            </a:extLst>
+          </a:blip>
+          <a:stretch>
+            <a:fillRect/>
+          </a:stretch>
+        </p:blipFill>
+        <p:spPr>
+          <a:xfrm>
+            <a:off x="4223761" y="5381539"/>
+            <a:ext cx="914400" cy="914400"/>
+          </a:xfrm>
+          <a:prstGeom prst="rect">
+            <a:avLst/>
+          </a:prstGeom>
+        </p:spPr>
+      </p:pic>
+      <p:pic>
+        <p:nvPicPr>
+          <p:cNvPr id="28" name="Content Placeholder 4" descr="Computer">
+            <a:extLst>
+              <a:ext uri="{FF2B5EF4-FFF2-40B4-BE49-F238E27FC236}">
+                <a16:creationId xmlns:a16="http://schemas.microsoft.com/office/drawing/2014/main" id="{EFC297C9-86D9-4959-A179-CBB929B932CA}"/>
+              </a:ext>
+            </a:extLst>
+          </p:cNvPr>
+          <p:cNvPicPr>
+            <a:picLocks noChangeAspect="1"/>
+          </p:cNvPicPr>
+          <p:nvPr/>
+        </p:nvPicPr>
+        <p:blipFill>
+          <a:blip r:embed="rId2">
+            <a:extLst>
+              <a:ext uri="{28A0092B-C50C-407E-A947-70E740481C1C}">
+                <a14:useLocalDpi xmlns:a14="http://schemas.microsoft.com/office/drawing/2010/main" val="0"/>
+              </a:ext>
+              <a:ext uri="{96DAC541-7B7A-43D3-8B79-37D633B846F1}">
+                <asvg:svgBlip xmlns:asvg="http://schemas.microsoft.com/office/drawing/2016/SVG/main" r:embed="rId3"/>
+              </a:ext>
+            </a:extLst>
+          </a:blip>
+          <a:stretch>
+            <a:fillRect/>
+          </a:stretch>
+        </p:blipFill>
+        <p:spPr>
+          <a:xfrm>
+            <a:off x="5392161" y="5381539"/>
+            <a:ext cx="914400" cy="914400"/>
+          </a:xfrm>
+          <a:prstGeom prst="rect">
+            <a:avLst/>
+          </a:prstGeom>
+        </p:spPr>
+      </p:pic>
+      <p:pic>
+        <p:nvPicPr>
+          <p:cNvPr id="29" name="Content Placeholder 4" descr="Computer">
+            <a:extLst>
+              <a:ext uri="{FF2B5EF4-FFF2-40B4-BE49-F238E27FC236}">
+                <a16:creationId xmlns:a16="http://schemas.microsoft.com/office/drawing/2014/main" id="{D88136C0-6681-4B10-BCFE-CB9978B93E42}"/>
+              </a:ext>
+            </a:extLst>
+          </p:cNvPr>
+          <p:cNvPicPr>
+            <a:picLocks noChangeAspect="1"/>
+          </p:cNvPicPr>
+          <p:nvPr/>
+        </p:nvPicPr>
+        <p:blipFill>
+          <a:blip r:embed="rId2">
+            <a:extLst>
+              <a:ext uri="{28A0092B-C50C-407E-A947-70E740481C1C}">
+                <a14:useLocalDpi xmlns:a14="http://schemas.microsoft.com/office/drawing/2010/main" val="0"/>
+              </a:ext>
+              <a:ext uri="{96DAC541-7B7A-43D3-8B79-37D633B846F1}">
+                <asvg:svgBlip xmlns:asvg="http://schemas.microsoft.com/office/drawing/2016/SVG/main" r:embed="rId3"/>
+              </a:ext>
+            </a:extLst>
+          </a:blip>
+          <a:stretch>
+            <a:fillRect/>
+          </a:stretch>
+        </p:blipFill>
+        <p:spPr>
+          <a:xfrm>
+            <a:off x="6560561" y="5381539"/>
+            <a:ext cx="914400" cy="914400"/>
+          </a:xfrm>
+          <a:prstGeom prst="rect">
+            <a:avLst/>
+          </a:prstGeom>
+        </p:spPr>
+      </p:pic>
+      <p:pic>
+        <p:nvPicPr>
+          <p:cNvPr id="30" name="Content Placeholder 4" descr="Computer">
+            <a:extLst>
+              <a:ext uri="{FF2B5EF4-FFF2-40B4-BE49-F238E27FC236}">
+                <a16:creationId xmlns:a16="http://schemas.microsoft.com/office/drawing/2014/main" id="{1E84DBC6-2CB9-4FDC-876A-56B19FE2DB62}"/>
+              </a:ext>
+            </a:extLst>
+          </p:cNvPr>
+          <p:cNvPicPr>
+            <a:picLocks noChangeAspect="1"/>
+          </p:cNvPicPr>
+          <p:nvPr/>
+        </p:nvPicPr>
+        <p:blipFill>
+          <a:blip r:embed="rId2">
+            <a:extLst>
+              <a:ext uri="{28A0092B-C50C-407E-A947-70E740481C1C}">
+                <a14:useLocalDpi xmlns:a14="http://schemas.microsoft.com/office/drawing/2010/main" val="0"/>
+              </a:ext>
+              <a:ext uri="{96DAC541-7B7A-43D3-8B79-37D633B846F1}">
+                <asvg:svgBlip xmlns:asvg="http://schemas.microsoft.com/office/drawing/2016/SVG/main" r:embed="rId3"/>
+              </a:ext>
+            </a:extLst>
+          </a:blip>
+          <a:stretch>
+            <a:fillRect/>
+          </a:stretch>
+        </p:blipFill>
+        <p:spPr>
+          <a:xfrm>
+            <a:off x="7613506" y="3156932"/>
+            <a:ext cx="914400" cy="914400"/>
+          </a:xfrm>
+          <a:prstGeom prst="rect">
+            <a:avLst/>
+          </a:prstGeom>
+        </p:spPr>
+      </p:pic>
+      <p:pic>
+        <p:nvPicPr>
+          <p:cNvPr id="31" name="Content Placeholder 4" descr="Computer">
+            <a:extLst>
+              <a:ext uri="{FF2B5EF4-FFF2-40B4-BE49-F238E27FC236}">
+                <a16:creationId xmlns:a16="http://schemas.microsoft.com/office/drawing/2014/main" id="{055AC41F-2CC9-4CED-97C0-DF20EA68BDB7}"/>
+              </a:ext>
+            </a:extLst>
+          </p:cNvPr>
+          <p:cNvPicPr>
+            <a:picLocks noChangeAspect="1"/>
+          </p:cNvPicPr>
+          <p:nvPr/>
+        </p:nvPicPr>
+        <p:blipFill>
+          <a:blip r:embed="rId2">
+            <a:extLst>
+              <a:ext uri="{28A0092B-C50C-407E-A947-70E740481C1C}">
+                <a14:useLocalDpi xmlns:a14="http://schemas.microsoft.com/office/drawing/2010/main" val="0"/>
+              </a:ext>
+              <a:ext uri="{96DAC541-7B7A-43D3-8B79-37D633B846F1}">
+                <asvg:svgBlip xmlns:asvg="http://schemas.microsoft.com/office/drawing/2016/SVG/main" r:embed="rId3"/>
+              </a:ext>
+            </a:extLst>
+          </a:blip>
+          <a:stretch>
+            <a:fillRect/>
+          </a:stretch>
+        </p:blipFill>
+        <p:spPr>
+          <a:xfrm>
+            <a:off x="8781906" y="3156932"/>
+            <a:ext cx="914400" cy="914400"/>
+          </a:xfrm>
+          <a:prstGeom prst="rect">
+            <a:avLst/>
+          </a:prstGeom>
+        </p:spPr>
+      </p:pic>
+      <p:pic>
+        <p:nvPicPr>
+          <p:cNvPr id="32" name="Content Placeholder 4" descr="Computer">
+            <a:extLst>
+              <a:ext uri="{FF2B5EF4-FFF2-40B4-BE49-F238E27FC236}">
+                <a16:creationId xmlns:a16="http://schemas.microsoft.com/office/drawing/2014/main" id="{64E07E47-2EF7-4EF8-BF93-501BA6577A26}"/>
+              </a:ext>
+            </a:extLst>
+          </p:cNvPr>
+          <p:cNvPicPr>
+            <a:picLocks noChangeAspect="1"/>
+          </p:cNvPicPr>
+          <p:nvPr/>
+        </p:nvPicPr>
+        <p:blipFill>
+          <a:blip r:embed="rId2">
+            <a:extLst>
+              <a:ext uri="{28A0092B-C50C-407E-A947-70E740481C1C}">
+                <a14:useLocalDpi xmlns:a14="http://schemas.microsoft.com/office/drawing/2010/main" val="0"/>
+              </a:ext>
+              <a:ext uri="{96DAC541-7B7A-43D3-8B79-37D633B846F1}">
+                <asvg:svgBlip xmlns:asvg="http://schemas.microsoft.com/office/drawing/2016/SVG/main" r:embed="rId3"/>
+              </a:ext>
+            </a:extLst>
+          </a:blip>
+          <a:stretch>
+            <a:fillRect/>
+          </a:stretch>
+        </p:blipFill>
+        <p:spPr>
+          <a:xfrm>
+            <a:off x="9950306" y="3156932"/>
+            <a:ext cx="914400" cy="914400"/>
+          </a:xfrm>
+          <a:prstGeom prst="rect">
+            <a:avLst/>
+          </a:prstGeom>
+        </p:spPr>
+      </p:pic>
+      <p:pic>
+        <p:nvPicPr>
+          <p:cNvPr id="33" name="Content Placeholder 4" descr="Computer">
+            <a:extLst>
+              <a:ext uri="{FF2B5EF4-FFF2-40B4-BE49-F238E27FC236}">
+                <a16:creationId xmlns:a16="http://schemas.microsoft.com/office/drawing/2014/main" id="{E95B985A-A7BC-4910-A3EB-5886FF91F814}"/>
+              </a:ext>
+            </a:extLst>
+          </p:cNvPr>
+          <p:cNvPicPr>
+            <a:picLocks noChangeAspect="1"/>
+          </p:cNvPicPr>
+          <p:nvPr/>
+        </p:nvPicPr>
+        <p:blipFill>
+          <a:blip r:embed="rId2">
+            <a:extLst>
+              <a:ext uri="{28A0092B-C50C-407E-A947-70E740481C1C}">
+                <a14:useLocalDpi xmlns:a14="http://schemas.microsoft.com/office/drawing/2010/main" val="0"/>
+              </a:ext>
+              <a:ext uri="{96DAC541-7B7A-43D3-8B79-37D633B846F1}">
+                <asvg:svgBlip xmlns:asvg="http://schemas.microsoft.com/office/drawing/2016/SVG/main" r:embed="rId3"/>
+              </a:ext>
+            </a:extLst>
+          </a:blip>
+          <a:stretch>
+            <a:fillRect/>
+          </a:stretch>
+        </p:blipFill>
+        <p:spPr>
+          <a:xfrm>
+            <a:off x="7613506" y="3863514"/>
+            <a:ext cx="914400" cy="914400"/>
+          </a:xfrm>
+          <a:prstGeom prst="rect">
+            <a:avLst/>
+          </a:prstGeom>
+        </p:spPr>
+      </p:pic>
+      <p:pic>
+        <p:nvPicPr>
+          <p:cNvPr id="34" name="Content Placeholder 4" descr="Computer">
+            <a:extLst>
+              <a:ext uri="{FF2B5EF4-FFF2-40B4-BE49-F238E27FC236}">
+                <a16:creationId xmlns:a16="http://schemas.microsoft.com/office/drawing/2014/main" id="{F9C37A58-BB88-436F-9FF3-84AF91D1C8A1}"/>
+              </a:ext>
+            </a:extLst>
+          </p:cNvPr>
+          <p:cNvPicPr>
+            <a:picLocks noChangeAspect="1"/>
+          </p:cNvPicPr>
+          <p:nvPr/>
+        </p:nvPicPr>
+        <p:blipFill>
+          <a:blip r:embed="rId2">
+            <a:extLst>
+              <a:ext uri="{28A0092B-C50C-407E-A947-70E740481C1C}">
+                <a14:useLocalDpi xmlns:a14="http://schemas.microsoft.com/office/drawing/2010/main" val="0"/>
+              </a:ext>
+              <a:ext uri="{96DAC541-7B7A-43D3-8B79-37D633B846F1}">
+                <asvg:svgBlip xmlns:asvg="http://schemas.microsoft.com/office/drawing/2016/SVG/main" r:embed="rId3"/>
+              </a:ext>
+            </a:extLst>
+          </a:blip>
+          <a:stretch>
+            <a:fillRect/>
+          </a:stretch>
+        </p:blipFill>
+        <p:spPr>
+          <a:xfrm>
+            <a:off x="8781906" y="3863514"/>
+            <a:ext cx="914400" cy="914400"/>
+          </a:xfrm>
+          <a:prstGeom prst="rect">
+            <a:avLst/>
+          </a:prstGeom>
+        </p:spPr>
+      </p:pic>
+      <p:pic>
+        <p:nvPicPr>
+          <p:cNvPr id="35" name="Content Placeholder 4" descr="Computer">
+            <a:extLst>
+              <a:ext uri="{FF2B5EF4-FFF2-40B4-BE49-F238E27FC236}">
+                <a16:creationId xmlns:a16="http://schemas.microsoft.com/office/drawing/2014/main" id="{E6E8A0E9-7DD7-4A7A-BD60-E2C986ECCF3C}"/>
+              </a:ext>
+            </a:extLst>
+          </p:cNvPr>
+          <p:cNvPicPr>
+            <a:picLocks noChangeAspect="1"/>
+          </p:cNvPicPr>
+          <p:nvPr/>
+        </p:nvPicPr>
+        <p:blipFill>
+          <a:blip r:embed="rId2">
+            <a:extLst>
+              <a:ext uri="{28A0092B-C50C-407E-A947-70E740481C1C}">
+                <a14:useLocalDpi xmlns:a14="http://schemas.microsoft.com/office/drawing/2010/main" val="0"/>
+              </a:ext>
+              <a:ext uri="{96DAC541-7B7A-43D3-8B79-37D633B846F1}">
+                <asvg:svgBlip xmlns:asvg="http://schemas.microsoft.com/office/drawing/2016/SVG/main" r:embed="rId3"/>
+              </a:ext>
+            </a:extLst>
+          </a:blip>
+          <a:stretch>
+            <a:fillRect/>
+          </a:stretch>
+        </p:blipFill>
+        <p:spPr>
+          <a:xfrm>
+            <a:off x="9950306" y="3863514"/>
+            <a:ext cx="914400" cy="914400"/>
+          </a:xfrm>
+          <a:prstGeom prst="rect">
+            <a:avLst/>
+          </a:prstGeom>
+        </p:spPr>
+      </p:pic>
+      <p:pic>
+        <p:nvPicPr>
+          <p:cNvPr id="36" name="Content Placeholder 4" descr="Computer">
+            <a:extLst>
+              <a:ext uri="{FF2B5EF4-FFF2-40B4-BE49-F238E27FC236}">
+                <a16:creationId xmlns:a16="http://schemas.microsoft.com/office/drawing/2014/main" id="{3F51C8B6-8EA1-4FB6-8FE9-CEB74BD88A27}"/>
+              </a:ext>
+            </a:extLst>
+          </p:cNvPr>
+          <p:cNvPicPr>
+            <a:picLocks noChangeAspect="1"/>
+          </p:cNvPicPr>
+          <p:nvPr/>
+        </p:nvPicPr>
+        <p:blipFill>
+          <a:blip r:embed="rId2">
+            <a:extLst>
+              <a:ext uri="{28A0092B-C50C-407E-A947-70E740481C1C}">
+                <a14:useLocalDpi xmlns:a14="http://schemas.microsoft.com/office/drawing/2010/main" val="0"/>
+              </a:ext>
+              <a:ext uri="{96DAC541-7B7A-43D3-8B79-37D633B846F1}">
+                <asvg:svgBlip xmlns:asvg="http://schemas.microsoft.com/office/drawing/2016/SVG/main" r:embed="rId3"/>
+              </a:ext>
+            </a:extLst>
+          </a:blip>
+          <a:stretch>
+            <a:fillRect/>
+          </a:stretch>
+        </p:blipFill>
+        <p:spPr>
+          <a:xfrm>
+            <a:off x="7613506" y="4657841"/>
+            <a:ext cx="914400" cy="914400"/>
+          </a:xfrm>
+          <a:prstGeom prst="rect">
+            <a:avLst/>
+          </a:prstGeom>
+        </p:spPr>
+      </p:pic>
+      <p:pic>
+        <p:nvPicPr>
+          <p:cNvPr id="37" name="Content Placeholder 4" descr="Computer">
+            <a:extLst>
+              <a:ext uri="{FF2B5EF4-FFF2-40B4-BE49-F238E27FC236}">
+                <a16:creationId xmlns:a16="http://schemas.microsoft.com/office/drawing/2014/main" id="{864662B4-FE8A-44E5-B9EF-236DA30A5A12}"/>
+              </a:ext>
+            </a:extLst>
+          </p:cNvPr>
+          <p:cNvPicPr>
+            <a:picLocks noChangeAspect="1"/>
+          </p:cNvPicPr>
+          <p:nvPr/>
+        </p:nvPicPr>
+        <p:blipFill>
+          <a:blip r:embed="rId2">
+            <a:extLst>
+              <a:ext uri="{28A0092B-C50C-407E-A947-70E740481C1C}">
+                <a14:useLocalDpi xmlns:a14="http://schemas.microsoft.com/office/drawing/2010/main" val="0"/>
+              </a:ext>
+              <a:ext uri="{96DAC541-7B7A-43D3-8B79-37D633B846F1}">
+                <asvg:svgBlip xmlns:asvg="http://schemas.microsoft.com/office/drawing/2016/SVG/main" r:embed="rId3"/>
+              </a:ext>
+            </a:extLst>
+          </a:blip>
+          <a:stretch>
+            <a:fillRect/>
+          </a:stretch>
+        </p:blipFill>
+        <p:spPr>
+          <a:xfrm>
+            <a:off x="8781906" y="4657841"/>
+            <a:ext cx="914400" cy="914400"/>
+          </a:xfrm>
+          <a:prstGeom prst="rect">
+            <a:avLst/>
+          </a:prstGeom>
+        </p:spPr>
+      </p:pic>
+      <p:pic>
+        <p:nvPicPr>
+          <p:cNvPr id="38" name="Content Placeholder 4" descr="Computer">
+            <a:extLst>
+              <a:ext uri="{FF2B5EF4-FFF2-40B4-BE49-F238E27FC236}">
+                <a16:creationId xmlns:a16="http://schemas.microsoft.com/office/drawing/2014/main" id="{CD64E6F2-789D-48D2-8D72-487E973746BF}"/>
+              </a:ext>
+            </a:extLst>
+          </p:cNvPr>
+          <p:cNvPicPr>
+            <a:picLocks noChangeAspect="1"/>
+          </p:cNvPicPr>
+          <p:nvPr/>
+        </p:nvPicPr>
+        <p:blipFill>
+          <a:blip r:embed="rId2">
+            <a:extLst>
+              <a:ext uri="{28A0092B-C50C-407E-A947-70E740481C1C}">
+                <a14:useLocalDpi xmlns:a14="http://schemas.microsoft.com/office/drawing/2010/main" val="0"/>
+              </a:ext>
+              <a:ext uri="{96DAC541-7B7A-43D3-8B79-37D633B846F1}">
+                <asvg:svgBlip xmlns:asvg="http://schemas.microsoft.com/office/drawing/2016/SVG/main" r:embed="rId3"/>
+              </a:ext>
+            </a:extLst>
+          </a:blip>
+          <a:stretch>
+            <a:fillRect/>
+          </a:stretch>
+        </p:blipFill>
+        <p:spPr>
+          <a:xfrm>
+            <a:off x="9950306" y="4657841"/>
+            <a:ext cx="914400" cy="914400"/>
+          </a:xfrm>
+          <a:prstGeom prst="rect">
+            <a:avLst/>
+          </a:prstGeom>
+        </p:spPr>
+      </p:pic>
+      <p:pic>
+        <p:nvPicPr>
+          <p:cNvPr id="39" name="Content Placeholder 4" descr="Computer">
+            <a:extLst>
+              <a:ext uri="{FF2B5EF4-FFF2-40B4-BE49-F238E27FC236}">
+                <a16:creationId xmlns:a16="http://schemas.microsoft.com/office/drawing/2014/main" id="{0B1296A2-075A-4B2D-B278-12D7F5814D31}"/>
+              </a:ext>
+            </a:extLst>
+          </p:cNvPr>
+          <p:cNvPicPr>
+            <a:picLocks noChangeAspect="1"/>
+          </p:cNvPicPr>
+          <p:nvPr/>
+        </p:nvPicPr>
+        <p:blipFill>
+          <a:blip r:embed="rId2">
+            <a:extLst>
+              <a:ext uri="{28A0092B-C50C-407E-A947-70E740481C1C}">
+                <a14:useLocalDpi xmlns:a14="http://schemas.microsoft.com/office/drawing/2010/main" val="0"/>
+              </a:ext>
+              <a:ext uri="{96DAC541-7B7A-43D3-8B79-37D633B846F1}">
+                <asvg:svgBlip xmlns:asvg="http://schemas.microsoft.com/office/drawing/2016/SVG/main" r:embed="rId3"/>
+              </a:ext>
+            </a:extLst>
+          </a:blip>
+          <a:stretch>
+            <a:fillRect/>
+          </a:stretch>
+        </p:blipFill>
+        <p:spPr>
+          <a:xfrm>
+            <a:off x="7613506" y="5364423"/>
+            <a:ext cx="914400" cy="914400"/>
+          </a:xfrm>
+          <a:prstGeom prst="rect">
+            <a:avLst/>
+          </a:prstGeom>
+        </p:spPr>
+      </p:pic>
+      <p:pic>
+        <p:nvPicPr>
+          <p:cNvPr id="40" name="Content Placeholder 4" descr="Computer">
+            <a:extLst>
+              <a:ext uri="{FF2B5EF4-FFF2-40B4-BE49-F238E27FC236}">
+                <a16:creationId xmlns:a16="http://schemas.microsoft.com/office/drawing/2014/main" id="{7A4D4316-7489-485B-A437-B7B937535C44}"/>
+              </a:ext>
+            </a:extLst>
+          </p:cNvPr>
+          <p:cNvPicPr>
+            <a:picLocks noChangeAspect="1"/>
+          </p:cNvPicPr>
+          <p:nvPr/>
+        </p:nvPicPr>
+        <p:blipFill>
+          <a:blip r:embed="rId2">
+            <a:extLst>
+              <a:ext uri="{28A0092B-C50C-407E-A947-70E740481C1C}">
+                <a14:useLocalDpi xmlns:a14="http://schemas.microsoft.com/office/drawing/2010/main" val="0"/>
+              </a:ext>
+              <a:ext uri="{96DAC541-7B7A-43D3-8B79-37D633B846F1}">
+                <asvg:svgBlip xmlns:asvg="http://schemas.microsoft.com/office/drawing/2016/SVG/main" r:embed="rId3"/>
+              </a:ext>
+            </a:extLst>
+          </a:blip>
+          <a:stretch>
+            <a:fillRect/>
+          </a:stretch>
+        </p:blipFill>
+        <p:spPr>
+          <a:xfrm>
+            <a:off x="8781906" y="5364423"/>
+            <a:ext cx="914400" cy="914400"/>
+          </a:xfrm>
+          <a:prstGeom prst="rect">
+            <a:avLst/>
+          </a:prstGeom>
+        </p:spPr>
+      </p:pic>
+      <p:pic>
+        <p:nvPicPr>
+          <p:cNvPr id="41" name="Content Placeholder 4" descr="Computer">
+            <a:extLst>
+              <a:ext uri="{FF2B5EF4-FFF2-40B4-BE49-F238E27FC236}">
+                <a16:creationId xmlns:a16="http://schemas.microsoft.com/office/drawing/2014/main" id="{0015ABB6-EF2C-41F4-8697-73CD84AF855E}"/>
+              </a:ext>
+            </a:extLst>
+          </p:cNvPr>
+          <p:cNvPicPr>
+            <a:picLocks noChangeAspect="1"/>
+          </p:cNvPicPr>
+          <p:nvPr/>
+        </p:nvPicPr>
+        <p:blipFill>
+          <a:blip r:embed="rId2">
+            <a:extLst>
+              <a:ext uri="{28A0092B-C50C-407E-A947-70E740481C1C}">
+                <a14:useLocalDpi xmlns:a14="http://schemas.microsoft.com/office/drawing/2010/main" val="0"/>
+              </a:ext>
+              <a:ext uri="{96DAC541-7B7A-43D3-8B79-37D633B846F1}">
+                <asvg:svgBlip xmlns:asvg="http://schemas.microsoft.com/office/drawing/2016/SVG/main" r:embed="rId3"/>
+              </a:ext>
+            </a:extLst>
+          </a:blip>
+          <a:stretch>
+            <a:fillRect/>
+          </a:stretch>
+        </p:blipFill>
+        <p:spPr>
+          <a:xfrm>
+            <a:off x="9950306" y="5364423"/>
+            <a:ext cx="914400" cy="914400"/>
+          </a:xfrm>
+          <a:prstGeom prst="rect">
+            <a:avLst/>
+          </a:prstGeom>
+        </p:spPr>
+      </p:pic>
+      <p:pic>
+        <p:nvPicPr>
+          <p:cNvPr id="42" name="Content Placeholder 4" descr="Computer">
+            <a:extLst>
+              <a:ext uri="{FF2B5EF4-FFF2-40B4-BE49-F238E27FC236}">
+                <a16:creationId xmlns:a16="http://schemas.microsoft.com/office/drawing/2014/main" id="{75386887-2ADD-48BD-BA1E-B3E99A5E5BC3}"/>
+              </a:ext>
+            </a:extLst>
+          </p:cNvPr>
+          <p:cNvPicPr>
+            <a:picLocks noChangeAspect="1"/>
+          </p:cNvPicPr>
+          <p:nvPr/>
+        </p:nvPicPr>
+        <p:blipFill>
+          <a:blip r:embed="rId2">
+            <a:extLst>
+              <a:ext uri="{28A0092B-C50C-407E-A947-70E740481C1C}">
+                <a14:useLocalDpi xmlns:a14="http://schemas.microsoft.com/office/drawing/2010/main" val="0"/>
+              </a:ext>
+              <a:ext uri="{96DAC541-7B7A-43D3-8B79-37D633B846F1}">
+                <asvg:svgBlip xmlns:asvg="http://schemas.microsoft.com/office/drawing/2016/SVG/main" r:embed="rId3"/>
+              </a:ext>
+            </a:extLst>
+          </a:blip>
+          <a:stretch>
+            <a:fillRect/>
+          </a:stretch>
+        </p:blipFill>
+        <p:spPr>
+          <a:xfrm>
+            <a:off x="7474961" y="1285759"/>
+            <a:ext cx="914400" cy="914400"/>
+          </a:xfrm>
+          <a:prstGeom prst="rect">
+            <a:avLst/>
+          </a:prstGeom>
+        </p:spPr>
+      </p:pic>
+      <p:sp>
+        <p:nvSpPr>
+          <p:cNvPr id="43" name="Arrow: Left-Right 42">
+            <a:extLst>
+              <a:ext uri="{FF2B5EF4-FFF2-40B4-BE49-F238E27FC236}">
+                <a16:creationId xmlns:a16="http://schemas.microsoft.com/office/drawing/2014/main" id="{63349245-4DDA-47F3-9207-D38E545293C9}"/>
+              </a:ext>
+            </a:extLst>
+          </p:cNvPr>
+          <p:cNvSpPr/>
+          <p:nvPr/>
+        </p:nvSpPr>
+        <p:spPr>
+          <a:xfrm rot="18523008">
+            <a:off x="4511628" y="2425794"/>
+            <a:ext cx="1216152" cy="484632"/>
+          </a:xfrm>
+          <a:prstGeom prst="leftRightArrow">
+            <a:avLst/>
+          </a:prstGeom>
+        </p:spPr>
+        <p:style>
+          <a:lnRef idx="2">
+            <a:schemeClr val="accent1">
+              <a:shade val="50000"/>
+            </a:schemeClr>
+          </a:lnRef>
+          <a:fillRef idx="1">
+            <a:schemeClr val="accent1"/>
+          </a:fillRef>
+          <a:effectRef idx="0">
+            <a:schemeClr val="accent1"/>
+          </a:effectRef>
+          <a:fontRef idx="minor">
+            <a:schemeClr val="lt1"/>
+          </a:fontRef>
+        </p:style>
+        <p:txBody>
+          <a:bodyPr rtlCol="0" anchor="ctr"/>
+          <a:lstStyle/>
+          <a:p>
+            <a:pPr algn="ctr"/>
+            <a:endParaRPr lang="en-IN"/>
+          </a:p>
+        </p:txBody>
+      </p:sp>
+      <p:sp>
+        <p:nvSpPr>
+          <p:cNvPr id="44" name="Arrow: Left-Right 43">
+            <a:extLst>
+              <a:ext uri="{FF2B5EF4-FFF2-40B4-BE49-F238E27FC236}">
+                <a16:creationId xmlns:a16="http://schemas.microsoft.com/office/drawing/2014/main" id="{31962C4B-08C5-4C8A-9939-53B5A5B540D3}"/>
+              </a:ext>
+            </a:extLst>
+          </p:cNvPr>
+          <p:cNvSpPr/>
+          <p:nvPr/>
+        </p:nvSpPr>
+        <p:spPr>
+          <a:xfrm>
+            <a:off x="6177404" y="1463041"/>
+            <a:ext cx="1216152" cy="484632"/>
+          </a:xfrm>
+          <a:prstGeom prst="leftRightArrow">
+            <a:avLst/>
+          </a:prstGeom>
+        </p:spPr>
+        <p:style>
+          <a:lnRef idx="2">
+            <a:schemeClr val="accent1">
+              <a:shade val="50000"/>
+            </a:schemeClr>
+          </a:lnRef>
+          <a:fillRef idx="1">
+            <a:schemeClr val="accent1"/>
+          </a:fillRef>
+          <a:effectRef idx="0">
+            <a:schemeClr val="accent1"/>
+          </a:effectRef>
+          <a:fontRef idx="minor">
+            <a:schemeClr val="lt1"/>
+          </a:fontRef>
+        </p:style>
+        <p:txBody>
+          <a:bodyPr rtlCol="0" anchor="ctr"/>
+          <a:lstStyle/>
+          <a:p>
+            <a:pPr algn="ctr"/>
+            <a:endParaRPr lang="en-IN"/>
+          </a:p>
+        </p:txBody>
+      </p:sp>
+      <p:sp>
+        <p:nvSpPr>
+          <p:cNvPr id="45" name="Arrow: Left-Right 44">
+            <a:extLst>
+              <a:ext uri="{FF2B5EF4-FFF2-40B4-BE49-F238E27FC236}">
+                <a16:creationId xmlns:a16="http://schemas.microsoft.com/office/drawing/2014/main" id="{2822F825-D546-4965-B380-F3A5E7756E58}"/>
+              </a:ext>
+            </a:extLst>
+          </p:cNvPr>
+          <p:cNvSpPr/>
+          <p:nvPr/>
+        </p:nvSpPr>
+        <p:spPr>
+          <a:xfrm rot="13756810">
+            <a:off x="5701496" y="2432862"/>
+            <a:ext cx="1216152" cy="484632"/>
+          </a:xfrm>
+          <a:prstGeom prst="leftRightArrow">
+            <a:avLst/>
+          </a:prstGeom>
+        </p:spPr>
+        <p:style>
+          <a:lnRef idx="2">
+            <a:schemeClr val="accent1">
+              <a:shade val="50000"/>
+            </a:schemeClr>
+          </a:lnRef>
+          <a:fillRef idx="1">
+            <a:schemeClr val="accent1"/>
+          </a:fillRef>
+          <a:effectRef idx="0">
+            <a:schemeClr val="accent1"/>
+          </a:effectRef>
+          <a:fontRef idx="minor">
+            <a:schemeClr val="lt1"/>
+          </a:fontRef>
+        </p:style>
+        <p:txBody>
+          <a:bodyPr rtlCol="0" anchor="ctr"/>
+          <a:lstStyle/>
+          <a:p>
+            <a:pPr algn="ctr"/>
+            <a:endParaRPr lang="en-IN"/>
+          </a:p>
+        </p:txBody>
+      </p:sp>
+      <p:sp>
+        <p:nvSpPr>
+          <p:cNvPr id="46" name="TextBox 45">
+            <a:extLst>
+              <a:ext uri="{FF2B5EF4-FFF2-40B4-BE49-F238E27FC236}">
+                <a16:creationId xmlns:a16="http://schemas.microsoft.com/office/drawing/2014/main" id="{0BAD6C6B-1045-45AA-B441-57EEEFC37C8E}"/>
+              </a:ext>
+            </a:extLst>
+          </p:cNvPr>
+          <p:cNvSpPr txBox="1"/>
+          <p:nvPr/>
+        </p:nvSpPr>
+        <p:spPr>
+          <a:xfrm>
+            <a:off x="3800578" y="2042098"/>
+            <a:ext cx="1593706" cy="646331"/>
+          </a:xfrm>
+          <a:prstGeom prst="rect">
+            <a:avLst/>
+          </a:prstGeom>
+          <a:noFill/>
+        </p:spPr>
+        <p:txBody>
+          <a:bodyPr wrap="none" rtlCol="0">
+            <a:spAutoFit/>
+          </a:bodyPr>
+          <a:lstStyle/>
+          <a:p>
+            <a:r>
+              <a:rPr lang="en-IN" dirty="0"/>
+              <a:t>Master</a:t>
+            </a:r>
+          </a:p>
+          <a:p>
+            <a:r>
+              <a:rPr lang="en-IN" dirty="0"/>
+              <a:t>NAME NODE</a:t>
+            </a:r>
+          </a:p>
+        </p:txBody>
+      </p:sp>
+      <p:sp>
+        <p:nvSpPr>
+          <p:cNvPr id="48" name="TextBox 47">
+            <a:extLst>
+              <a:ext uri="{FF2B5EF4-FFF2-40B4-BE49-F238E27FC236}">
+                <a16:creationId xmlns:a16="http://schemas.microsoft.com/office/drawing/2014/main" id="{E1363ECF-EA69-4E5B-AEC6-04652FCF8438}"/>
+              </a:ext>
+            </a:extLst>
+          </p:cNvPr>
+          <p:cNvSpPr txBox="1"/>
+          <p:nvPr/>
+        </p:nvSpPr>
+        <p:spPr>
+          <a:xfrm>
+            <a:off x="7584159" y="2047859"/>
+            <a:ext cx="3047330" cy="646331"/>
+          </a:xfrm>
+          <a:prstGeom prst="rect">
+            <a:avLst/>
+          </a:prstGeom>
+          <a:noFill/>
+        </p:spPr>
+        <p:txBody>
+          <a:bodyPr wrap="square" rtlCol="0">
+            <a:spAutoFit/>
+          </a:bodyPr>
+          <a:lstStyle/>
+          <a:p>
+            <a:r>
+              <a:rPr lang="en-IN" dirty="0"/>
+              <a:t>Secondary Master</a:t>
+            </a:r>
+          </a:p>
+          <a:p>
+            <a:r>
+              <a:rPr lang="en-IN" dirty="0"/>
+              <a:t>Secondary Name Node</a:t>
+            </a:r>
+          </a:p>
+        </p:txBody>
+      </p:sp>
+      <p:sp>
+        <p:nvSpPr>
+          <p:cNvPr id="49" name="TextBox 48">
+            <a:extLst>
+              <a:ext uri="{FF2B5EF4-FFF2-40B4-BE49-F238E27FC236}">
+                <a16:creationId xmlns:a16="http://schemas.microsoft.com/office/drawing/2014/main" id="{1216C1A7-C789-4FE0-9964-2425451C2CBE}"/>
+              </a:ext>
+            </a:extLst>
+          </p:cNvPr>
+          <p:cNvSpPr txBox="1"/>
+          <p:nvPr/>
+        </p:nvSpPr>
+        <p:spPr>
+          <a:xfrm>
+            <a:off x="2675715" y="2668110"/>
+            <a:ext cx="1527982" cy="646331"/>
+          </a:xfrm>
+          <a:prstGeom prst="rect">
+            <a:avLst/>
+          </a:prstGeom>
+          <a:noFill/>
+        </p:spPr>
+        <p:txBody>
+          <a:bodyPr wrap="none" rtlCol="0">
+            <a:spAutoFit/>
+          </a:bodyPr>
+          <a:lstStyle/>
+          <a:p>
+            <a:r>
+              <a:rPr lang="en-IN" dirty="0"/>
+              <a:t>Nodes</a:t>
+            </a:r>
+          </a:p>
+          <a:p>
+            <a:r>
+              <a:rPr lang="en-IN" dirty="0"/>
+              <a:t>DATA NODE</a:t>
+            </a:r>
+          </a:p>
+        </p:txBody>
+      </p:sp>
+      <p:sp>
+        <p:nvSpPr>
+          <p:cNvPr id="50" name="Rectangle 49">
+            <a:extLst>
+              <a:ext uri="{FF2B5EF4-FFF2-40B4-BE49-F238E27FC236}">
+                <a16:creationId xmlns:a16="http://schemas.microsoft.com/office/drawing/2014/main" id="{666B08C2-2585-4407-99F1-CAF5DF5B9113}"/>
+              </a:ext>
+            </a:extLst>
+          </p:cNvPr>
+          <p:cNvSpPr/>
+          <p:nvPr/>
+        </p:nvSpPr>
+        <p:spPr>
+          <a:xfrm>
+            <a:off x="8327976" y="2754441"/>
+            <a:ext cx="1527982" cy="646331"/>
+          </a:xfrm>
+          <a:prstGeom prst="rect">
+            <a:avLst/>
+          </a:prstGeom>
+        </p:spPr>
+        <p:txBody>
+          <a:bodyPr wrap="none">
+            <a:spAutoFit/>
+          </a:bodyPr>
+          <a:lstStyle/>
+          <a:p>
+            <a:r>
+              <a:rPr lang="en-IN" dirty="0"/>
+              <a:t>Nodes</a:t>
+            </a:r>
+          </a:p>
+          <a:p>
+            <a:r>
+              <a:rPr lang="en-IN" dirty="0"/>
+              <a:t>DATA NODE</a:t>
+            </a:r>
+          </a:p>
+        </p:txBody>
+      </p:sp>
+    </p:spTree>
+    <p:extLst>
+      <p:ext uri="{BB962C8B-B14F-4D97-AF65-F5344CB8AC3E}">
+        <p14:creationId xmlns:p14="http://schemas.microsoft.com/office/powerpoint/2010/main" val="1348424949"/>
+      </p:ext>
+    </p:extLst>
+  </p:cSld>
+  <p:clrMapOvr>
+    <a:masterClrMapping/>
+  </p:clrMapOvr>
+</p:sld>
+</file>
+
+<file path=ppt/slides/slide23.xml><?xml version="1.0" encoding="utf-8"?>
+<p:sld xmlns:a="http://schemas.openxmlformats.org/drawingml/2006/main" xmlns:r="http://schemas.openxmlformats.org/officeDocument/2006/relationships" xmlns:p="http://schemas.openxmlformats.org/presentationml/2006/main">
+  <p:cSld>
+    <p:spTree>
+      <p:nvGrpSpPr>
+        <p:cNvPr id="1" name=""/>
+        <p:cNvGrpSpPr/>
+        <p:nvPr/>
+      </p:nvGrpSpPr>
+      <p:grpSpPr>
+        <a:xfrm>
+          <a:off x="0" y="0"/>
+          <a:ext cx="0" cy="0"/>
+          <a:chOff x="0" y="0"/>
+          <a:chExt cx="0" cy="0"/>
+        </a:xfrm>
+      </p:grpSpPr>
+      <p:sp>
+        <p:nvSpPr>
+          <p:cNvPr id="2" name="Title 1">
+            <a:extLst>
+              <a:ext uri="{FF2B5EF4-FFF2-40B4-BE49-F238E27FC236}">
+                <a16:creationId xmlns:a16="http://schemas.microsoft.com/office/drawing/2014/main" id="{0760D306-CE8D-40AC-8CF2-2594F68B50A1}"/>
+              </a:ext>
+            </a:extLst>
+          </p:cNvPr>
+          <p:cNvSpPr>
+            <a:spLocks noGrp="1"/>
+          </p:cNvSpPr>
+          <p:nvPr>
+            <p:ph type="title"/>
+          </p:nvPr>
+        </p:nvSpPr>
+        <p:spPr/>
+        <p:txBody>
+          <a:bodyPr/>
+          <a:lstStyle/>
+          <a:p>
+            <a:r>
+              <a:rPr lang="en-IN" dirty="0"/>
+              <a:t>Hadoop 2.0</a:t>
+            </a:r>
+          </a:p>
+        </p:txBody>
+      </p:sp>
+      <p:sp>
+        <p:nvSpPr>
+          <p:cNvPr id="3" name="Content Placeholder 2">
+            <a:extLst>
+              <a:ext uri="{FF2B5EF4-FFF2-40B4-BE49-F238E27FC236}">
+                <a16:creationId xmlns:a16="http://schemas.microsoft.com/office/drawing/2014/main" id="{932F1472-895F-4A12-AD61-957944AC7609}"/>
+              </a:ext>
+            </a:extLst>
+          </p:cNvPr>
+          <p:cNvSpPr>
+            <a:spLocks noGrp="1"/>
+          </p:cNvSpPr>
+          <p:nvPr>
+            <p:ph idx="1"/>
+          </p:nvPr>
+        </p:nvSpPr>
+        <p:spPr/>
+        <p:txBody>
+          <a:bodyPr/>
+          <a:lstStyle/>
+          <a:p>
+            <a:r>
+              <a:rPr lang="en-US" dirty="0"/>
+              <a:t>Name node</a:t>
+            </a:r>
+          </a:p>
+          <a:p>
+            <a:r>
+              <a:rPr lang="en-US" dirty="0"/>
+              <a:t>Data node</a:t>
+            </a:r>
+          </a:p>
+          <a:p>
+            <a:r>
+              <a:rPr lang="en-US" dirty="0"/>
+              <a:t>Secondary Name node</a:t>
+            </a:r>
+          </a:p>
+          <a:p>
+            <a:r>
+              <a:rPr lang="en-US" dirty="0"/>
+              <a:t>Resource Manager</a:t>
+            </a:r>
+          </a:p>
+          <a:p>
+            <a:r>
+              <a:rPr lang="en-US" dirty="0"/>
+              <a:t>Node Manager</a:t>
+            </a:r>
+            <a:endParaRPr lang="en-IN" dirty="0"/>
+          </a:p>
+          <a:p>
+            <a:endParaRPr lang="en-IN" dirty="0"/>
+          </a:p>
+        </p:txBody>
+      </p:sp>
+    </p:spTree>
+    <p:extLst>
+      <p:ext uri="{BB962C8B-B14F-4D97-AF65-F5344CB8AC3E}">
+        <p14:creationId xmlns:p14="http://schemas.microsoft.com/office/powerpoint/2010/main" val="1391813250"/>
       </p:ext>
     </p:extLst>
   </p:cSld>
